--- a/Day2/ex2-1_edge_detection/ex2-1_edge_detection.pptx
+++ b/Day2/ex2-1_edge_detection/ex2-1_edge_detection.pptx
@@ -5,7 +5,7 @@
     <p:sldMasterId id="2147483831" r:id="rId1"/>
   </p:sldMasterIdLst>
   <p:notesMasterIdLst>
-    <p:notesMasterId r:id="rId23"/>
+    <p:notesMasterId r:id="rId29"/>
   </p:notesMasterIdLst>
   <p:sldIdLst>
     <p:sldId id="256" r:id="rId2"/>
@@ -13,22 +13,28 @@
     <p:sldId id="258" r:id="rId4"/>
     <p:sldId id="271" r:id="rId5"/>
     <p:sldId id="265" r:id="rId6"/>
-    <p:sldId id="272" r:id="rId7"/>
-    <p:sldId id="277" r:id="rId8"/>
-    <p:sldId id="273" r:id="rId9"/>
-    <p:sldId id="275" r:id="rId10"/>
-    <p:sldId id="276" r:id="rId11"/>
-    <p:sldId id="274" r:id="rId12"/>
-    <p:sldId id="278" r:id="rId13"/>
-    <p:sldId id="279" r:id="rId14"/>
-    <p:sldId id="268" r:id="rId15"/>
-    <p:sldId id="281" r:id="rId16"/>
-    <p:sldId id="280" r:id="rId17"/>
-    <p:sldId id="267" r:id="rId18"/>
-    <p:sldId id="269" r:id="rId19"/>
-    <p:sldId id="282" r:id="rId20"/>
-    <p:sldId id="283" r:id="rId21"/>
-    <p:sldId id="270" r:id="rId22"/>
+    <p:sldId id="284" r:id="rId7"/>
+    <p:sldId id="285" r:id="rId8"/>
+    <p:sldId id="272" r:id="rId9"/>
+    <p:sldId id="273" r:id="rId10"/>
+    <p:sldId id="278" r:id="rId11"/>
+    <p:sldId id="286" r:id="rId12"/>
+    <p:sldId id="279" r:id="rId13"/>
+    <p:sldId id="268" r:id="rId14"/>
+    <p:sldId id="281" r:id="rId15"/>
+    <p:sldId id="280" r:id="rId16"/>
+    <p:sldId id="267" r:id="rId17"/>
+    <p:sldId id="269" r:id="rId18"/>
+    <p:sldId id="282" r:id="rId19"/>
+    <p:sldId id="287" r:id="rId20"/>
+    <p:sldId id="288" r:id="rId21"/>
+    <p:sldId id="289" r:id="rId22"/>
+    <p:sldId id="283" r:id="rId23"/>
+    <p:sldId id="270" r:id="rId24"/>
+    <p:sldId id="290" r:id="rId25"/>
+    <p:sldId id="292" r:id="rId26"/>
+    <p:sldId id="293" r:id="rId27"/>
+    <p:sldId id="291" r:id="rId28"/>
   </p:sldIdLst>
   <p:sldSz cx="9144000" cy="6858000" type="screen4x3"/>
   <p:notesSz cx="6858000" cy="9144000"/>
@@ -135,6 +141,1681 @@
 </p:presentation>
 </file>
 
+<file path=ppt/revisionInfo.xml><?xml version="1.0" encoding="utf-8"?>
+<p1510:revInfo xmlns:a="http://schemas.openxmlformats.org/drawingml/2006/main" xmlns:r="http://schemas.openxmlformats.org/officeDocument/2006/relationships" xmlns:p1510="http://schemas.microsoft.com/office/powerpoint/2015/10/main">
+  <p1510:revLst>
+    <p1510:client id="{54FD08B6-476F-47D7-A96A-717F72F5977C}" v="32" dt="2022-09-15T14:33:05.296"/>
+  </p1510:revLst>
+</p1510:revInfo>
+</file>
+
+<file path=ppt/changesInfos/changesInfo1.xml><?xml version="1.0" encoding="utf-8"?>
+<pc:chgInfo xmlns:a="http://schemas.openxmlformats.org/drawingml/2006/main" xmlns:r="http://schemas.openxmlformats.org/officeDocument/2006/relationships" xmlns:ac="http://schemas.microsoft.com/office/drawing/2013/main/command" xmlns:pc="http://schemas.microsoft.com/office/powerpoint/2013/main/command">
+  <pc:docChgLst>
+    <pc:chgData name="이종은" userId="5cabcc43-02d4-48e1-8252-8be248ae0561" providerId="ADAL" clId="{54FD08B6-476F-47D7-A96A-717F72F5977C}"/>
+    <pc:docChg chg="undo redo custSel addSld delSld modSld sldOrd">
+      <pc:chgData name="이종은" userId="5cabcc43-02d4-48e1-8252-8be248ae0561" providerId="ADAL" clId="{54FD08B6-476F-47D7-A96A-717F72F5977C}" dt="2022-09-15T14:35:54.495" v="660" actId="478"/>
+      <pc:docMkLst>
+        <pc:docMk/>
+      </pc:docMkLst>
+      <pc:sldChg chg="addSp delSp modSp mod">
+        <pc:chgData name="이종은" userId="5cabcc43-02d4-48e1-8252-8be248ae0561" providerId="ADAL" clId="{54FD08B6-476F-47D7-A96A-717F72F5977C}" dt="2022-09-15T12:20:17.224" v="170" actId="1076"/>
+        <pc:sldMkLst>
+          <pc:docMk/>
+          <pc:sldMk cId="3983367224" sldId="265"/>
+        </pc:sldMkLst>
+        <pc:picChg chg="add mod">
+          <ac:chgData name="이종은" userId="5cabcc43-02d4-48e1-8252-8be248ae0561" providerId="ADAL" clId="{54FD08B6-476F-47D7-A96A-717F72F5977C}" dt="2022-09-15T12:20:17.224" v="170" actId="1076"/>
+          <ac:picMkLst>
+            <pc:docMk/>
+            <pc:sldMk cId="3983367224" sldId="265"/>
+            <ac:picMk id="5" creationId="{393C7918-5FD4-317B-06A7-5F226F6D5AD5}"/>
+          </ac:picMkLst>
+        </pc:picChg>
+        <pc:picChg chg="del">
+          <ac:chgData name="이종은" userId="5cabcc43-02d4-48e1-8252-8be248ae0561" providerId="ADAL" clId="{54FD08B6-476F-47D7-A96A-717F72F5977C}" dt="2022-09-15T12:20:13.548" v="166" actId="478"/>
+          <ac:picMkLst>
+            <pc:docMk/>
+            <pc:sldMk cId="3983367224" sldId="265"/>
+            <ac:picMk id="6" creationId="{D87CCFA0-F7DB-451A-A459-7D9B65FDC97F}"/>
+          </ac:picMkLst>
+        </pc:picChg>
+        <pc:picChg chg="del">
+          <ac:chgData name="이종은" userId="5cabcc43-02d4-48e1-8252-8be248ae0561" providerId="ADAL" clId="{54FD08B6-476F-47D7-A96A-717F72F5977C}" dt="2022-09-15T12:20:13.826" v="167" actId="478"/>
+          <ac:picMkLst>
+            <pc:docMk/>
+            <pc:sldMk cId="3983367224" sldId="265"/>
+            <ac:picMk id="8" creationId="{A42CF7D7-3CF4-45DD-82B1-C83DDE608D92}"/>
+          </ac:picMkLst>
+        </pc:picChg>
+      </pc:sldChg>
+      <pc:sldChg chg="addSp delSp modSp mod">
+        <pc:chgData name="이종은" userId="5cabcc43-02d4-48e1-8252-8be248ae0561" providerId="ADAL" clId="{54FD08B6-476F-47D7-A96A-717F72F5977C}" dt="2022-09-15T13:15:53.819" v="270" actId="1076"/>
+        <pc:sldMkLst>
+          <pc:docMk/>
+          <pc:sldMk cId="3774019723" sldId="267"/>
+        </pc:sldMkLst>
+        <pc:picChg chg="add mod">
+          <ac:chgData name="이종은" userId="5cabcc43-02d4-48e1-8252-8be248ae0561" providerId="ADAL" clId="{54FD08B6-476F-47D7-A96A-717F72F5977C}" dt="2022-09-15T13:15:53.819" v="270" actId="1076"/>
+          <ac:picMkLst>
+            <pc:docMk/>
+            <pc:sldMk cId="3774019723" sldId="267"/>
+            <ac:picMk id="5" creationId="{800BB50E-9277-AD4A-474D-8512E88801FE}"/>
+          </ac:picMkLst>
+        </pc:picChg>
+        <pc:picChg chg="del">
+          <ac:chgData name="이종은" userId="5cabcc43-02d4-48e1-8252-8be248ae0561" providerId="ADAL" clId="{54FD08B6-476F-47D7-A96A-717F72F5977C}" dt="2022-09-15T13:15:47.013" v="265" actId="478"/>
+          <ac:picMkLst>
+            <pc:docMk/>
+            <pc:sldMk cId="3774019723" sldId="267"/>
+            <ac:picMk id="6" creationId="{B1F97B9C-939C-4BCB-BA8C-1FA2D39706EF}"/>
+          </ac:picMkLst>
+        </pc:picChg>
+      </pc:sldChg>
+      <pc:sldChg chg="modSp mod">
+        <pc:chgData name="이종은" userId="5cabcc43-02d4-48e1-8252-8be248ae0561" providerId="ADAL" clId="{54FD08B6-476F-47D7-A96A-717F72F5977C}" dt="2022-09-15T13:18:31.755" v="385" actId="404"/>
+        <pc:sldMkLst>
+          <pc:docMk/>
+          <pc:sldMk cId="674689588" sldId="269"/>
+        </pc:sldMkLst>
+        <pc:spChg chg="mod">
+          <ac:chgData name="이종은" userId="5cabcc43-02d4-48e1-8252-8be248ae0561" providerId="ADAL" clId="{54FD08B6-476F-47D7-A96A-717F72F5977C}" dt="2022-09-15T13:18:31.755" v="385" actId="404"/>
+          <ac:spMkLst>
+            <pc:docMk/>
+            <pc:sldMk cId="674689588" sldId="269"/>
+            <ac:spMk id="9" creationId="{00000000-0000-0000-0000-000000000000}"/>
+          </ac:spMkLst>
+        </pc:spChg>
+      </pc:sldChg>
+      <pc:sldChg chg="addSp delSp modSp mod">
+        <pc:chgData name="이종은" userId="5cabcc43-02d4-48e1-8252-8be248ae0561" providerId="ADAL" clId="{54FD08B6-476F-47D7-A96A-717F72F5977C}" dt="2022-09-15T13:20:57.825" v="394" actId="1076"/>
+        <pc:sldMkLst>
+          <pc:docMk/>
+          <pc:sldMk cId="2907054281" sldId="270"/>
+        </pc:sldMkLst>
+        <pc:picChg chg="add mod">
+          <ac:chgData name="이종은" userId="5cabcc43-02d4-48e1-8252-8be248ae0561" providerId="ADAL" clId="{54FD08B6-476F-47D7-A96A-717F72F5977C}" dt="2022-09-15T13:20:57.825" v="394" actId="1076"/>
+          <ac:picMkLst>
+            <pc:docMk/>
+            <pc:sldMk cId="2907054281" sldId="270"/>
+            <ac:picMk id="4" creationId="{C7999B07-EDFF-9D63-D8DD-D0544F867B7E}"/>
+          </ac:picMkLst>
+        </pc:picChg>
+        <pc:picChg chg="del">
+          <ac:chgData name="이종은" userId="5cabcc43-02d4-48e1-8252-8be248ae0561" providerId="ADAL" clId="{54FD08B6-476F-47D7-A96A-717F72F5977C}" dt="2022-09-15T13:20:54.198" v="391" actId="478"/>
+          <ac:picMkLst>
+            <pc:docMk/>
+            <pc:sldMk cId="2907054281" sldId="270"/>
+            <ac:picMk id="6" creationId="{00000000-0000-0000-0000-000000000000}"/>
+          </ac:picMkLst>
+        </pc:picChg>
+      </pc:sldChg>
+      <pc:sldChg chg="addSp modSp mod">
+        <pc:chgData name="이종은" userId="5cabcc43-02d4-48e1-8252-8be248ae0561" providerId="ADAL" clId="{54FD08B6-476F-47D7-A96A-717F72F5977C}" dt="2022-09-15T12:00:53.009" v="130" actId="554"/>
+        <pc:sldMkLst>
+          <pc:docMk/>
+          <pc:sldMk cId="2207000347" sldId="271"/>
+        </pc:sldMkLst>
+        <pc:spChg chg="mod">
+          <ac:chgData name="이종은" userId="5cabcc43-02d4-48e1-8252-8be248ae0561" providerId="ADAL" clId="{54FD08B6-476F-47D7-A96A-717F72F5977C}" dt="2022-09-15T12:00:47.737" v="129" actId="571"/>
+          <ac:spMkLst>
+            <pc:docMk/>
+            <pc:sldMk cId="2207000347" sldId="271"/>
+            <ac:spMk id="6" creationId="{950D6801-4BD9-0814-914F-B3EA0977B5F9}"/>
+          </ac:spMkLst>
+        </pc:spChg>
+        <pc:spChg chg="mod">
+          <ac:chgData name="이종은" userId="5cabcc43-02d4-48e1-8252-8be248ae0561" providerId="ADAL" clId="{54FD08B6-476F-47D7-A96A-717F72F5977C}" dt="2022-09-15T12:00:47.737" v="129" actId="571"/>
+          <ac:spMkLst>
+            <pc:docMk/>
+            <pc:sldMk cId="2207000347" sldId="271"/>
+            <ac:spMk id="7" creationId="{2A5D1643-0FF1-4FA9-A07B-B68E9192CD7F}"/>
+          </ac:spMkLst>
+        </pc:spChg>
+        <pc:spChg chg="mod">
+          <ac:chgData name="이종은" userId="5cabcc43-02d4-48e1-8252-8be248ae0561" providerId="ADAL" clId="{54FD08B6-476F-47D7-A96A-717F72F5977C}" dt="2022-09-15T12:00:47.737" v="129" actId="571"/>
+          <ac:spMkLst>
+            <pc:docMk/>
+            <pc:sldMk cId="2207000347" sldId="271"/>
+            <ac:spMk id="8" creationId="{5898E21B-8BE5-1995-C122-271DD1D00C7A}"/>
+          </ac:spMkLst>
+        </pc:spChg>
+        <pc:spChg chg="mod">
+          <ac:chgData name="이종은" userId="5cabcc43-02d4-48e1-8252-8be248ae0561" providerId="ADAL" clId="{54FD08B6-476F-47D7-A96A-717F72F5977C}" dt="2022-09-15T12:00:47.737" v="129" actId="571"/>
+          <ac:spMkLst>
+            <pc:docMk/>
+            <pc:sldMk cId="2207000347" sldId="271"/>
+            <ac:spMk id="9" creationId="{03C1C565-C139-87FF-4A6A-6DE06D231D2D}"/>
+          </ac:spMkLst>
+        </pc:spChg>
+        <pc:spChg chg="mod">
+          <ac:chgData name="이종은" userId="5cabcc43-02d4-48e1-8252-8be248ae0561" providerId="ADAL" clId="{54FD08B6-476F-47D7-A96A-717F72F5977C}" dt="2022-09-15T12:00:47.737" v="129" actId="571"/>
+          <ac:spMkLst>
+            <pc:docMk/>
+            <pc:sldMk cId="2207000347" sldId="271"/>
+            <ac:spMk id="10" creationId="{F072F8DC-BEC1-79C4-52A2-A0133703CEA7}"/>
+          </ac:spMkLst>
+        </pc:spChg>
+        <pc:spChg chg="mod">
+          <ac:chgData name="이종은" userId="5cabcc43-02d4-48e1-8252-8be248ae0561" providerId="ADAL" clId="{54FD08B6-476F-47D7-A96A-717F72F5977C}" dt="2022-09-15T12:00:47.737" v="129" actId="571"/>
+          <ac:spMkLst>
+            <pc:docMk/>
+            <pc:sldMk cId="2207000347" sldId="271"/>
+            <ac:spMk id="11" creationId="{543A3841-54B0-9243-4771-B238C27E9240}"/>
+          </ac:spMkLst>
+        </pc:spChg>
+        <pc:spChg chg="mod">
+          <ac:chgData name="이종은" userId="5cabcc43-02d4-48e1-8252-8be248ae0561" providerId="ADAL" clId="{54FD08B6-476F-47D7-A96A-717F72F5977C}" dt="2022-09-15T12:00:47.737" v="129" actId="571"/>
+          <ac:spMkLst>
+            <pc:docMk/>
+            <pc:sldMk cId="2207000347" sldId="271"/>
+            <ac:spMk id="12" creationId="{DA0D3272-2310-2029-6563-D8F9BCF45605}"/>
+          </ac:spMkLst>
+        </pc:spChg>
+        <pc:spChg chg="mod">
+          <ac:chgData name="이종은" userId="5cabcc43-02d4-48e1-8252-8be248ae0561" providerId="ADAL" clId="{54FD08B6-476F-47D7-A96A-717F72F5977C}" dt="2022-09-15T12:00:47.737" v="129" actId="571"/>
+          <ac:spMkLst>
+            <pc:docMk/>
+            <pc:sldMk cId="2207000347" sldId="271"/>
+            <ac:spMk id="13" creationId="{E8E9D052-7B36-21F9-F40D-B50133EF03EC}"/>
+          </ac:spMkLst>
+        </pc:spChg>
+        <pc:spChg chg="mod">
+          <ac:chgData name="이종은" userId="5cabcc43-02d4-48e1-8252-8be248ae0561" providerId="ADAL" clId="{54FD08B6-476F-47D7-A96A-717F72F5977C}" dt="2022-09-15T12:00:47.737" v="129" actId="571"/>
+          <ac:spMkLst>
+            <pc:docMk/>
+            <pc:sldMk cId="2207000347" sldId="271"/>
+            <ac:spMk id="14" creationId="{448417AD-CA02-46EF-EEF8-6AF8390B236E}"/>
+          </ac:spMkLst>
+        </pc:spChg>
+        <pc:spChg chg="mod">
+          <ac:chgData name="이종은" userId="5cabcc43-02d4-48e1-8252-8be248ae0561" providerId="ADAL" clId="{54FD08B6-476F-47D7-A96A-717F72F5977C}" dt="2022-09-15T12:00:47.737" v="129" actId="571"/>
+          <ac:spMkLst>
+            <pc:docMk/>
+            <pc:sldMk cId="2207000347" sldId="271"/>
+            <ac:spMk id="16" creationId="{C4C9B534-A0E3-2D9C-E134-E91AD4B2CB89}"/>
+          </ac:spMkLst>
+        </pc:spChg>
+        <pc:spChg chg="mod">
+          <ac:chgData name="이종은" userId="5cabcc43-02d4-48e1-8252-8be248ae0561" providerId="ADAL" clId="{54FD08B6-476F-47D7-A96A-717F72F5977C}" dt="2022-09-15T12:00:47.737" v="129" actId="571"/>
+          <ac:spMkLst>
+            <pc:docMk/>
+            <pc:sldMk cId="2207000347" sldId="271"/>
+            <ac:spMk id="17" creationId="{615A8588-1DAE-68F4-6613-99E15465DB75}"/>
+          </ac:spMkLst>
+        </pc:spChg>
+        <pc:spChg chg="mod">
+          <ac:chgData name="이종은" userId="5cabcc43-02d4-48e1-8252-8be248ae0561" providerId="ADAL" clId="{54FD08B6-476F-47D7-A96A-717F72F5977C}" dt="2022-09-15T12:00:47.737" v="129" actId="571"/>
+          <ac:spMkLst>
+            <pc:docMk/>
+            <pc:sldMk cId="2207000347" sldId="271"/>
+            <ac:spMk id="18" creationId="{86C52653-3141-251F-53E8-6BE292BB93C5}"/>
+          </ac:spMkLst>
+        </pc:spChg>
+        <pc:spChg chg="mod">
+          <ac:chgData name="이종은" userId="5cabcc43-02d4-48e1-8252-8be248ae0561" providerId="ADAL" clId="{54FD08B6-476F-47D7-A96A-717F72F5977C}" dt="2022-09-15T12:00:47.737" v="129" actId="571"/>
+          <ac:spMkLst>
+            <pc:docMk/>
+            <pc:sldMk cId="2207000347" sldId="271"/>
+            <ac:spMk id="19" creationId="{94F9F972-C63C-D023-44A9-C61A0A8682CB}"/>
+          </ac:spMkLst>
+        </pc:spChg>
+        <pc:spChg chg="mod">
+          <ac:chgData name="이종은" userId="5cabcc43-02d4-48e1-8252-8be248ae0561" providerId="ADAL" clId="{54FD08B6-476F-47D7-A96A-717F72F5977C}" dt="2022-09-15T12:00:47.737" v="129" actId="571"/>
+          <ac:spMkLst>
+            <pc:docMk/>
+            <pc:sldMk cId="2207000347" sldId="271"/>
+            <ac:spMk id="21" creationId="{B329B6FB-5502-F0BF-C661-58BC79F0C10F}"/>
+          </ac:spMkLst>
+        </pc:spChg>
+        <pc:spChg chg="mod">
+          <ac:chgData name="이종은" userId="5cabcc43-02d4-48e1-8252-8be248ae0561" providerId="ADAL" clId="{54FD08B6-476F-47D7-A96A-717F72F5977C}" dt="2022-09-15T12:00:47.737" v="129" actId="571"/>
+          <ac:spMkLst>
+            <pc:docMk/>
+            <pc:sldMk cId="2207000347" sldId="271"/>
+            <ac:spMk id="22" creationId="{FB04DF02-3A0E-27F8-9588-CC39F5A79277}"/>
+          </ac:spMkLst>
+        </pc:spChg>
+        <pc:spChg chg="mod">
+          <ac:chgData name="이종은" userId="5cabcc43-02d4-48e1-8252-8be248ae0561" providerId="ADAL" clId="{54FD08B6-476F-47D7-A96A-717F72F5977C}" dt="2022-09-15T12:00:47.737" v="129" actId="571"/>
+          <ac:spMkLst>
+            <pc:docMk/>
+            <pc:sldMk cId="2207000347" sldId="271"/>
+            <ac:spMk id="23" creationId="{CB59AB0A-6B63-AE5B-4634-10C8E6C929AE}"/>
+          </ac:spMkLst>
+        </pc:spChg>
+        <pc:spChg chg="mod">
+          <ac:chgData name="이종은" userId="5cabcc43-02d4-48e1-8252-8be248ae0561" providerId="ADAL" clId="{54FD08B6-476F-47D7-A96A-717F72F5977C}" dt="2022-09-15T12:00:47.737" v="129" actId="571"/>
+          <ac:spMkLst>
+            <pc:docMk/>
+            <pc:sldMk cId="2207000347" sldId="271"/>
+            <ac:spMk id="24" creationId="{7A315A43-10FB-7F97-E205-A11D6FBCDF6D}"/>
+          </ac:spMkLst>
+        </pc:spChg>
+        <pc:spChg chg="mod">
+          <ac:chgData name="이종은" userId="5cabcc43-02d4-48e1-8252-8be248ae0561" providerId="ADAL" clId="{54FD08B6-476F-47D7-A96A-717F72F5977C}" dt="2022-09-15T12:00:47.737" v="129" actId="571"/>
+          <ac:spMkLst>
+            <pc:docMk/>
+            <pc:sldMk cId="2207000347" sldId="271"/>
+            <ac:spMk id="25" creationId="{953A3DD4-B82D-0F7F-BD17-7B746AE0182E}"/>
+          </ac:spMkLst>
+        </pc:spChg>
+        <pc:spChg chg="mod">
+          <ac:chgData name="이종은" userId="5cabcc43-02d4-48e1-8252-8be248ae0561" providerId="ADAL" clId="{54FD08B6-476F-47D7-A96A-717F72F5977C}" dt="2022-09-15T12:00:29.119" v="114" actId="1037"/>
+          <ac:spMkLst>
+            <pc:docMk/>
+            <pc:sldMk cId="2207000347" sldId="271"/>
+            <ac:spMk id="45" creationId="{6D575707-0EBC-4CDF-8CFE-7B06738824FC}"/>
+          </ac:spMkLst>
+        </pc:spChg>
+        <pc:spChg chg="mod">
+          <ac:chgData name="이종은" userId="5cabcc43-02d4-48e1-8252-8be248ae0561" providerId="ADAL" clId="{54FD08B6-476F-47D7-A96A-717F72F5977C}" dt="2022-09-15T12:00:29.119" v="114" actId="1037"/>
+          <ac:spMkLst>
+            <pc:docMk/>
+            <pc:sldMk cId="2207000347" sldId="271"/>
+            <ac:spMk id="46" creationId="{D49BECDE-D995-4801-B28F-EA58AD251EE4}"/>
+          </ac:spMkLst>
+        </pc:spChg>
+        <pc:spChg chg="mod">
+          <ac:chgData name="이종은" userId="5cabcc43-02d4-48e1-8252-8be248ae0561" providerId="ADAL" clId="{54FD08B6-476F-47D7-A96A-717F72F5977C}" dt="2022-09-15T12:00:29.119" v="114" actId="1037"/>
+          <ac:spMkLst>
+            <pc:docMk/>
+            <pc:sldMk cId="2207000347" sldId="271"/>
+            <ac:spMk id="47" creationId="{363E8443-AD80-4ACD-BB18-028835FEA2E8}"/>
+          </ac:spMkLst>
+        </pc:spChg>
+        <pc:spChg chg="mod">
+          <ac:chgData name="이종은" userId="5cabcc43-02d4-48e1-8252-8be248ae0561" providerId="ADAL" clId="{54FD08B6-476F-47D7-A96A-717F72F5977C}" dt="2022-09-15T11:59:32.760" v="25" actId="1037"/>
+          <ac:spMkLst>
+            <pc:docMk/>
+            <pc:sldMk cId="2207000347" sldId="271"/>
+            <ac:spMk id="56" creationId="{5A31F8E3-2DA0-445C-9CEB-8933744816C0}"/>
+          </ac:spMkLst>
+        </pc:spChg>
+        <pc:spChg chg="mod">
+          <ac:chgData name="이종은" userId="5cabcc43-02d4-48e1-8252-8be248ae0561" providerId="ADAL" clId="{54FD08B6-476F-47D7-A96A-717F72F5977C}" dt="2022-09-15T11:59:32.760" v="25" actId="1037"/>
+          <ac:spMkLst>
+            <pc:docMk/>
+            <pc:sldMk cId="2207000347" sldId="271"/>
+            <ac:spMk id="57" creationId="{741C333D-1AE8-41A8-BBF4-BC2B7E3CB80E}"/>
+          </ac:spMkLst>
+        </pc:spChg>
+        <pc:spChg chg="mod">
+          <ac:chgData name="이종은" userId="5cabcc43-02d4-48e1-8252-8be248ae0561" providerId="ADAL" clId="{54FD08B6-476F-47D7-A96A-717F72F5977C}" dt="2022-09-15T11:59:32.760" v="25" actId="1037"/>
+          <ac:spMkLst>
+            <pc:docMk/>
+            <pc:sldMk cId="2207000347" sldId="271"/>
+            <ac:spMk id="58" creationId="{B1F5CA15-4860-43B7-A966-B41F58FD6042}"/>
+          </ac:spMkLst>
+        </pc:spChg>
+        <pc:grpChg chg="add mod">
+          <ac:chgData name="이종은" userId="5cabcc43-02d4-48e1-8252-8be248ae0561" providerId="ADAL" clId="{54FD08B6-476F-47D7-A96A-717F72F5977C}" dt="2022-09-15T12:00:47.737" v="129" actId="571"/>
+          <ac:grpSpMkLst>
+            <pc:docMk/>
+            <pc:sldMk cId="2207000347" sldId="271"/>
+            <ac:grpSpMk id="3" creationId="{9A0C421B-CF28-41DD-B005-B25ECB934B1A}"/>
+          </ac:grpSpMkLst>
+        </pc:grpChg>
+        <pc:grpChg chg="add mod">
+          <ac:chgData name="이종은" userId="5cabcc43-02d4-48e1-8252-8be248ae0561" providerId="ADAL" clId="{54FD08B6-476F-47D7-A96A-717F72F5977C}" dt="2022-09-15T12:00:47.737" v="129" actId="571"/>
+          <ac:grpSpMkLst>
+            <pc:docMk/>
+            <pc:sldMk cId="2207000347" sldId="271"/>
+            <ac:grpSpMk id="15" creationId="{3A3AF2BE-E3CE-4AB0-41E8-407C1D0606A1}"/>
+          </ac:grpSpMkLst>
+        </pc:grpChg>
+        <pc:grpChg chg="mod">
+          <ac:chgData name="이종은" userId="5cabcc43-02d4-48e1-8252-8be248ae0561" providerId="ADAL" clId="{54FD08B6-476F-47D7-A96A-717F72F5977C}" dt="2022-09-15T12:00:44.302" v="127" actId="555"/>
+          <ac:grpSpMkLst>
+            <pc:docMk/>
+            <pc:sldMk cId="2207000347" sldId="271"/>
+            <ac:grpSpMk id="48" creationId="{9072EC1F-F785-461C-AFC0-62A2B72D9723}"/>
+          </ac:grpSpMkLst>
+        </pc:grpChg>
+        <pc:grpChg chg="mod">
+          <ac:chgData name="이종은" userId="5cabcc43-02d4-48e1-8252-8be248ae0561" providerId="ADAL" clId="{54FD08B6-476F-47D7-A96A-717F72F5977C}" dt="2022-09-15T12:00:53.009" v="130" actId="554"/>
+          <ac:grpSpMkLst>
+            <pc:docMk/>
+            <pc:sldMk cId="2207000347" sldId="271"/>
+            <ac:grpSpMk id="49" creationId="{26F06A46-2BDD-40E0-89AD-15B1295A78A9}"/>
+          </ac:grpSpMkLst>
+        </pc:grpChg>
+        <pc:grpChg chg="mod">
+          <ac:chgData name="이종은" userId="5cabcc43-02d4-48e1-8252-8be248ae0561" providerId="ADAL" clId="{54FD08B6-476F-47D7-A96A-717F72F5977C}" dt="2022-09-15T12:00:44.302" v="127" actId="555"/>
+          <ac:grpSpMkLst>
+            <pc:docMk/>
+            <pc:sldMk cId="2207000347" sldId="271"/>
+            <ac:grpSpMk id="61" creationId="{A284E54C-C4E0-41B7-9AFE-53D453E5E630}"/>
+          </ac:grpSpMkLst>
+        </pc:grpChg>
+        <pc:grpChg chg="mod">
+          <ac:chgData name="이종은" userId="5cabcc43-02d4-48e1-8252-8be248ae0561" providerId="ADAL" clId="{54FD08B6-476F-47D7-A96A-717F72F5977C}" dt="2022-09-15T12:00:53.009" v="130" actId="554"/>
+          <ac:grpSpMkLst>
+            <pc:docMk/>
+            <pc:sldMk cId="2207000347" sldId="271"/>
+            <ac:grpSpMk id="81" creationId="{8861D8D1-1B1A-446A-B798-80C0CA0BFDA7}"/>
+          </ac:grpSpMkLst>
+        </pc:grpChg>
+        <pc:picChg chg="mod">
+          <ac:chgData name="이종은" userId="5cabcc43-02d4-48e1-8252-8be248ae0561" providerId="ADAL" clId="{54FD08B6-476F-47D7-A96A-717F72F5977C}" dt="2022-09-15T11:59:08.407" v="4" actId="1035"/>
+          <ac:picMkLst>
+            <pc:docMk/>
+            <pc:sldMk cId="2207000347" sldId="271"/>
+            <ac:picMk id="4" creationId="{16E06F46-C95B-46CA-B508-125D05E446D9}"/>
+          </ac:picMkLst>
+        </pc:picChg>
+        <pc:picChg chg="mod">
+          <ac:chgData name="이종은" userId="5cabcc43-02d4-48e1-8252-8be248ae0561" providerId="ADAL" clId="{54FD08B6-476F-47D7-A96A-717F72F5977C}" dt="2022-09-15T12:00:19.699" v="113" actId="14100"/>
+          <ac:picMkLst>
+            <pc:docMk/>
+            <pc:sldMk cId="2207000347" sldId="271"/>
+            <ac:picMk id="20" creationId="{305CFBE4-0370-4849-9368-81835E47DAE9}"/>
+          </ac:picMkLst>
+        </pc:picChg>
+      </pc:sldChg>
+      <pc:sldChg chg="addSp delSp modSp mod">
+        <pc:chgData name="이종은" userId="5cabcc43-02d4-48e1-8252-8be248ae0561" providerId="ADAL" clId="{54FD08B6-476F-47D7-A96A-717F72F5977C}" dt="2022-09-15T13:01:10.424" v="225" actId="1076"/>
+        <pc:sldMkLst>
+          <pc:docMk/>
+          <pc:sldMk cId="1534523051" sldId="272"/>
+        </pc:sldMkLst>
+        <pc:grpChg chg="add del mod">
+          <ac:chgData name="이종은" userId="5cabcc43-02d4-48e1-8252-8be248ae0561" providerId="ADAL" clId="{54FD08B6-476F-47D7-A96A-717F72F5977C}" dt="2022-09-15T12:03:34.791" v="154" actId="478"/>
+          <ac:grpSpMkLst>
+            <pc:docMk/>
+            <pc:sldMk cId="1534523051" sldId="272"/>
+            <ac:grpSpMk id="6" creationId="{73157BA8-FB0E-BDF6-DEDC-2E32016DAE11}"/>
+          </ac:grpSpMkLst>
+        </pc:grpChg>
+        <pc:picChg chg="add mod modCrop">
+          <ac:chgData name="이종은" userId="5cabcc43-02d4-48e1-8252-8be248ae0561" providerId="ADAL" clId="{54FD08B6-476F-47D7-A96A-717F72F5977C}" dt="2022-09-15T12:03:22.087" v="146" actId="164"/>
+          <ac:picMkLst>
+            <pc:docMk/>
+            <pc:sldMk cId="1534523051" sldId="272"/>
+            <ac:picMk id="4" creationId="{E313FD46-47C8-A888-E854-FF77B07F9567}"/>
+          </ac:picMkLst>
+        </pc:picChg>
+        <pc:picChg chg="del">
+          <ac:chgData name="이종은" userId="5cabcc43-02d4-48e1-8252-8be248ae0561" providerId="ADAL" clId="{54FD08B6-476F-47D7-A96A-717F72F5977C}" dt="2022-09-15T12:13:06.127" v="159" actId="478"/>
+          <ac:picMkLst>
+            <pc:docMk/>
+            <pc:sldMk cId="1534523051" sldId="272"/>
+            <ac:picMk id="5" creationId="{022AE87C-648B-424B-9F75-4AE39AC239C9}"/>
+          </ac:picMkLst>
+        </pc:picChg>
+        <pc:picChg chg="add del mod">
+          <ac:chgData name="이종은" userId="5cabcc43-02d4-48e1-8252-8be248ae0561" providerId="ADAL" clId="{54FD08B6-476F-47D7-A96A-717F72F5977C}" dt="2022-09-15T12:03:29.007" v="151"/>
+          <ac:picMkLst>
+            <pc:docMk/>
+            <pc:sldMk cId="1534523051" sldId="272"/>
+            <ac:picMk id="7" creationId="{7C003F5D-00B5-0F6D-8654-909ED748D03C}"/>
+          </ac:picMkLst>
+        </pc:picChg>
+        <pc:picChg chg="add del mod">
+          <ac:chgData name="이종은" userId="5cabcc43-02d4-48e1-8252-8be248ae0561" providerId="ADAL" clId="{54FD08B6-476F-47D7-A96A-717F72F5977C}" dt="2022-09-15T12:13:02.105" v="158" actId="478"/>
+          <ac:picMkLst>
+            <pc:docMk/>
+            <pc:sldMk cId="1534523051" sldId="272"/>
+            <ac:picMk id="9" creationId="{101D360A-7CCB-E016-9E70-4ED8A60C6549}"/>
+          </ac:picMkLst>
+        </pc:picChg>
+        <pc:picChg chg="add del">
+          <ac:chgData name="이종은" userId="5cabcc43-02d4-48e1-8252-8be248ae0561" providerId="ADAL" clId="{54FD08B6-476F-47D7-A96A-717F72F5977C}" dt="2022-09-15T12:03:39.946" v="157" actId="22"/>
+          <ac:picMkLst>
+            <pc:docMk/>
+            <pc:sldMk cId="1534523051" sldId="272"/>
+            <ac:picMk id="11" creationId="{80EE6440-8E33-AF56-6383-5A75D29B3053}"/>
+          </ac:picMkLst>
+        </pc:picChg>
+        <pc:picChg chg="add del mod">
+          <ac:chgData name="이종은" userId="5cabcc43-02d4-48e1-8252-8be248ae0561" providerId="ADAL" clId="{54FD08B6-476F-47D7-A96A-717F72F5977C}" dt="2022-09-15T13:01:04.002" v="221" actId="478"/>
+          <ac:picMkLst>
+            <pc:docMk/>
+            <pc:sldMk cId="1534523051" sldId="272"/>
+            <ac:picMk id="13" creationId="{FA6D2B85-6A71-8C03-5369-2483C134E53B}"/>
+          </ac:picMkLst>
+        </pc:picChg>
+        <pc:picChg chg="add mod">
+          <ac:chgData name="이종은" userId="5cabcc43-02d4-48e1-8252-8be248ae0561" providerId="ADAL" clId="{54FD08B6-476F-47D7-A96A-717F72F5977C}" dt="2022-09-15T13:01:10.424" v="225" actId="1076"/>
+          <ac:picMkLst>
+            <pc:docMk/>
+            <pc:sldMk cId="1534523051" sldId="272"/>
+            <ac:picMk id="15" creationId="{929364E9-5E78-3D97-9280-67C58617D5F5}"/>
+          </ac:picMkLst>
+        </pc:picChg>
+        <pc:picChg chg="add mod">
+          <ac:chgData name="이종은" userId="5cabcc43-02d4-48e1-8252-8be248ae0561" providerId="ADAL" clId="{54FD08B6-476F-47D7-A96A-717F72F5977C}" dt="2022-09-15T12:03:22.087" v="146" actId="164"/>
+          <ac:picMkLst>
+            <pc:docMk/>
+            <pc:sldMk cId="1534523051" sldId="272"/>
+            <ac:picMk id="1026" creationId="{32E0673E-133C-8D90-151C-4A97D7BD61FA}"/>
+          </ac:picMkLst>
+        </pc:picChg>
+        <pc:picChg chg="add mod">
+          <ac:chgData name="이종은" userId="5cabcc43-02d4-48e1-8252-8be248ae0561" providerId="ADAL" clId="{54FD08B6-476F-47D7-A96A-717F72F5977C}" dt="2022-09-15T12:03:22.087" v="146" actId="164"/>
+          <ac:picMkLst>
+            <pc:docMk/>
+            <pc:sldMk cId="1534523051" sldId="272"/>
+            <ac:picMk id="1028" creationId="{3016B25C-5518-CA62-5449-F9571400A834}"/>
+          </ac:picMkLst>
+        </pc:picChg>
+      </pc:sldChg>
+      <pc:sldChg chg="addSp delSp modSp mod">
+        <pc:chgData name="이종은" userId="5cabcc43-02d4-48e1-8252-8be248ae0561" providerId="ADAL" clId="{54FD08B6-476F-47D7-A96A-717F72F5977C}" dt="2022-09-15T13:01:26.356" v="229" actId="1076"/>
+        <pc:sldMkLst>
+          <pc:docMk/>
+          <pc:sldMk cId="271618971" sldId="273"/>
+        </pc:sldMkLst>
+        <pc:spChg chg="del">
+          <ac:chgData name="이종은" userId="5cabcc43-02d4-48e1-8252-8be248ae0561" providerId="ADAL" clId="{54FD08B6-476F-47D7-A96A-717F72F5977C}" dt="2022-09-15T12:28:39.840" v="215" actId="478"/>
+          <ac:spMkLst>
+            <pc:docMk/>
+            <pc:sldMk cId="271618971" sldId="273"/>
+            <ac:spMk id="10" creationId="{EBF3A427-C9D0-4808-807B-26D7E2C662C4}"/>
+          </ac:spMkLst>
+        </pc:spChg>
+        <pc:spChg chg="del">
+          <ac:chgData name="이종은" userId="5cabcc43-02d4-48e1-8252-8be248ae0561" providerId="ADAL" clId="{54FD08B6-476F-47D7-A96A-717F72F5977C}" dt="2022-09-15T12:28:39.840" v="215" actId="478"/>
+          <ac:spMkLst>
+            <pc:docMk/>
+            <pc:sldMk cId="271618971" sldId="273"/>
+            <ac:spMk id="11" creationId="{0B3D6BB3-FB58-458F-9F3E-68EE59276120}"/>
+          </ac:spMkLst>
+        </pc:spChg>
+        <pc:picChg chg="del">
+          <ac:chgData name="이종은" userId="5cabcc43-02d4-48e1-8252-8be248ae0561" providerId="ADAL" clId="{54FD08B6-476F-47D7-A96A-717F72F5977C}" dt="2022-09-15T12:28:36.254" v="211" actId="478"/>
+          <ac:picMkLst>
+            <pc:docMk/>
+            <pc:sldMk cId="271618971" sldId="273"/>
+            <ac:picMk id="5" creationId="{F3C5F62C-95A9-4906-A426-B082913D7B4B}"/>
+          </ac:picMkLst>
+        </pc:picChg>
+        <pc:picChg chg="add del mod">
+          <ac:chgData name="이종은" userId="5cabcc43-02d4-48e1-8252-8be248ae0561" providerId="ADAL" clId="{54FD08B6-476F-47D7-A96A-717F72F5977C}" dt="2022-09-15T13:01:21.894" v="226" actId="478"/>
+          <ac:picMkLst>
+            <pc:docMk/>
+            <pc:sldMk cId="271618971" sldId="273"/>
+            <ac:picMk id="6" creationId="{ADABFF74-6A5D-9C70-6602-EC331A6F160F}"/>
+          </ac:picMkLst>
+        </pc:picChg>
+        <pc:picChg chg="add mod">
+          <ac:chgData name="이종은" userId="5cabcc43-02d4-48e1-8252-8be248ae0561" providerId="ADAL" clId="{54FD08B6-476F-47D7-A96A-717F72F5977C}" dt="2022-09-15T13:01:26.356" v="229" actId="1076"/>
+          <ac:picMkLst>
+            <pc:docMk/>
+            <pc:sldMk cId="271618971" sldId="273"/>
+            <ac:picMk id="8" creationId="{3DF52878-11C7-6977-8DA4-DB4C8C6C7BA2}"/>
+          </ac:picMkLst>
+        </pc:picChg>
+        <pc:picChg chg="mod">
+          <ac:chgData name="이종은" userId="5cabcc43-02d4-48e1-8252-8be248ae0561" providerId="ADAL" clId="{54FD08B6-476F-47D7-A96A-717F72F5977C}" dt="2022-09-15T12:28:46.764" v="218" actId="1076"/>
+          <ac:picMkLst>
+            <pc:docMk/>
+            <pc:sldMk cId="271618971" sldId="273"/>
+            <ac:picMk id="9" creationId="{941CC762-BF5F-42D7-834E-06E33A8D0445}"/>
+          </ac:picMkLst>
+        </pc:picChg>
+      </pc:sldChg>
+      <pc:sldChg chg="del">
+        <pc:chgData name="이종은" userId="5cabcc43-02d4-48e1-8252-8be248ae0561" providerId="ADAL" clId="{54FD08B6-476F-47D7-A96A-717F72F5977C}" dt="2022-09-15T13:01:37.810" v="230" actId="47"/>
+        <pc:sldMkLst>
+          <pc:docMk/>
+          <pc:sldMk cId="991829720" sldId="274"/>
+        </pc:sldMkLst>
+      </pc:sldChg>
+      <pc:sldChg chg="del">
+        <pc:chgData name="이종은" userId="5cabcc43-02d4-48e1-8252-8be248ae0561" providerId="ADAL" clId="{54FD08B6-476F-47D7-A96A-717F72F5977C}" dt="2022-09-15T12:28:34.523" v="210" actId="47"/>
+        <pc:sldMkLst>
+          <pc:docMk/>
+          <pc:sldMk cId="840290462" sldId="275"/>
+        </pc:sldMkLst>
+      </pc:sldChg>
+      <pc:sldChg chg="del">
+        <pc:chgData name="이종은" userId="5cabcc43-02d4-48e1-8252-8be248ae0561" providerId="ADAL" clId="{54FD08B6-476F-47D7-A96A-717F72F5977C}" dt="2022-09-15T12:28:34.523" v="210" actId="47"/>
+        <pc:sldMkLst>
+          <pc:docMk/>
+          <pc:sldMk cId="2175077447" sldId="276"/>
+        </pc:sldMkLst>
+      </pc:sldChg>
+      <pc:sldChg chg="del">
+        <pc:chgData name="이종은" userId="5cabcc43-02d4-48e1-8252-8be248ae0561" providerId="ADAL" clId="{54FD08B6-476F-47D7-A96A-717F72F5977C}" dt="2022-09-15T12:30:01.192" v="220" actId="47"/>
+        <pc:sldMkLst>
+          <pc:docMk/>
+          <pc:sldMk cId="84398486" sldId="277"/>
+        </pc:sldMkLst>
+      </pc:sldChg>
+      <pc:sldChg chg="addSp delSp modSp mod">
+        <pc:chgData name="이종은" userId="5cabcc43-02d4-48e1-8252-8be248ae0561" providerId="ADAL" clId="{54FD08B6-476F-47D7-A96A-717F72F5977C}" dt="2022-09-15T13:08:18.350" v="241" actId="1076"/>
+        <pc:sldMkLst>
+          <pc:docMk/>
+          <pc:sldMk cId="3150793450" sldId="278"/>
+        </pc:sldMkLst>
+        <pc:picChg chg="del">
+          <ac:chgData name="이종은" userId="5cabcc43-02d4-48e1-8252-8be248ae0561" providerId="ADAL" clId="{54FD08B6-476F-47D7-A96A-717F72F5977C}" dt="2022-09-15T13:08:14.938" v="238" actId="478"/>
+          <ac:picMkLst>
+            <pc:docMk/>
+            <pc:sldMk cId="3150793450" sldId="278"/>
+            <ac:picMk id="5" creationId="{25060EB9-3B7A-4D9A-8EBE-C5844DF06C56}"/>
+          </ac:picMkLst>
+        </pc:picChg>
+        <pc:picChg chg="add mod">
+          <ac:chgData name="이종은" userId="5cabcc43-02d4-48e1-8252-8be248ae0561" providerId="ADAL" clId="{54FD08B6-476F-47D7-A96A-717F72F5977C}" dt="2022-09-15T13:08:18.350" v="241" actId="1076"/>
+          <ac:picMkLst>
+            <pc:docMk/>
+            <pc:sldMk cId="3150793450" sldId="278"/>
+            <ac:picMk id="6" creationId="{59F0FD5A-F190-A698-C5AF-2C18891D044D}"/>
+          </ac:picMkLst>
+        </pc:picChg>
+      </pc:sldChg>
+      <pc:sldChg chg="addSp delSp modSp mod">
+        <pc:chgData name="이종은" userId="5cabcc43-02d4-48e1-8252-8be248ae0561" providerId="ADAL" clId="{54FD08B6-476F-47D7-A96A-717F72F5977C}" dt="2022-09-15T13:07:35.727" v="237" actId="1076"/>
+        <pc:sldMkLst>
+          <pc:docMk/>
+          <pc:sldMk cId="1763443750" sldId="279"/>
+        </pc:sldMkLst>
+        <pc:picChg chg="add mod">
+          <ac:chgData name="이종은" userId="5cabcc43-02d4-48e1-8252-8be248ae0561" providerId="ADAL" clId="{54FD08B6-476F-47D7-A96A-717F72F5977C}" dt="2022-09-15T13:07:35.727" v="237" actId="1076"/>
+          <ac:picMkLst>
+            <pc:docMk/>
+            <pc:sldMk cId="1763443750" sldId="279"/>
+            <ac:picMk id="5" creationId="{44BFB349-7C76-6059-100F-A972937F054F}"/>
+          </ac:picMkLst>
+        </pc:picChg>
+        <pc:picChg chg="del">
+          <ac:chgData name="이종은" userId="5cabcc43-02d4-48e1-8252-8be248ae0561" providerId="ADAL" clId="{54FD08B6-476F-47D7-A96A-717F72F5977C}" dt="2022-09-15T13:07:25.079" v="231" actId="478"/>
+          <ac:picMkLst>
+            <pc:docMk/>
+            <pc:sldMk cId="1763443750" sldId="279"/>
+            <ac:picMk id="9" creationId="{2F2E71D7-E2F2-4410-B084-62BC1C68082B}"/>
+          </ac:picMkLst>
+        </pc:picChg>
+      </pc:sldChg>
+      <pc:sldChg chg="addSp delSp modSp mod">
+        <pc:chgData name="이종은" userId="5cabcc43-02d4-48e1-8252-8be248ae0561" providerId="ADAL" clId="{54FD08B6-476F-47D7-A96A-717F72F5977C}" dt="2022-09-15T13:18:41.424" v="388" actId="20577"/>
+        <pc:sldMkLst>
+          <pc:docMk/>
+          <pc:sldMk cId="3377912188" sldId="280"/>
+        </pc:sldMkLst>
+        <pc:spChg chg="mod">
+          <ac:chgData name="이종은" userId="5cabcc43-02d4-48e1-8252-8be248ae0561" providerId="ADAL" clId="{54FD08B6-476F-47D7-A96A-717F72F5977C}" dt="2022-09-15T13:18:07.170" v="382" actId="20577"/>
+          <ac:spMkLst>
+            <pc:docMk/>
+            <pc:sldMk cId="3377912188" sldId="280"/>
+            <ac:spMk id="2" creationId="{32A4EF47-FCCA-4723-AF28-1B2DE76CE7E9}"/>
+          </ac:spMkLst>
+        </pc:spChg>
+        <pc:spChg chg="mod">
+          <ac:chgData name="이종은" userId="5cabcc43-02d4-48e1-8252-8be248ae0561" providerId="ADAL" clId="{54FD08B6-476F-47D7-A96A-717F72F5977C}" dt="2022-09-15T13:18:41.424" v="388" actId="20577"/>
+          <ac:spMkLst>
+            <pc:docMk/>
+            <pc:sldMk cId="3377912188" sldId="280"/>
+            <ac:spMk id="9" creationId="{00000000-0000-0000-0000-000000000000}"/>
+          </ac:spMkLst>
+        </pc:spChg>
+        <pc:picChg chg="add mod">
+          <ac:chgData name="이종은" userId="5cabcc43-02d4-48e1-8252-8be248ae0561" providerId="ADAL" clId="{54FD08B6-476F-47D7-A96A-717F72F5977C}" dt="2022-09-15T13:13:15.959" v="252" actId="1076"/>
+          <ac:picMkLst>
+            <pc:docMk/>
+            <pc:sldMk cId="3377912188" sldId="280"/>
+            <ac:picMk id="5" creationId="{E9211597-1AA6-1D41-D1F4-628FB27FE62B}"/>
+          </ac:picMkLst>
+        </pc:picChg>
+        <pc:picChg chg="del">
+          <ac:chgData name="이종은" userId="5cabcc43-02d4-48e1-8252-8be248ae0561" providerId="ADAL" clId="{54FD08B6-476F-47D7-A96A-717F72F5977C}" dt="2022-09-15T13:12:55.521" v="247" actId="478"/>
+          <ac:picMkLst>
+            <pc:docMk/>
+            <pc:sldMk cId="3377912188" sldId="280"/>
+            <ac:picMk id="7" creationId="{7E93230F-D719-4FAF-A17F-7E52C63C0CF3}"/>
+          </ac:picMkLst>
+        </pc:picChg>
+      </pc:sldChg>
+      <pc:sldChg chg="delSp modSp mod">
+        <pc:chgData name="이종은" userId="5cabcc43-02d4-48e1-8252-8be248ae0561" providerId="ADAL" clId="{54FD08B6-476F-47D7-A96A-717F72F5977C}" dt="2022-09-15T13:25:39.241" v="401" actId="478"/>
+        <pc:sldMkLst>
+          <pc:docMk/>
+          <pc:sldMk cId="820803798" sldId="282"/>
+        </pc:sldMkLst>
+        <pc:spChg chg="mod">
+          <ac:chgData name="이종은" userId="5cabcc43-02d4-48e1-8252-8be248ae0561" providerId="ADAL" clId="{54FD08B6-476F-47D7-A96A-717F72F5977C}" dt="2022-09-15T13:25:37.845" v="400" actId="207"/>
+          <ac:spMkLst>
+            <pc:docMk/>
+            <pc:sldMk cId="820803798" sldId="282"/>
+            <ac:spMk id="9" creationId="{00000000-0000-0000-0000-000000000000}"/>
+          </ac:spMkLst>
+        </pc:spChg>
+        <pc:grpChg chg="del">
+          <ac:chgData name="이종은" userId="5cabcc43-02d4-48e1-8252-8be248ae0561" providerId="ADAL" clId="{54FD08B6-476F-47D7-A96A-717F72F5977C}" dt="2022-09-15T13:25:39.241" v="401" actId="478"/>
+          <ac:grpSpMkLst>
+            <pc:docMk/>
+            <pc:sldMk cId="820803798" sldId="282"/>
+            <ac:grpSpMk id="6" creationId="{32021036-97BC-4854-BB79-A96D8E9196FE}"/>
+          </ac:grpSpMkLst>
+        </pc:grpChg>
+      </pc:sldChg>
+      <pc:sldChg chg="addSp delSp modSp mod">
+        <pc:chgData name="이종은" userId="5cabcc43-02d4-48e1-8252-8be248ae0561" providerId="ADAL" clId="{54FD08B6-476F-47D7-A96A-717F72F5977C}" dt="2022-09-15T13:48:25.236" v="526" actId="9405"/>
+        <pc:sldMkLst>
+          <pc:docMk/>
+          <pc:sldMk cId="3574427562" sldId="283"/>
+        </pc:sldMkLst>
+        <pc:spChg chg="mod">
+          <ac:chgData name="이종은" userId="5cabcc43-02d4-48e1-8252-8be248ae0561" providerId="ADAL" clId="{54FD08B6-476F-47D7-A96A-717F72F5977C}" dt="2022-09-15T13:19:03.298" v="390" actId="403"/>
+          <ac:spMkLst>
+            <pc:docMk/>
+            <pc:sldMk cId="3574427562" sldId="283"/>
+            <ac:spMk id="9" creationId="{00000000-0000-0000-0000-000000000000}"/>
+          </ac:spMkLst>
+        </pc:spChg>
+        <pc:inkChg chg="add">
+          <ac:chgData name="이종은" userId="5cabcc43-02d4-48e1-8252-8be248ae0561" providerId="ADAL" clId="{54FD08B6-476F-47D7-A96A-717F72F5977C}" dt="2022-09-15T13:47:09.773" v="520" actId="9405"/>
+          <ac:inkMkLst>
+            <pc:docMk/>
+            <pc:sldMk cId="3574427562" sldId="283"/>
+            <ac:inkMk id="4" creationId="{6772B8DC-28CC-8BB4-CE26-0D3234C5961C}"/>
+          </ac:inkMkLst>
+        </pc:inkChg>
+        <pc:inkChg chg="add del">
+          <ac:chgData name="이종은" userId="5cabcc43-02d4-48e1-8252-8be248ae0561" providerId="ADAL" clId="{54FD08B6-476F-47D7-A96A-717F72F5977C}" dt="2022-09-15T13:48:03.969" v="522" actId="9405"/>
+          <ac:inkMkLst>
+            <pc:docMk/>
+            <pc:sldMk cId="3574427562" sldId="283"/>
+            <ac:inkMk id="5" creationId="{A284CC11-6EDC-B9D3-BEC4-DEAD5C8571D2}"/>
+          </ac:inkMkLst>
+        </pc:inkChg>
+        <pc:inkChg chg="add del">
+          <ac:chgData name="이종은" userId="5cabcc43-02d4-48e1-8252-8be248ae0561" providerId="ADAL" clId="{54FD08B6-476F-47D7-A96A-717F72F5977C}" dt="2022-09-15T13:48:17.630" v="525" actId="9405"/>
+          <ac:inkMkLst>
+            <pc:docMk/>
+            <pc:sldMk cId="3574427562" sldId="283"/>
+            <ac:inkMk id="6" creationId="{F64CBC56-DC20-A44B-AF7D-AD7CCC5B9F66}"/>
+          </ac:inkMkLst>
+        </pc:inkChg>
+        <pc:inkChg chg="add">
+          <ac:chgData name="이종은" userId="5cabcc43-02d4-48e1-8252-8be248ae0561" providerId="ADAL" clId="{54FD08B6-476F-47D7-A96A-717F72F5977C}" dt="2022-09-15T13:48:25.236" v="526" actId="9405"/>
+          <ac:inkMkLst>
+            <pc:docMk/>
+            <pc:sldMk cId="3574427562" sldId="283"/>
+            <ac:inkMk id="8" creationId="{A1D78919-5549-0706-C160-407982E3EF18}"/>
+          </ac:inkMkLst>
+        </pc:inkChg>
+      </pc:sldChg>
+      <pc:sldChg chg="addSp delSp modSp add mod">
+        <pc:chgData name="이종은" userId="5cabcc43-02d4-48e1-8252-8be248ae0561" providerId="ADAL" clId="{54FD08B6-476F-47D7-A96A-717F72F5977C}" dt="2022-09-15T12:24:01.963" v="191" actId="1037"/>
+        <pc:sldMkLst>
+          <pc:docMk/>
+          <pc:sldMk cId="2448669805" sldId="284"/>
+        </pc:sldMkLst>
+        <pc:picChg chg="add mod">
+          <ac:chgData name="이종은" userId="5cabcc43-02d4-48e1-8252-8be248ae0561" providerId="ADAL" clId="{54FD08B6-476F-47D7-A96A-717F72F5977C}" dt="2022-09-15T12:23:56.222" v="182" actId="1076"/>
+          <ac:picMkLst>
+            <pc:docMk/>
+            <pc:sldMk cId="2448669805" sldId="284"/>
+            <ac:picMk id="5" creationId="{28C88F73-2D56-8B03-FD69-F95D1F765D3E}"/>
+          </ac:picMkLst>
+        </pc:picChg>
+        <pc:picChg chg="del">
+          <ac:chgData name="이종은" userId="5cabcc43-02d4-48e1-8252-8be248ae0561" providerId="ADAL" clId="{54FD08B6-476F-47D7-A96A-717F72F5977C}" dt="2022-09-15T12:23:24.311" v="171" actId="478"/>
+          <ac:picMkLst>
+            <pc:docMk/>
+            <pc:sldMk cId="2448669805" sldId="284"/>
+            <ac:picMk id="6" creationId="{D87CCFA0-F7DB-451A-A459-7D9B65FDC97F}"/>
+          </ac:picMkLst>
+        </pc:picChg>
+        <pc:picChg chg="del">
+          <ac:chgData name="이종은" userId="5cabcc43-02d4-48e1-8252-8be248ae0561" providerId="ADAL" clId="{54FD08B6-476F-47D7-A96A-717F72F5977C}" dt="2022-09-15T12:23:42.975" v="177" actId="478"/>
+          <ac:picMkLst>
+            <pc:docMk/>
+            <pc:sldMk cId="2448669805" sldId="284"/>
+            <ac:picMk id="8" creationId="{A42CF7D7-3CF4-45DD-82B1-C83DDE608D92}"/>
+          </ac:picMkLst>
+        </pc:picChg>
+        <pc:picChg chg="add mod">
+          <ac:chgData name="이종은" userId="5cabcc43-02d4-48e1-8252-8be248ae0561" providerId="ADAL" clId="{54FD08B6-476F-47D7-A96A-717F72F5977C}" dt="2022-09-15T12:24:01.963" v="191" actId="1037"/>
+          <ac:picMkLst>
+            <pc:docMk/>
+            <pc:sldMk cId="2448669805" sldId="284"/>
+            <ac:picMk id="9" creationId="{30961EE7-F7AA-1D8D-6559-F80CBEABF294}"/>
+          </ac:picMkLst>
+        </pc:picChg>
+      </pc:sldChg>
+      <pc:sldChg chg="addSp delSp modSp add mod">
+        <pc:chgData name="이종은" userId="5cabcc43-02d4-48e1-8252-8be248ae0561" providerId="ADAL" clId="{54FD08B6-476F-47D7-A96A-717F72F5977C}" dt="2022-09-15T12:25:34.349" v="209" actId="1076"/>
+        <pc:sldMkLst>
+          <pc:docMk/>
+          <pc:sldMk cId="2825627624" sldId="285"/>
+        </pc:sldMkLst>
+        <pc:picChg chg="del">
+          <ac:chgData name="이종은" userId="5cabcc43-02d4-48e1-8252-8be248ae0561" providerId="ADAL" clId="{54FD08B6-476F-47D7-A96A-717F72F5977C}" dt="2022-09-15T12:24:55.030" v="194" actId="478"/>
+          <ac:picMkLst>
+            <pc:docMk/>
+            <pc:sldMk cId="2825627624" sldId="285"/>
+            <ac:picMk id="5" creationId="{28C88F73-2D56-8B03-FD69-F95D1F765D3E}"/>
+          </ac:picMkLst>
+        </pc:picChg>
+        <pc:picChg chg="add mod">
+          <ac:chgData name="이종은" userId="5cabcc43-02d4-48e1-8252-8be248ae0561" providerId="ADAL" clId="{54FD08B6-476F-47D7-A96A-717F72F5977C}" dt="2022-09-15T12:25:31.516" v="208" actId="1076"/>
+          <ac:picMkLst>
+            <pc:docMk/>
+            <pc:sldMk cId="2825627624" sldId="285"/>
+            <ac:picMk id="6" creationId="{11657F3D-F247-C007-B60A-D84391587E28}"/>
+          </ac:picMkLst>
+        </pc:picChg>
+        <pc:picChg chg="add mod">
+          <ac:chgData name="이종은" userId="5cabcc43-02d4-48e1-8252-8be248ae0561" providerId="ADAL" clId="{54FD08B6-476F-47D7-A96A-717F72F5977C}" dt="2022-09-15T12:25:34.349" v="209" actId="1076"/>
+          <ac:picMkLst>
+            <pc:docMk/>
+            <pc:sldMk cId="2825627624" sldId="285"/>
+            <ac:picMk id="8" creationId="{7BC01B96-B9D4-07D2-959A-D5CBADC68CE7}"/>
+          </ac:picMkLst>
+        </pc:picChg>
+        <pc:picChg chg="del">
+          <ac:chgData name="이종은" userId="5cabcc43-02d4-48e1-8252-8be248ae0561" providerId="ADAL" clId="{54FD08B6-476F-47D7-A96A-717F72F5977C}" dt="2022-09-15T12:25:15.279" v="198" actId="478"/>
+          <ac:picMkLst>
+            <pc:docMk/>
+            <pc:sldMk cId="2825627624" sldId="285"/>
+            <ac:picMk id="9" creationId="{30961EE7-F7AA-1D8D-6559-F80CBEABF294}"/>
+          </ac:picMkLst>
+        </pc:picChg>
+      </pc:sldChg>
+      <pc:sldChg chg="addSp delSp modSp add mod">
+        <pc:chgData name="이종은" userId="5cabcc43-02d4-48e1-8252-8be248ae0561" providerId="ADAL" clId="{54FD08B6-476F-47D7-A96A-717F72F5977C}" dt="2022-09-15T13:09:30.798" v="246" actId="1076"/>
+        <pc:sldMkLst>
+          <pc:docMk/>
+          <pc:sldMk cId="2804154738" sldId="286"/>
+        </pc:sldMkLst>
+        <pc:picChg chg="add mod">
+          <ac:chgData name="이종은" userId="5cabcc43-02d4-48e1-8252-8be248ae0561" providerId="ADAL" clId="{54FD08B6-476F-47D7-A96A-717F72F5977C}" dt="2022-09-15T13:09:30.798" v="246" actId="1076"/>
+          <ac:picMkLst>
+            <pc:docMk/>
+            <pc:sldMk cId="2804154738" sldId="286"/>
+            <ac:picMk id="5" creationId="{EA649498-5556-BBB6-88F9-CAF1F3F8EE24}"/>
+          </ac:picMkLst>
+        </pc:picChg>
+        <pc:picChg chg="del">
+          <ac:chgData name="이종은" userId="5cabcc43-02d4-48e1-8252-8be248ae0561" providerId="ADAL" clId="{54FD08B6-476F-47D7-A96A-717F72F5977C}" dt="2022-09-15T13:09:25.984" v="243" actId="478"/>
+          <ac:picMkLst>
+            <pc:docMk/>
+            <pc:sldMk cId="2804154738" sldId="286"/>
+            <ac:picMk id="6" creationId="{59F0FD5A-F190-A698-C5AF-2C18891D044D}"/>
+          </ac:picMkLst>
+        </pc:picChg>
+      </pc:sldChg>
+      <pc:sldChg chg="addSp delSp modSp add mod">
+        <pc:chgData name="이종은" userId="5cabcc43-02d4-48e1-8252-8be248ae0561" providerId="ADAL" clId="{54FD08B6-476F-47D7-A96A-717F72F5977C}" dt="2022-09-15T13:43:50.454" v="495" actId="1076"/>
+        <pc:sldMkLst>
+          <pc:docMk/>
+          <pc:sldMk cId="2878001795" sldId="287"/>
+        </pc:sldMkLst>
+        <pc:spChg chg="mod">
+          <ac:chgData name="이종은" userId="5cabcc43-02d4-48e1-8252-8be248ae0561" providerId="ADAL" clId="{54FD08B6-476F-47D7-A96A-717F72F5977C}" dt="2022-09-15T13:25:57.677" v="410" actId="207"/>
+          <ac:spMkLst>
+            <pc:docMk/>
+            <pc:sldMk cId="2878001795" sldId="287"/>
+            <ac:spMk id="9" creationId="{00000000-0000-0000-0000-000000000000}"/>
+          </ac:spMkLst>
+        </pc:spChg>
+        <pc:spChg chg="add mod">
+          <ac:chgData name="이종은" userId="5cabcc43-02d4-48e1-8252-8be248ae0561" providerId="ADAL" clId="{54FD08B6-476F-47D7-A96A-717F72F5977C}" dt="2022-09-15T13:43:50.454" v="495" actId="1076"/>
+          <ac:spMkLst>
+            <pc:docMk/>
+            <pc:sldMk cId="2878001795" sldId="287"/>
+            <ac:spMk id="18" creationId="{8E91197D-783D-2F22-A01D-CF7EDD927B58}"/>
+          </ac:spMkLst>
+        </pc:spChg>
+        <pc:grpChg chg="del">
+          <ac:chgData name="이종은" userId="5cabcc43-02d4-48e1-8252-8be248ae0561" providerId="ADAL" clId="{54FD08B6-476F-47D7-A96A-717F72F5977C}" dt="2022-09-15T13:25:43.673" v="402" actId="478"/>
+          <ac:grpSpMkLst>
+            <pc:docMk/>
+            <pc:sldMk cId="2878001795" sldId="287"/>
+            <ac:grpSpMk id="6" creationId="{32021036-97BC-4854-BB79-A96D8E9196FE}"/>
+          </ac:grpSpMkLst>
+        </pc:grpChg>
+        <pc:picChg chg="add del mod">
+          <ac:chgData name="이종은" userId="5cabcc43-02d4-48e1-8252-8be248ae0561" providerId="ADAL" clId="{54FD08B6-476F-47D7-A96A-717F72F5977C}" dt="2022-09-15T13:37:03.385" v="415" actId="478"/>
+          <ac:picMkLst>
+            <pc:docMk/>
+            <pc:sldMk cId="2878001795" sldId="287"/>
+            <ac:picMk id="7" creationId="{F5E523A4-77EA-93F1-3717-A54CCFEF5704}"/>
+          </ac:picMkLst>
+        </pc:picChg>
+        <pc:picChg chg="add del mod">
+          <ac:chgData name="이종은" userId="5cabcc43-02d4-48e1-8252-8be248ae0561" providerId="ADAL" clId="{54FD08B6-476F-47D7-A96A-717F72F5977C}" dt="2022-09-15T13:37:08.325" v="420" actId="21"/>
+          <ac:picMkLst>
+            <pc:docMk/>
+            <pc:sldMk cId="2878001795" sldId="287"/>
+            <ac:picMk id="11" creationId="{D1B01750-0157-D239-CD68-DC16204AC473}"/>
+          </ac:picMkLst>
+        </pc:picChg>
+        <pc:picChg chg="add del">
+          <ac:chgData name="이종은" userId="5cabcc43-02d4-48e1-8252-8be248ae0561" providerId="ADAL" clId="{54FD08B6-476F-47D7-A96A-717F72F5977C}" dt="2022-09-15T13:38:39.136" v="422" actId="478"/>
+          <ac:picMkLst>
+            <pc:docMk/>
+            <pc:sldMk cId="2878001795" sldId="287"/>
+            <ac:picMk id="14" creationId="{0F2CD103-F71B-78CE-987B-27F465DF9F29}"/>
+          </ac:picMkLst>
+        </pc:picChg>
+        <pc:picChg chg="add mod">
+          <ac:chgData name="이종은" userId="5cabcc43-02d4-48e1-8252-8be248ae0561" providerId="ADAL" clId="{54FD08B6-476F-47D7-A96A-717F72F5977C}" dt="2022-09-15T13:43:08.736" v="489" actId="1076"/>
+          <ac:picMkLst>
+            <pc:docMk/>
+            <pc:sldMk cId="2878001795" sldId="287"/>
+            <ac:picMk id="16" creationId="{43CEB764-40C3-0BBE-0EA1-39217B1018CD}"/>
+          </ac:picMkLst>
+        </pc:picChg>
+      </pc:sldChg>
+      <pc:sldChg chg="addSp delSp modSp add mod">
+        <pc:chgData name="이종은" userId="5cabcc43-02d4-48e1-8252-8be248ae0561" providerId="ADAL" clId="{54FD08B6-476F-47D7-A96A-717F72F5977C}" dt="2022-09-15T13:45:25.692" v="517" actId="478"/>
+        <pc:sldMkLst>
+          <pc:docMk/>
+          <pc:sldMk cId="4080388542" sldId="288"/>
+        </pc:sldMkLst>
+        <pc:spChg chg="add mod">
+          <ac:chgData name="이종은" userId="5cabcc43-02d4-48e1-8252-8be248ae0561" providerId="ADAL" clId="{54FD08B6-476F-47D7-A96A-717F72F5977C}" dt="2022-09-15T13:44:20.521" v="506" actId="1036"/>
+          <ac:spMkLst>
+            <pc:docMk/>
+            <pc:sldMk cId="4080388542" sldId="288"/>
+            <ac:spMk id="7" creationId="{AB1E282D-2102-47EA-021C-933D349D33A9}"/>
+          </ac:spMkLst>
+        </pc:spChg>
+        <pc:spChg chg="add mod">
+          <ac:chgData name="이종은" userId="5cabcc43-02d4-48e1-8252-8be248ae0561" providerId="ADAL" clId="{54FD08B6-476F-47D7-A96A-717F72F5977C}" dt="2022-09-15T13:44:27.183" v="512" actId="1035"/>
+          <ac:spMkLst>
+            <pc:docMk/>
+            <pc:sldMk cId="4080388542" sldId="288"/>
+            <ac:spMk id="11" creationId="{F916047A-D91F-8652-A2A1-2FE93FBEAA30}"/>
+          </ac:spMkLst>
+        </pc:spChg>
+        <pc:grpChg chg="add del">
+          <ac:chgData name="이종은" userId="5cabcc43-02d4-48e1-8252-8be248ae0561" providerId="ADAL" clId="{54FD08B6-476F-47D7-A96A-717F72F5977C}" dt="2022-09-15T13:45:25.692" v="517" actId="478"/>
+          <ac:grpSpMkLst>
+            <pc:docMk/>
+            <pc:sldMk cId="4080388542" sldId="288"/>
+            <ac:grpSpMk id="6" creationId="{32021036-97BC-4854-BB79-A96D8E9196FE}"/>
+          </ac:grpSpMkLst>
+        </pc:grpChg>
+        <pc:picChg chg="add del">
+          <ac:chgData name="이종은" userId="5cabcc43-02d4-48e1-8252-8be248ae0561" providerId="ADAL" clId="{54FD08B6-476F-47D7-A96A-717F72F5977C}" dt="2022-09-15T13:45:21.906" v="515" actId="478"/>
+          <ac:picMkLst>
+            <pc:docMk/>
+            <pc:sldMk cId="4080388542" sldId="288"/>
+            <ac:picMk id="14" creationId="{4E279C6B-DCCD-AAF7-6C77-AF0ACB0AF3F8}"/>
+          </ac:picMkLst>
+        </pc:picChg>
+      </pc:sldChg>
+      <pc:sldChg chg="delSp modSp add mod">
+        <pc:chgData name="이종은" userId="5cabcc43-02d4-48e1-8252-8be248ae0561" providerId="ADAL" clId="{54FD08B6-476F-47D7-A96A-717F72F5977C}" dt="2022-09-15T13:45:33.910" v="519" actId="1076"/>
+        <pc:sldMkLst>
+          <pc:docMk/>
+          <pc:sldMk cId="1225194223" sldId="289"/>
+        </pc:sldMkLst>
+        <pc:spChg chg="del">
+          <ac:chgData name="이종은" userId="5cabcc43-02d4-48e1-8252-8be248ae0561" providerId="ADAL" clId="{54FD08B6-476F-47D7-A96A-717F72F5977C}" dt="2022-09-15T13:45:29.113" v="518" actId="478"/>
+          <ac:spMkLst>
+            <pc:docMk/>
+            <pc:sldMk cId="1225194223" sldId="289"/>
+            <ac:spMk id="7" creationId="{AB1E282D-2102-47EA-021C-933D349D33A9}"/>
+          </ac:spMkLst>
+        </pc:spChg>
+        <pc:spChg chg="del">
+          <ac:chgData name="이종은" userId="5cabcc43-02d4-48e1-8252-8be248ae0561" providerId="ADAL" clId="{54FD08B6-476F-47D7-A96A-717F72F5977C}" dt="2022-09-15T13:45:29.113" v="518" actId="478"/>
+          <ac:spMkLst>
+            <pc:docMk/>
+            <pc:sldMk cId="1225194223" sldId="289"/>
+            <ac:spMk id="11" creationId="{F916047A-D91F-8652-A2A1-2FE93FBEAA30}"/>
+          </ac:spMkLst>
+        </pc:spChg>
+        <pc:grpChg chg="del">
+          <ac:chgData name="이종은" userId="5cabcc43-02d4-48e1-8252-8be248ae0561" providerId="ADAL" clId="{54FD08B6-476F-47D7-A96A-717F72F5977C}" dt="2022-09-15T13:45:29.113" v="518" actId="478"/>
+          <ac:grpSpMkLst>
+            <pc:docMk/>
+            <pc:sldMk cId="1225194223" sldId="289"/>
+            <ac:grpSpMk id="6" creationId="{32021036-97BC-4854-BB79-A96D8E9196FE}"/>
+          </ac:grpSpMkLst>
+        </pc:grpChg>
+        <pc:picChg chg="mod">
+          <ac:chgData name="이종은" userId="5cabcc43-02d4-48e1-8252-8be248ae0561" providerId="ADAL" clId="{54FD08B6-476F-47D7-A96A-717F72F5977C}" dt="2022-09-15T13:45:33.910" v="519" actId="1076"/>
+          <ac:picMkLst>
+            <pc:docMk/>
+            <pc:sldMk cId="1225194223" sldId="289"/>
+            <ac:picMk id="14" creationId="{4E279C6B-DCCD-AAF7-6C77-AF0ACB0AF3F8}"/>
+          </ac:picMkLst>
+        </pc:picChg>
+      </pc:sldChg>
+      <pc:sldChg chg="addSp delSp modSp add mod">
+        <pc:chgData name="이종은" userId="5cabcc43-02d4-48e1-8252-8be248ae0561" providerId="ADAL" clId="{54FD08B6-476F-47D7-A96A-717F72F5977C}" dt="2022-09-15T14:30:28.182" v="598" actId="1076"/>
+        <pc:sldMkLst>
+          <pc:docMk/>
+          <pc:sldMk cId="416672266" sldId="290"/>
+        </pc:sldMkLst>
+        <pc:spChg chg="mod">
+          <ac:chgData name="이종은" userId="5cabcc43-02d4-48e1-8252-8be248ae0561" providerId="ADAL" clId="{54FD08B6-476F-47D7-A96A-717F72F5977C}" dt="2022-09-15T14:27:34.325" v="564" actId="20577"/>
+          <ac:spMkLst>
+            <pc:docMk/>
+            <pc:sldMk cId="416672266" sldId="290"/>
+            <ac:spMk id="2" creationId="{32A4EF47-FCCA-4723-AF28-1B2DE76CE7E9}"/>
+          </ac:spMkLst>
+        </pc:spChg>
+        <pc:spChg chg="mod">
+          <ac:chgData name="이종은" userId="5cabcc43-02d4-48e1-8252-8be248ae0561" providerId="ADAL" clId="{54FD08B6-476F-47D7-A96A-717F72F5977C}" dt="2022-09-15T14:27:41.562" v="588" actId="20577"/>
+          <ac:spMkLst>
+            <pc:docMk/>
+            <pc:sldMk cId="416672266" sldId="290"/>
+            <ac:spMk id="3" creationId="{25774E92-9B95-4123-B29D-F5E0D6956FCA}"/>
+          </ac:spMkLst>
+        </pc:spChg>
+        <pc:spChg chg="del">
+          <ac:chgData name="이종은" userId="5cabcc43-02d4-48e1-8252-8be248ae0561" providerId="ADAL" clId="{54FD08B6-476F-47D7-A96A-717F72F5977C}" dt="2022-09-15T14:24:15.170" v="547" actId="478"/>
+          <ac:spMkLst>
+            <pc:docMk/>
+            <pc:sldMk cId="416672266" sldId="290"/>
+            <ac:spMk id="9" creationId="{00000000-0000-0000-0000-000000000000}"/>
+          </ac:spMkLst>
+        </pc:spChg>
+        <pc:spChg chg="del">
+          <ac:chgData name="이종은" userId="5cabcc43-02d4-48e1-8252-8be248ae0561" providerId="ADAL" clId="{54FD08B6-476F-47D7-A96A-717F72F5977C}" dt="2022-09-15T14:24:12.979" v="546" actId="478"/>
+          <ac:spMkLst>
+            <pc:docMk/>
+            <pc:sldMk cId="416672266" sldId="290"/>
+            <ac:spMk id="21" creationId="{DD59827E-204A-4ABC-8722-BE4646790C61}"/>
+          </ac:spMkLst>
+        </pc:spChg>
+        <pc:spChg chg="del">
+          <ac:chgData name="이종은" userId="5cabcc43-02d4-48e1-8252-8be248ae0561" providerId="ADAL" clId="{54FD08B6-476F-47D7-A96A-717F72F5977C}" dt="2022-09-15T14:24:12.979" v="546" actId="478"/>
+          <ac:spMkLst>
+            <pc:docMk/>
+            <pc:sldMk cId="416672266" sldId="290"/>
+            <ac:spMk id="22" creationId="{D3070AEC-71DF-4A85-937C-8C19CA3B302A}"/>
+          </ac:spMkLst>
+        </pc:spChg>
+        <pc:spChg chg="del">
+          <ac:chgData name="이종은" userId="5cabcc43-02d4-48e1-8252-8be248ae0561" providerId="ADAL" clId="{54FD08B6-476F-47D7-A96A-717F72F5977C}" dt="2022-09-15T14:24:12.979" v="546" actId="478"/>
+          <ac:spMkLst>
+            <pc:docMk/>
+            <pc:sldMk cId="416672266" sldId="290"/>
+            <ac:spMk id="23" creationId="{DF058C32-7654-4D55-A1F8-28C7D2CD8792}"/>
+          </ac:spMkLst>
+        </pc:spChg>
+        <pc:grpChg chg="mod">
+          <ac:chgData name="이종은" userId="5cabcc43-02d4-48e1-8252-8be248ae0561" providerId="ADAL" clId="{54FD08B6-476F-47D7-A96A-717F72F5977C}" dt="2022-09-15T14:23:31.165" v="531"/>
+          <ac:grpSpMkLst>
+            <pc:docMk/>
+            <pc:sldMk cId="416672266" sldId="290"/>
+            <ac:grpSpMk id="12" creationId="{E942E7E4-9789-85F8-2EB0-524DBF27D870}"/>
+          </ac:grpSpMkLst>
+        </pc:grpChg>
+        <pc:picChg chg="add mod">
+          <ac:chgData name="이종은" userId="5cabcc43-02d4-48e1-8252-8be248ae0561" providerId="ADAL" clId="{54FD08B6-476F-47D7-A96A-717F72F5977C}" dt="2022-09-15T14:30:28.182" v="598" actId="1076"/>
+          <ac:picMkLst>
+            <pc:docMk/>
+            <pc:sldMk cId="416672266" sldId="290"/>
+            <ac:picMk id="6" creationId="{55F52074-6032-B755-C759-55D133CE4B75}"/>
+          </ac:picMkLst>
+        </pc:picChg>
+        <pc:picChg chg="add mod">
+          <ac:chgData name="이종은" userId="5cabcc43-02d4-48e1-8252-8be248ae0561" providerId="ADAL" clId="{54FD08B6-476F-47D7-A96A-717F72F5977C}" dt="2022-09-15T14:30:25.950" v="597" actId="1076"/>
+          <ac:picMkLst>
+            <pc:docMk/>
+            <pc:sldMk cId="416672266" sldId="290"/>
+            <ac:picMk id="15" creationId="{D7583B65-4C9E-F4CB-B2FE-49AD91698BB0}"/>
+          </ac:picMkLst>
+        </pc:picChg>
+        <pc:picChg chg="add del mod">
+          <ac:chgData name="이종은" userId="5cabcc43-02d4-48e1-8252-8be248ae0561" providerId="ADAL" clId="{54FD08B6-476F-47D7-A96A-717F72F5977C}" dt="2022-09-15T14:27:50.215" v="590" actId="478"/>
+          <ac:picMkLst>
+            <pc:docMk/>
+            <pc:sldMk cId="416672266" sldId="290"/>
+            <ac:picMk id="17" creationId="{1C466CE9-0A98-3F37-2C86-FC5039DF4529}"/>
+          </ac:picMkLst>
+        </pc:picChg>
+        <pc:inkChg chg="del">
+          <ac:chgData name="이종은" userId="5cabcc43-02d4-48e1-8252-8be248ae0561" providerId="ADAL" clId="{54FD08B6-476F-47D7-A96A-717F72F5977C}" dt="2022-09-15T14:24:12.979" v="546" actId="478"/>
+          <ac:inkMkLst>
+            <pc:docMk/>
+            <pc:sldMk cId="416672266" sldId="290"/>
+            <ac:inkMk id="4" creationId="{6772B8DC-28CC-8BB4-CE26-0D3234C5961C}"/>
+          </ac:inkMkLst>
+        </pc:inkChg>
+        <pc:inkChg chg="add mod">
+          <ac:chgData name="이종은" userId="5cabcc43-02d4-48e1-8252-8be248ae0561" providerId="ADAL" clId="{54FD08B6-476F-47D7-A96A-717F72F5977C}" dt="2022-09-15T14:23:31.165" v="531"/>
+          <ac:inkMkLst>
+            <pc:docMk/>
+            <pc:sldMk cId="416672266" sldId="290"/>
+            <ac:inkMk id="5" creationId="{262703B4-103C-25F5-7E09-1A07E71BDF46}"/>
+          </ac:inkMkLst>
+        </pc:inkChg>
+        <pc:inkChg chg="del">
+          <ac:chgData name="이종은" userId="5cabcc43-02d4-48e1-8252-8be248ae0561" providerId="ADAL" clId="{54FD08B6-476F-47D7-A96A-717F72F5977C}" dt="2022-09-15T14:24:12.979" v="546" actId="478"/>
+          <ac:inkMkLst>
+            <pc:docMk/>
+            <pc:sldMk cId="416672266" sldId="290"/>
+            <ac:inkMk id="6" creationId="{F64CBC56-DC20-A44B-AF7D-AD7CCC5B9F66}"/>
+          </ac:inkMkLst>
+        </pc:inkChg>
+        <pc:inkChg chg="del">
+          <ac:chgData name="이종은" userId="5cabcc43-02d4-48e1-8252-8be248ae0561" providerId="ADAL" clId="{54FD08B6-476F-47D7-A96A-717F72F5977C}" dt="2022-09-15T14:24:12.979" v="546" actId="478"/>
+          <ac:inkMkLst>
+            <pc:docMk/>
+            <pc:sldMk cId="416672266" sldId="290"/>
+            <ac:inkMk id="8" creationId="{A1D78919-5549-0706-C160-407982E3EF18}"/>
+          </ac:inkMkLst>
+        </pc:inkChg>
+        <pc:inkChg chg="add mod">
+          <ac:chgData name="이종은" userId="5cabcc43-02d4-48e1-8252-8be248ae0561" providerId="ADAL" clId="{54FD08B6-476F-47D7-A96A-717F72F5977C}" dt="2022-09-15T14:23:31.165" v="531"/>
+          <ac:inkMkLst>
+            <pc:docMk/>
+            <pc:sldMk cId="416672266" sldId="290"/>
+            <ac:inkMk id="10" creationId="{E634F4EF-5F2B-3622-B284-CACFAD3EE5DA}"/>
+          </ac:inkMkLst>
+        </pc:inkChg>
+        <pc:inkChg chg="add">
+          <ac:chgData name="이종은" userId="5cabcc43-02d4-48e1-8252-8be248ae0561" providerId="ADAL" clId="{54FD08B6-476F-47D7-A96A-717F72F5977C}" dt="2022-09-15T14:23:30.254" v="530" actId="9405"/>
+          <ac:inkMkLst>
+            <pc:docMk/>
+            <pc:sldMk cId="416672266" sldId="290"/>
+            <ac:inkMk id="11" creationId="{2FA3A5A6-FCF1-B5FC-2CCA-6B5EE84CBF22}"/>
+          </ac:inkMkLst>
+        </pc:inkChg>
+        <pc:cxnChg chg="del">
+          <ac:chgData name="이종은" userId="5cabcc43-02d4-48e1-8252-8be248ae0561" providerId="ADAL" clId="{54FD08B6-476F-47D7-A96A-717F72F5977C}" dt="2022-09-15T14:24:12.979" v="546" actId="478"/>
+          <ac:cxnSpMkLst>
+            <pc:docMk/>
+            <pc:sldMk cId="416672266" sldId="290"/>
+            <ac:cxnSpMk id="7" creationId="{0E508D68-ACD4-48E4-A4E9-CDAE5D2E8D56}"/>
+          </ac:cxnSpMkLst>
+        </pc:cxnChg>
+        <pc:cxnChg chg="del">
+          <ac:chgData name="이종은" userId="5cabcc43-02d4-48e1-8252-8be248ae0561" providerId="ADAL" clId="{54FD08B6-476F-47D7-A96A-717F72F5977C}" dt="2022-09-15T14:24:12.979" v="546" actId="478"/>
+          <ac:cxnSpMkLst>
+            <pc:docMk/>
+            <pc:sldMk cId="416672266" sldId="290"/>
+            <ac:cxnSpMk id="14" creationId="{7147C8F4-AB1C-4AFC-BEEE-6FD05E97A934}"/>
+          </ac:cxnSpMkLst>
+        </pc:cxnChg>
+        <pc:cxnChg chg="del">
+          <ac:chgData name="이종은" userId="5cabcc43-02d4-48e1-8252-8be248ae0561" providerId="ADAL" clId="{54FD08B6-476F-47D7-A96A-717F72F5977C}" dt="2022-09-15T14:24:12.979" v="546" actId="478"/>
+          <ac:cxnSpMkLst>
+            <pc:docMk/>
+            <pc:sldMk cId="416672266" sldId="290"/>
+            <ac:cxnSpMk id="19" creationId="{5801DDC3-D74A-4D81-AF48-9AC80C690E69}"/>
+          </ac:cxnSpMkLst>
+        </pc:cxnChg>
+        <pc:cxnChg chg="del">
+          <ac:chgData name="이종은" userId="5cabcc43-02d4-48e1-8252-8be248ae0561" providerId="ADAL" clId="{54FD08B6-476F-47D7-A96A-717F72F5977C}" dt="2022-09-15T14:24:12.979" v="546" actId="478"/>
+          <ac:cxnSpMkLst>
+            <pc:docMk/>
+            <pc:sldMk cId="416672266" sldId="290"/>
+            <ac:cxnSpMk id="20" creationId="{9711E017-284A-4914-9FC1-3398B53DAA46}"/>
+          </ac:cxnSpMkLst>
+        </pc:cxnChg>
+      </pc:sldChg>
+      <pc:sldChg chg="addSp delSp modSp add mod">
+        <pc:chgData name="이종은" userId="5cabcc43-02d4-48e1-8252-8be248ae0561" providerId="ADAL" clId="{54FD08B6-476F-47D7-A96A-717F72F5977C}" dt="2022-09-15T14:35:54.495" v="660" actId="478"/>
+        <pc:sldMkLst>
+          <pc:docMk/>
+          <pc:sldMk cId="1578493575" sldId="291"/>
+        </pc:sldMkLst>
+        <pc:picChg chg="add del mod modCrop">
+          <ac:chgData name="이종은" userId="5cabcc43-02d4-48e1-8252-8be248ae0561" providerId="ADAL" clId="{54FD08B6-476F-47D7-A96A-717F72F5977C}" dt="2022-09-15T14:32:02.204" v="614" actId="478"/>
+          <ac:picMkLst>
+            <pc:docMk/>
+            <pc:sldMk cId="1578493575" sldId="291"/>
+            <ac:picMk id="6" creationId="{B0D45098-2D8B-B9E6-99AE-8D12C7ED968E}"/>
+          </ac:picMkLst>
+        </pc:picChg>
+        <pc:picChg chg="add mod">
+          <ac:chgData name="이종은" userId="5cabcc43-02d4-48e1-8252-8be248ae0561" providerId="ADAL" clId="{54FD08B6-476F-47D7-A96A-717F72F5977C}" dt="2022-09-15T14:32:55.024" v="634" actId="1076"/>
+          <ac:picMkLst>
+            <pc:docMk/>
+            <pc:sldMk cId="1578493575" sldId="291"/>
+            <ac:picMk id="8" creationId="{8332BFDB-8117-382C-FAB1-5786F96443C1}"/>
+          </ac:picMkLst>
+        </pc:picChg>
+        <pc:picChg chg="add del mod">
+          <ac:chgData name="이종은" userId="5cabcc43-02d4-48e1-8252-8be248ae0561" providerId="ADAL" clId="{54FD08B6-476F-47D7-A96A-717F72F5977C}" dt="2022-09-15T14:32:38.702" v="625" actId="478"/>
+          <ac:picMkLst>
+            <pc:docMk/>
+            <pc:sldMk cId="1578493575" sldId="291"/>
+            <ac:picMk id="13" creationId="{CDA2600D-0D53-EB7A-9073-CF6DC69EAED5}"/>
+          </ac:picMkLst>
+        </pc:picChg>
+        <pc:picChg chg="del">
+          <ac:chgData name="이종은" userId="5cabcc43-02d4-48e1-8252-8be248ae0561" providerId="ADAL" clId="{54FD08B6-476F-47D7-A96A-717F72F5977C}" dt="2022-09-15T14:28:21.707" v="592" actId="478"/>
+          <ac:picMkLst>
+            <pc:docMk/>
+            <pc:sldMk cId="1578493575" sldId="291"/>
+            <ac:picMk id="15" creationId="{D7583B65-4C9E-F4CB-B2FE-49AD91698BB0}"/>
+          </ac:picMkLst>
+        </pc:picChg>
+        <pc:picChg chg="add mod modCrop">
+          <ac:chgData name="이종은" userId="5cabcc43-02d4-48e1-8252-8be248ae0561" providerId="ADAL" clId="{54FD08B6-476F-47D7-A96A-717F72F5977C}" dt="2022-09-15T14:33:58.387" v="650" actId="1076"/>
+          <ac:picMkLst>
+            <pc:docMk/>
+            <pc:sldMk cId="1578493575" sldId="291"/>
+            <ac:picMk id="16" creationId="{5DC3B846-B5AC-AD9D-1DD0-72A8FA2B1F7B}"/>
+          </ac:picMkLst>
+        </pc:picChg>
+        <pc:picChg chg="del">
+          <ac:chgData name="이종은" userId="5cabcc43-02d4-48e1-8252-8be248ae0561" providerId="ADAL" clId="{54FD08B6-476F-47D7-A96A-717F72F5977C}" dt="2022-09-15T14:28:37.818" v="594" actId="478"/>
+          <ac:picMkLst>
+            <pc:docMk/>
+            <pc:sldMk cId="1578493575" sldId="291"/>
+            <ac:picMk id="17" creationId="{1C466CE9-0A98-3F37-2C86-FC5039DF4529}"/>
+          </ac:picMkLst>
+        </pc:picChg>
+        <pc:picChg chg="add del">
+          <ac:chgData name="이종은" userId="5cabcc43-02d4-48e1-8252-8be248ae0561" providerId="ADAL" clId="{54FD08B6-476F-47D7-A96A-717F72F5977C}" dt="2022-09-15T14:35:54.495" v="660" actId="478"/>
+          <ac:picMkLst>
+            <pc:docMk/>
+            <pc:sldMk cId="1578493575" sldId="291"/>
+            <ac:picMk id="19" creationId="{8EDF1E10-B579-FAC0-F15B-42ADE28EBFBB}"/>
+          </ac:picMkLst>
+        </pc:picChg>
+      </pc:sldChg>
+      <pc:sldChg chg="add del">
+        <pc:chgData name="이종은" userId="5cabcc43-02d4-48e1-8252-8be248ae0561" providerId="ADAL" clId="{54FD08B6-476F-47D7-A96A-717F72F5977C}" dt="2022-09-15T14:24:27.826" v="553"/>
+        <pc:sldMkLst>
+          <pc:docMk/>
+          <pc:sldMk cId="2935992972" sldId="291"/>
+        </pc:sldMkLst>
+      </pc:sldChg>
+      <pc:sldChg chg="modSp add mod ord">
+        <pc:chgData name="이종은" userId="5cabcc43-02d4-48e1-8252-8be248ae0561" providerId="ADAL" clId="{54FD08B6-476F-47D7-A96A-717F72F5977C}" dt="2022-09-15T14:34:23.803" v="654"/>
+        <pc:sldMkLst>
+          <pc:docMk/>
+          <pc:sldMk cId="2950139559" sldId="292"/>
+        </pc:sldMkLst>
+        <pc:picChg chg="mod">
+          <ac:chgData name="이종은" userId="5cabcc43-02d4-48e1-8252-8be248ae0561" providerId="ADAL" clId="{54FD08B6-476F-47D7-A96A-717F72F5977C}" dt="2022-09-15T14:34:08.834" v="652" actId="1076"/>
+          <ac:picMkLst>
+            <pc:docMk/>
+            <pc:sldMk cId="2950139559" sldId="292"/>
+            <ac:picMk id="17" creationId="{1C466CE9-0A98-3F37-2C86-FC5039DF4529}"/>
+          </ac:picMkLst>
+        </pc:picChg>
+      </pc:sldChg>
+      <pc:sldChg chg="addSp delSp add del mod">
+        <pc:chgData name="이종은" userId="5cabcc43-02d4-48e1-8252-8be248ae0561" providerId="ADAL" clId="{54FD08B6-476F-47D7-A96A-717F72F5977C}" dt="2022-09-15T14:32:03.774" v="615" actId="47"/>
+        <pc:sldMkLst>
+          <pc:docMk/>
+          <pc:sldMk cId="2945252878" sldId="293"/>
+        </pc:sldMkLst>
+        <pc:picChg chg="del">
+          <ac:chgData name="이종은" userId="5cabcc43-02d4-48e1-8252-8be248ae0561" providerId="ADAL" clId="{54FD08B6-476F-47D7-A96A-717F72F5977C}" dt="2022-09-15T14:31:21.799" v="606" actId="478"/>
+          <ac:picMkLst>
+            <pc:docMk/>
+            <pc:sldMk cId="2945252878" sldId="293"/>
+            <ac:picMk id="6" creationId="{B0D45098-2D8B-B9E6-99AE-8D12C7ED968E}"/>
+          </ac:picMkLst>
+        </pc:picChg>
+        <pc:picChg chg="add">
+          <ac:chgData name="이종은" userId="5cabcc43-02d4-48e1-8252-8be248ae0561" providerId="ADAL" clId="{54FD08B6-476F-47D7-A96A-717F72F5977C}" dt="2022-09-15T14:31:22.003" v="607" actId="22"/>
+          <ac:picMkLst>
+            <pc:docMk/>
+            <pc:sldMk cId="2945252878" sldId="293"/>
+            <ac:picMk id="7" creationId="{616E1507-4351-B442-F53E-C5E2C4DA09B6}"/>
+          </ac:picMkLst>
+        </pc:picChg>
+      </pc:sldChg>
+      <pc:sldChg chg="addSp delSp modSp add mod ord">
+        <pc:chgData name="이종은" userId="5cabcc43-02d4-48e1-8252-8be248ae0561" providerId="ADAL" clId="{54FD08B6-476F-47D7-A96A-717F72F5977C}" dt="2022-09-15T14:34:47.159" v="658" actId="1076"/>
+        <pc:sldMkLst>
+          <pc:docMk/>
+          <pc:sldMk cId="3475179219" sldId="293"/>
+        </pc:sldMkLst>
+        <pc:picChg chg="add mod">
+          <ac:chgData name="이종은" userId="5cabcc43-02d4-48e1-8252-8be248ae0561" providerId="ADAL" clId="{54FD08B6-476F-47D7-A96A-717F72F5977C}" dt="2022-09-15T14:33:46.286" v="647" actId="14100"/>
+          <ac:picMkLst>
+            <pc:docMk/>
+            <pc:sldMk cId="3475179219" sldId="293"/>
+            <ac:picMk id="6" creationId="{0F7145AC-F678-9E0B-B93A-71D14B2E3FF0}"/>
+          </ac:picMkLst>
+        </pc:picChg>
+        <pc:picChg chg="del">
+          <ac:chgData name="이종은" userId="5cabcc43-02d4-48e1-8252-8be248ae0561" providerId="ADAL" clId="{54FD08B6-476F-47D7-A96A-717F72F5977C}" dt="2022-09-15T14:33:26.995" v="641" actId="478"/>
+          <ac:picMkLst>
+            <pc:docMk/>
+            <pc:sldMk cId="3475179219" sldId="293"/>
+            <ac:picMk id="8" creationId="{8332BFDB-8117-382C-FAB1-5786F96443C1}"/>
+          </ac:picMkLst>
+        </pc:picChg>
+        <pc:picChg chg="add mod">
+          <ac:chgData name="이종은" userId="5cabcc43-02d4-48e1-8252-8be248ae0561" providerId="ADAL" clId="{54FD08B6-476F-47D7-A96A-717F72F5977C}" dt="2022-09-15T14:33:50.232" v="648" actId="1076"/>
+          <ac:picMkLst>
+            <pc:docMk/>
+            <pc:sldMk cId="3475179219" sldId="293"/>
+            <ac:picMk id="9" creationId="{37C712B1-D7E0-29DD-39C6-278865DF5091}"/>
+          </ac:picMkLst>
+        </pc:picChg>
+        <pc:picChg chg="add mod modCrop">
+          <ac:chgData name="이종은" userId="5cabcc43-02d4-48e1-8252-8be248ae0561" providerId="ADAL" clId="{54FD08B6-476F-47D7-A96A-717F72F5977C}" dt="2022-09-15T14:34:47.159" v="658" actId="1076"/>
+          <ac:picMkLst>
+            <pc:docMk/>
+            <pc:sldMk cId="3475179219" sldId="293"/>
+            <ac:picMk id="14" creationId="{EF6BEE36-4604-72ED-9197-0E5E78D68A8B}"/>
+          </ac:picMkLst>
+        </pc:picChg>
+        <pc:picChg chg="del">
+          <ac:chgData name="이종은" userId="5cabcc43-02d4-48e1-8252-8be248ae0561" providerId="ADAL" clId="{54FD08B6-476F-47D7-A96A-717F72F5977C}" dt="2022-09-15T14:33:42.231" v="645" actId="478"/>
+          <ac:picMkLst>
+            <pc:docMk/>
+            <pc:sldMk cId="3475179219" sldId="293"/>
+            <ac:picMk id="16" creationId="{5DC3B846-B5AC-AD9D-1DD0-72A8FA2B1F7B}"/>
+          </ac:picMkLst>
+        </pc:picChg>
+      </pc:sldChg>
+    </pc:docChg>
+  </pc:docChgLst>
+</pc:chgInfo>
+</file>
+
+<file path=ppt/ink/ink1.xml><?xml version="1.0" encoding="utf-8"?>
+<inkml:ink xmlns:inkml="http://www.w3.org/2003/InkML">
+  <inkml:definitions>
+    <inkml:context xml:id="ctx0">
+      <inkml:inkSource xml:id="inkSrc0">
+        <inkml:traceFormat>
+          <inkml:channel name="X" type="integer" min="-2.14748E9" max="2.14748E9" units="cm"/>
+          <inkml:channel name="Y" type="integer" min="-2.14748E9" max="2.14748E9" units="cm"/>
+          <inkml:channel name="F" type="integer" max="32767" units="dev"/>
+        </inkml:traceFormat>
+        <inkml:channelProperties>
+          <inkml:channelProperty channel="X" name="resolution" value="1000" units="1/cm"/>
+          <inkml:channelProperty channel="Y" name="resolution" value="1000" units="1/cm"/>
+          <inkml:channelProperty channel="F" name="resolution" value="0" units="1/dev"/>
+        </inkml:channelProperties>
+      </inkml:inkSource>
+      <inkml:timestamp xml:id="ts0" timeString="2022-09-15T13:47:09.772"/>
+    </inkml:context>
+    <inkml:brush xml:id="br0">
+      <inkml:brushProperty name="width" value="0.025" units="cm"/>
+      <inkml:brushProperty name="height" value="0.025" units="cm"/>
+    </inkml:brush>
+  </inkml:definitions>
+  <inkml:trace contextRef="#ctx0" brushRef="#br0">1 309 24575,'4'0'0,"-1"0"0,1 0 0,-1 0 0,1 1 0,-1 0 0,1-1 0,-1 1 0,1 1 0,4 1 0,8 4 0,127 51 0,214 122 0,159 151 0,-447-284 0,1017 680 0,-1043-699 0,38 24 0,96 47 0,3-26 0,-125-47 0,-24-11 0,0-1 0,1-1 0,0-2 0,65 14 0,-53-22 0,81-4 0,-49-2 0,59 1 0,-1-6 0,208-39 0,-304 37 0,0-2 0,0-2 0,42-23 0,-15 8 0,158-87 0,-114 56 0,21-23 0,-30 18 0,49-17 0,-78 46 0,-1-4 0,71-54 0,181-126 0,-85 62 0,-202 133 0,15-11 0,96-53 0,0 24 0,154-45 0,-69 27 0,72-45 0,-37 33 0,-145 55 0,-35 10 0,162-48 0,-110 58 0,-79 13 0,489-81 0,-507 80-1365,-12 2-5461</inkml:trace>
+</inkml:ink>
+</file>
+
+<file path=ppt/ink/ink10.xml><?xml version="1.0" encoding="utf-8"?>
+<inkml:ink xmlns:inkml="http://www.w3.org/2003/InkML">
+  <inkml:definitions>
+    <inkml:context xml:id="ctx0">
+      <inkml:inkSource xml:id="inkSrc0">
+        <inkml:traceFormat>
+          <inkml:channel name="X" type="integer" min="-2.14748E9" max="2.14748E9" units="cm"/>
+          <inkml:channel name="Y" type="integer" min="-2.14748E9" max="2.14748E9" units="cm"/>
+          <inkml:channel name="F" type="integer" max="32767" units="dev"/>
+        </inkml:traceFormat>
+        <inkml:channelProperties>
+          <inkml:channelProperty channel="X" name="resolution" value="1000" units="1/cm"/>
+          <inkml:channelProperty channel="Y" name="resolution" value="1000" units="1/cm"/>
+          <inkml:channelProperty channel="F" name="resolution" value="0" units="1/dev"/>
+        </inkml:channelProperties>
+      </inkml:inkSource>
+      <inkml:timestamp xml:id="ts0" timeString="2022-09-15T14:23:29.547"/>
+    </inkml:context>
+    <inkml:brush xml:id="br0">
+      <inkml:brushProperty name="width" value="0.025" units="cm"/>
+      <inkml:brushProperty name="height" value="0.025" units="cm"/>
+    </inkml:brush>
+  </inkml:definitions>
+  <inkml:trace contextRef="#ctx0" brushRef="#br0">0 1 24575,'0'0'-8191</inkml:trace>
+</inkml:ink>
+</file>
+
+<file path=ppt/ink/ink11.xml><?xml version="1.0" encoding="utf-8"?>
+<inkml:ink xmlns:inkml="http://www.w3.org/2003/InkML">
+  <inkml:definitions>
+    <inkml:context xml:id="ctx0">
+      <inkml:inkSource xml:id="inkSrc0">
+        <inkml:traceFormat>
+          <inkml:channel name="X" type="integer" min="-2.14748E9" max="2.14748E9" units="cm"/>
+          <inkml:channel name="Y" type="integer" min="-2.14748E9" max="2.14748E9" units="cm"/>
+          <inkml:channel name="F" type="integer" max="32767" units="dev"/>
+        </inkml:traceFormat>
+        <inkml:channelProperties>
+          <inkml:channelProperty channel="X" name="resolution" value="1000" units="1/cm"/>
+          <inkml:channelProperty channel="Y" name="resolution" value="1000" units="1/cm"/>
+          <inkml:channelProperty channel="F" name="resolution" value="0" units="1/dev"/>
+        </inkml:channelProperties>
+      </inkml:inkSource>
+      <inkml:timestamp xml:id="ts0" timeString="2022-09-15T14:23:29.893"/>
+    </inkml:context>
+    <inkml:brush xml:id="br0">
+      <inkml:brushProperty name="width" value="0.025" units="cm"/>
+      <inkml:brushProperty name="height" value="0.025" units="cm"/>
+    </inkml:brush>
+  </inkml:definitions>
+  <inkml:trace contextRef="#ctx0" brushRef="#br0">0 1 24575,'0'0'-8191</inkml:trace>
+</inkml:ink>
+</file>
+
+<file path=ppt/ink/ink12.xml><?xml version="1.0" encoding="utf-8"?>
+<inkml:ink xmlns:inkml="http://www.w3.org/2003/InkML">
+  <inkml:definitions>
+    <inkml:context xml:id="ctx0">
+      <inkml:inkSource xml:id="inkSrc0">
+        <inkml:traceFormat>
+          <inkml:channel name="X" type="integer" min="-2.14748E9" max="2.14748E9" units="cm"/>
+          <inkml:channel name="Y" type="integer" min="-2.14748E9" max="2.14748E9" units="cm"/>
+          <inkml:channel name="F" type="integer" max="32767" units="dev"/>
+        </inkml:traceFormat>
+        <inkml:channelProperties>
+          <inkml:channelProperty channel="X" name="resolution" value="1000" units="1/cm"/>
+          <inkml:channelProperty channel="Y" name="resolution" value="1000" units="1/cm"/>
+          <inkml:channelProperty channel="F" name="resolution" value="0" units="1/dev"/>
+        </inkml:channelProperties>
+      </inkml:inkSource>
+      <inkml:timestamp xml:id="ts0" timeString="2022-09-15T14:23:30.254"/>
+    </inkml:context>
+    <inkml:brush xml:id="br0">
+      <inkml:brushProperty name="width" value="0.025" units="cm"/>
+      <inkml:brushProperty name="height" value="0.025" units="cm"/>
+    </inkml:brush>
+  </inkml:definitions>
+  <inkml:trace contextRef="#ctx0" brushRef="#br0">0 1 24575,'0'0'-8191</inkml:trace>
+  <inkml:trace contextRef="#ctx0" brushRef="#br0" timeOffset="1">0 1 24575,'0'0'-8191</inkml:trace>
+</inkml:ink>
+</file>
+
+<file path=ppt/ink/ink13.xml><?xml version="1.0" encoding="utf-8"?>
+<inkml:ink xmlns:inkml="http://www.w3.org/2003/InkML">
+  <inkml:definitions>
+    <inkml:context xml:id="ctx0">
+      <inkml:inkSource xml:id="inkSrc0">
+        <inkml:traceFormat>
+          <inkml:channel name="X" type="integer" min="-2.14748E9" max="2.14748E9" units="cm"/>
+          <inkml:channel name="Y" type="integer" min="-2.14748E9" max="2.14748E9" units="cm"/>
+          <inkml:channel name="F" type="integer" max="32767" units="dev"/>
+        </inkml:traceFormat>
+        <inkml:channelProperties>
+          <inkml:channelProperty channel="X" name="resolution" value="1000" units="1/cm"/>
+          <inkml:channelProperty channel="Y" name="resolution" value="1000" units="1/cm"/>
+          <inkml:channelProperty channel="F" name="resolution" value="0" units="1/dev"/>
+        </inkml:channelProperties>
+      </inkml:inkSource>
+      <inkml:timestamp xml:id="ts0" timeString="2022-09-15T14:23:29.547"/>
+    </inkml:context>
+    <inkml:brush xml:id="br0">
+      <inkml:brushProperty name="width" value="0.025" units="cm"/>
+      <inkml:brushProperty name="height" value="0.025" units="cm"/>
+    </inkml:brush>
+  </inkml:definitions>
+  <inkml:trace contextRef="#ctx0" brushRef="#br0">0 1 24575,'0'0'-8191</inkml:trace>
+</inkml:ink>
+</file>
+
+<file path=ppt/ink/ink14.xml><?xml version="1.0" encoding="utf-8"?>
+<inkml:ink xmlns:inkml="http://www.w3.org/2003/InkML">
+  <inkml:definitions>
+    <inkml:context xml:id="ctx0">
+      <inkml:inkSource xml:id="inkSrc0">
+        <inkml:traceFormat>
+          <inkml:channel name="X" type="integer" min="-2.14748E9" max="2.14748E9" units="cm"/>
+          <inkml:channel name="Y" type="integer" min="-2.14748E9" max="2.14748E9" units="cm"/>
+          <inkml:channel name="F" type="integer" max="32767" units="dev"/>
+        </inkml:traceFormat>
+        <inkml:channelProperties>
+          <inkml:channelProperty channel="X" name="resolution" value="1000" units="1/cm"/>
+          <inkml:channelProperty channel="Y" name="resolution" value="1000" units="1/cm"/>
+          <inkml:channelProperty channel="F" name="resolution" value="0" units="1/dev"/>
+        </inkml:channelProperties>
+      </inkml:inkSource>
+      <inkml:timestamp xml:id="ts0" timeString="2022-09-15T14:23:29.893"/>
+    </inkml:context>
+    <inkml:brush xml:id="br0">
+      <inkml:brushProperty name="width" value="0.025" units="cm"/>
+      <inkml:brushProperty name="height" value="0.025" units="cm"/>
+    </inkml:brush>
+  </inkml:definitions>
+  <inkml:trace contextRef="#ctx0" brushRef="#br0">0 1 24575,'0'0'-8191</inkml:trace>
+</inkml:ink>
+</file>
+
+<file path=ppt/ink/ink15.xml><?xml version="1.0" encoding="utf-8"?>
+<inkml:ink xmlns:inkml="http://www.w3.org/2003/InkML">
+  <inkml:definitions>
+    <inkml:context xml:id="ctx0">
+      <inkml:inkSource xml:id="inkSrc0">
+        <inkml:traceFormat>
+          <inkml:channel name="X" type="integer" min="-2.14748E9" max="2.14748E9" units="cm"/>
+          <inkml:channel name="Y" type="integer" min="-2.14748E9" max="2.14748E9" units="cm"/>
+          <inkml:channel name="F" type="integer" max="32767" units="dev"/>
+        </inkml:traceFormat>
+        <inkml:channelProperties>
+          <inkml:channelProperty channel="X" name="resolution" value="1000" units="1/cm"/>
+          <inkml:channelProperty channel="Y" name="resolution" value="1000" units="1/cm"/>
+          <inkml:channelProperty channel="F" name="resolution" value="0" units="1/dev"/>
+        </inkml:channelProperties>
+      </inkml:inkSource>
+      <inkml:timestamp xml:id="ts0" timeString="2022-09-15T14:23:30.254"/>
+    </inkml:context>
+    <inkml:brush xml:id="br0">
+      <inkml:brushProperty name="width" value="0.025" units="cm"/>
+      <inkml:brushProperty name="height" value="0.025" units="cm"/>
+    </inkml:brush>
+  </inkml:definitions>
+  <inkml:trace contextRef="#ctx0" brushRef="#br0">0 1 24575,'0'0'-8191</inkml:trace>
+  <inkml:trace contextRef="#ctx0" brushRef="#br0" timeOffset="1">0 1 24575,'0'0'-8191</inkml:trace>
+</inkml:ink>
+</file>
+
+<file path=ppt/ink/ink2.xml><?xml version="1.0" encoding="utf-8"?>
+<inkml:ink xmlns:inkml="http://www.w3.org/2003/InkML">
+  <inkml:definitions>
+    <inkml:context xml:id="ctx0">
+      <inkml:inkSource xml:id="inkSrc0">
+        <inkml:traceFormat>
+          <inkml:channel name="X" type="integer" min="-2.14748E9" max="2.14748E9" units="cm"/>
+          <inkml:channel name="Y" type="integer" min="-2.14748E9" max="2.14748E9" units="cm"/>
+          <inkml:channel name="F" type="integer" max="32767" units="dev"/>
+        </inkml:traceFormat>
+        <inkml:channelProperties>
+          <inkml:channelProperty channel="X" name="resolution" value="1000" units="1/cm"/>
+          <inkml:channelProperty channel="Y" name="resolution" value="1000" units="1/cm"/>
+          <inkml:channelProperty channel="F" name="resolution" value="0" units="1/dev"/>
+        </inkml:channelProperties>
+      </inkml:inkSource>
+      <inkml:timestamp xml:id="ts0" timeString="2022-09-15T13:48:06.296"/>
+    </inkml:context>
+    <inkml:brush xml:id="br0">
+      <inkml:brushProperty name="width" value="0.025" units="cm"/>
+      <inkml:brushProperty name="height" value="0.025" units="cm"/>
+    </inkml:brush>
+  </inkml:definitions>
+  <inkml:trace contextRef="#ctx0" brushRef="#br0">1 1 24575,'15'0'0,"0"0"0,1 1 0,-1 0 0,0 1 0,0 1 0,0 1 0,0 0 0,-1 1 0,17 7 0,91 37 0,-72-29 0,1-2 0,69 15 0,22 7 0,39 18 0,-92-15 0,205 66 0,-46-15 0,2 5 0,-191-82 0,18 8 0,-30-8 0,63 14 0,-66-20 0,-6-3 0,0-1 0,76 4 0,81-12 0,-83-2 0,846 3 0,-899-2 0,75-14 0,-21 1 0,-25 5-1365,-52 5-5461</inkml:trace>
+</inkml:ink>
+</file>
+
+<file path=ppt/ink/ink3.xml><?xml version="1.0" encoding="utf-8"?>
+<inkml:ink xmlns:inkml="http://www.w3.org/2003/InkML">
+  <inkml:definitions>
+    <inkml:context xml:id="ctx0">
+      <inkml:inkSource xml:id="inkSrc0">
+        <inkml:traceFormat>
+          <inkml:channel name="X" type="integer" min="-2.14748E9" max="2.14748E9" units="cm"/>
+          <inkml:channel name="Y" type="integer" min="-2.14748E9" max="2.14748E9" units="cm"/>
+          <inkml:channel name="F" type="integer" max="32767" units="dev"/>
+        </inkml:traceFormat>
+        <inkml:channelProperties>
+          <inkml:channelProperty channel="X" name="resolution" value="1000" units="1/cm"/>
+          <inkml:channelProperty channel="Y" name="resolution" value="1000" units="1/cm"/>
+          <inkml:channelProperty channel="F" name="resolution" value="0" units="1/dev"/>
+        </inkml:channelProperties>
+      </inkml:inkSource>
+      <inkml:timestamp xml:id="ts0" timeString="2022-09-15T13:48:25.235"/>
+    </inkml:context>
+    <inkml:brush xml:id="br0">
+      <inkml:brushProperty name="width" value="0.025" units="cm"/>
+      <inkml:brushProperty name="height" value="0.025" units="cm"/>
+    </inkml:brush>
+  </inkml:definitions>
+  <inkml:trace contextRef="#ctx0" brushRef="#br0">1 1 24575,'0'0'-8191</inkml:trace>
+</inkml:ink>
+</file>
+
+<file path=ppt/ink/ink4.xml><?xml version="1.0" encoding="utf-8"?>
+<inkml:ink xmlns:inkml="http://www.w3.org/2003/InkML">
+  <inkml:definitions>
+    <inkml:context xml:id="ctx0">
+      <inkml:inkSource xml:id="inkSrc0">
+        <inkml:traceFormat>
+          <inkml:channel name="X" type="integer" min="-2.14748E9" max="2.14748E9" units="cm"/>
+          <inkml:channel name="Y" type="integer" min="-2.14748E9" max="2.14748E9" units="cm"/>
+          <inkml:channel name="F" type="integer" max="32767" units="dev"/>
+        </inkml:traceFormat>
+        <inkml:channelProperties>
+          <inkml:channelProperty channel="X" name="resolution" value="1000" units="1/cm"/>
+          <inkml:channelProperty channel="Y" name="resolution" value="1000" units="1/cm"/>
+          <inkml:channelProperty channel="F" name="resolution" value="0" units="1/dev"/>
+        </inkml:channelProperties>
+      </inkml:inkSource>
+      <inkml:timestamp xml:id="ts0" timeString="2022-09-15T14:23:29.547"/>
+    </inkml:context>
+    <inkml:brush xml:id="br0">
+      <inkml:brushProperty name="width" value="0.025" units="cm"/>
+      <inkml:brushProperty name="height" value="0.025" units="cm"/>
+    </inkml:brush>
+  </inkml:definitions>
+  <inkml:trace contextRef="#ctx0" brushRef="#br0">0 1 24575,'0'0'-8191</inkml:trace>
+</inkml:ink>
+</file>
+
+<file path=ppt/ink/ink5.xml><?xml version="1.0" encoding="utf-8"?>
+<inkml:ink xmlns:inkml="http://www.w3.org/2003/InkML">
+  <inkml:definitions>
+    <inkml:context xml:id="ctx0">
+      <inkml:inkSource xml:id="inkSrc0">
+        <inkml:traceFormat>
+          <inkml:channel name="X" type="integer" min="-2.14748E9" max="2.14748E9" units="cm"/>
+          <inkml:channel name="Y" type="integer" min="-2.14748E9" max="2.14748E9" units="cm"/>
+          <inkml:channel name="F" type="integer" max="32767" units="dev"/>
+        </inkml:traceFormat>
+        <inkml:channelProperties>
+          <inkml:channelProperty channel="X" name="resolution" value="1000" units="1/cm"/>
+          <inkml:channelProperty channel="Y" name="resolution" value="1000" units="1/cm"/>
+          <inkml:channelProperty channel="F" name="resolution" value="0" units="1/dev"/>
+        </inkml:channelProperties>
+      </inkml:inkSource>
+      <inkml:timestamp xml:id="ts0" timeString="2022-09-15T14:23:29.893"/>
+    </inkml:context>
+    <inkml:brush xml:id="br0">
+      <inkml:brushProperty name="width" value="0.025" units="cm"/>
+      <inkml:brushProperty name="height" value="0.025" units="cm"/>
+    </inkml:brush>
+  </inkml:definitions>
+  <inkml:trace contextRef="#ctx0" brushRef="#br0">0 1 24575,'0'0'-8191</inkml:trace>
+</inkml:ink>
+</file>
+
+<file path=ppt/ink/ink6.xml><?xml version="1.0" encoding="utf-8"?>
+<inkml:ink xmlns:inkml="http://www.w3.org/2003/InkML">
+  <inkml:definitions>
+    <inkml:context xml:id="ctx0">
+      <inkml:inkSource xml:id="inkSrc0">
+        <inkml:traceFormat>
+          <inkml:channel name="X" type="integer" min="-2.14748E9" max="2.14748E9" units="cm"/>
+          <inkml:channel name="Y" type="integer" min="-2.14748E9" max="2.14748E9" units="cm"/>
+          <inkml:channel name="F" type="integer" max="32767" units="dev"/>
+        </inkml:traceFormat>
+        <inkml:channelProperties>
+          <inkml:channelProperty channel="X" name="resolution" value="1000" units="1/cm"/>
+          <inkml:channelProperty channel="Y" name="resolution" value="1000" units="1/cm"/>
+          <inkml:channelProperty channel="F" name="resolution" value="0" units="1/dev"/>
+        </inkml:channelProperties>
+      </inkml:inkSource>
+      <inkml:timestamp xml:id="ts0" timeString="2022-09-15T14:23:30.254"/>
+    </inkml:context>
+    <inkml:brush xml:id="br0">
+      <inkml:brushProperty name="width" value="0.025" units="cm"/>
+      <inkml:brushProperty name="height" value="0.025" units="cm"/>
+    </inkml:brush>
+  </inkml:definitions>
+  <inkml:trace contextRef="#ctx0" brushRef="#br0">0 1 24575,'0'0'-8191</inkml:trace>
+  <inkml:trace contextRef="#ctx0" brushRef="#br0" timeOffset="1">0 1 24575,'0'0'-8191</inkml:trace>
+</inkml:ink>
+</file>
+
+<file path=ppt/ink/ink7.xml><?xml version="1.0" encoding="utf-8"?>
+<inkml:ink xmlns:inkml="http://www.w3.org/2003/InkML">
+  <inkml:definitions>
+    <inkml:context xml:id="ctx0">
+      <inkml:inkSource xml:id="inkSrc0">
+        <inkml:traceFormat>
+          <inkml:channel name="X" type="integer" min="-2.14748E9" max="2.14748E9" units="cm"/>
+          <inkml:channel name="Y" type="integer" min="-2.14748E9" max="2.14748E9" units="cm"/>
+          <inkml:channel name="F" type="integer" max="32767" units="dev"/>
+        </inkml:traceFormat>
+        <inkml:channelProperties>
+          <inkml:channelProperty channel="X" name="resolution" value="1000" units="1/cm"/>
+          <inkml:channelProperty channel="Y" name="resolution" value="1000" units="1/cm"/>
+          <inkml:channelProperty channel="F" name="resolution" value="0" units="1/dev"/>
+        </inkml:channelProperties>
+      </inkml:inkSource>
+      <inkml:timestamp xml:id="ts0" timeString="2022-09-15T14:23:29.547"/>
+    </inkml:context>
+    <inkml:brush xml:id="br0">
+      <inkml:brushProperty name="width" value="0.025" units="cm"/>
+      <inkml:brushProperty name="height" value="0.025" units="cm"/>
+    </inkml:brush>
+  </inkml:definitions>
+  <inkml:trace contextRef="#ctx0" brushRef="#br0">0 1 24575,'0'0'-8191</inkml:trace>
+</inkml:ink>
+</file>
+
+<file path=ppt/ink/ink8.xml><?xml version="1.0" encoding="utf-8"?>
+<inkml:ink xmlns:inkml="http://www.w3.org/2003/InkML">
+  <inkml:definitions>
+    <inkml:context xml:id="ctx0">
+      <inkml:inkSource xml:id="inkSrc0">
+        <inkml:traceFormat>
+          <inkml:channel name="X" type="integer" min="-2.14748E9" max="2.14748E9" units="cm"/>
+          <inkml:channel name="Y" type="integer" min="-2.14748E9" max="2.14748E9" units="cm"/>
+          <inkml:channel name="F" type="integer" max="32767" units="dev"/>
+        </inkml:traceFormat>
+        <inkml:channelProperties>
+          <inkml:channelProperty channel="X" name="resolution" value="1000" units="1/cm"/>
+          <inkml:channelProperty channel="Y" name="resolution" value="1000" units="1/cm"/>
+          <inkml:channelProperty channel="F" name="resolution" value="0" units="1/dev"/>
+        </inkml:channelProperties>
+      </inkml:inkSource>
+      <inkml:timestamp xml:id="ts0" timeString="2022-09-15T14:23:29.893"/>
+    </inkml:context>
+    <inkml:brush xml:id="br0">
+      <inkml:brushProperty name="width" value="0.025" units="cm"/>
+      <inkml:brushProperty name="height" value="0.025" units="cm"/>
+    </inkml:brush>
+  </inkml:definitions>
+  <inkml:trace contextRef="#ctx0" brushRef="#br0">0 1 24575,'0'0'-8191</inkml:trace>
+</inkml:ink>
+</file>
+
+<file path=ppt/ink/ink9.xml><?xml version="1.0" encoding="utf-8"?>
+<inkml:ink xmlns:inkml="http://www.w3.org/2003/InkML">
+  <inkml:definitions>
+    <inkml:context xml:id="ctx0">
+      <inkml:inkSource xml:id="inkSrc0">
+        <inkml:traceFormat>
+          <inkml:channel name="X" type="integer" min="-2.14748E9" max="2.14748E9" units="cm"/>
+          <inkml:channel name="Y" type="integer" min="-2.14748E9" max="2.14748E9" units="cm"/>
+          <inkml:channel name="F" type="integer" max="32767" units="dev"/>
+        </inkml:traceFormat>
+        <inkml:channelProperties>
+          <inkml:channelProperty channel="X" name="resolution" value="1000" units="1/cm"/>
+          <inkml:channelProperty channel="Y" name="resolution" value="1000" units="1/cm"/>
+          <inkml:channelProperty channel="F" name="resolution" value="0" units="1/dev"/>
+        </inkml:channelProperties>
+      </inkml:inkSource>
+      <inkml:timestamp xml:id="ts0" timeString="2022-09-15T14:23:30.254"/>
+    </inkml:context>
+    <inkml:brush xml:id="br0">
+      <inkml:brushProperty name="width" value="0.025" units="cm"/>
+      <inkml:brushProperty name="height" value="0.025" units="cm"/>
+    </inkml:brush>
+  </inkml:definitions>
+  <inkml:trace contextRef="#ctx0" brushRef="#br0">0 1 24575,'0'0'-8191</inkml:trace>
+  <inkml:trace contextRef="#ctx0" brushRef="#br0" timeOffset="1">0 1 24575,'0'0'-8191</inkml:trace>
+</inkml:ink>
+</file>
+
 <file path=ppt/notesMasters/notesMaster1.xml><?xml version="1.0" encoding="utf-8"?>
 <p:notesMaster xmlns:a="http://schemas.openxmlformats.org/drawingml/2006/main" xmlns:r="http://schemas.openxmlformats.org/officeDocument/2006/relationships" xmlns:p="http://schemas.openxmlformats.org/presentationml/2006/main">
   <p:cSld>
@@ -217,7 +1898,7 @@
           <a:p>
             <a:fld id="{2810F96D-AAED-46B4-9287-2FCAFDFE893C}" type="datetimeFigureOut">
               <a:rPr lang="ko-KR" altLang="en-US" smtClean="0"/>
-              <a:t>2021-07-16</a:t>
+              <a:t>2022-09-15</a:t>
             </a:fld>
             <a:endParaRPr lang="ko-KR" altLang="en-US"/>
           </a:p>
@@ -623,7 +2304,7 @@
           <a:p>
             <a:fld id="{F8D5ED43-C055-4AE5-84AD-C613D5669DDC}" type="datetimeFigureOut">
               <a:rPr lang="ko-KR" altLang="en-US" smtClean="0"/>
-              <a:t>2021-07-16</a:t>
+              <a:t>2022-09-15</a:t>
             </a:fld>
             <a:endParaRPr lang="ko-KR" altLang="en-US"/>
           </a:p>
@@ -865,7 +2546,7 @@
           <a:p>
             <a:fld id="{F8D5ED43-C055-4AE5-84AD-C613D5669DDC}" type="datetimeFigureOut">
               <a:rPr lang="ko-KR" altLang="en-US" smtClean="0"/>
-              <a:t>2021-07-16</a:t>
+              <a:t>2022-09-15</a:t>
             </a:fld>
             <a:endParaRPr lang="ko-KR" altLang="en-US"/>
           </a:p>
@@ -1049,7 +2730,7 @@
           <a:p>
             <a:fld id="{F8D5ED43-C055-4AE5-84AD-C613D5669DDC}" type="datetimeFigureOut">
               <a:rPr lang="ko-KR" altLang="en-US" smtClean="0"/>
-              <a:t>2021-07-16</a:t>
+              <a:t>2022-09-15</a:t>
             </a:fld>
             <a:endParaRPr lang="ko-KR" altLang="en-US"/>
           </a:p>
@@ -1283,7 +2964,7 @@
           <a:p>
             <a:fld id="{F8D5ED43-C055-4AE5-84AD-C613D5669DDC}" type="datetimeFigureOut">
               <a:rPr lang="ko-KR" altLang="en-US" smtClean="0"/>
-              <a:t>2021-07-16</a:t>
+              <a:t>2022-09-15</a:t>
             </a:fld>
             <a:endParaRPr lang="ko-KR" altLang="en-US"/>
           </a:p>
@@ -1574,7 +3255,7 @@
           <a:p>
             <a:fld id="{F8D5ED43-C055-4AE5-84AD-C613D5669DDC}" type="datetimeFigureOut">
               <a:rPr lang="ko-KR" altLang="en-US" smtClean="0"/>
-              <a:t>2021-07-16</a:t>
+              <a:t>2022-09-15</a:t>
             </a:fld>
             <a:endParaRPr lang="ko-KR" altLang="en-US"/>
           </a:p>
@@ -1842,7 +3523,7 @@
           <a:p>
             <a:fld id="{F8D5ED43-C055-4AE5-84AD-C613D5669DDC}" type="datetimeFigureOut">
               <a:rPr lang="ko-KR" altLang="en-US" smtClean="0"/>
-              <a:t>2021-07-16</a:t>
+              <a:t>2022-09-15</a:t>
             </a:fld>
             <a:endParaRPr lang="ko-KR" altLang="en-US"/>
           </a:p>
@@ -2289,7 +3970,7 @@
           <a:p>
             <a:fld id="{F8D5ED43-C055-4AE5-84AD-C613D5669DDC}" type="datetimeFigureOut">
               <a:rPr lang="ko-KR" altLang="en-US" smtClean="0"/>
-              <a:t>2021-07-16</a:t>
+              <a:t>2022-09-15</a:t>
             </a:fld>
             <a:endParaRPr lang="ko-KR" altLang="en-US"/>
           </a:p>
@@ -2438,7 +4119,7 @@
           <a:p>
             <a:fld id="{F8D5ED43-C055-4AE5-84AD-C613D5669DDC}" type="datetimeFigureOut">
               <a:rPr lang="ko-KR" altLang="en-US" smtClean="0"/>
-              <a:t>2021-07-16</a:t>
+              <a:t>2022-09-15</a:t>
             </a:fld>
             <a:endParaRPr lang="ko-KR" altLang="en-US"/>
           </a:p>
@@ -2533,7 +4214,7 @@
           <a:p>
             <a:fld id="{F8D5ED43-C055-4AE5-84AD-C613D5669DDC}" type="datetimeFigureOut">
               <a:rPr lang="ko-KR" altLang="en-US" smtClean="0"/>
-              <a:t>2021-07-16</a:t>
+              <a:t>2022-09-15</a:t>
             </a:fld>
             <a:endParaRPr lang="ko-KR" altLang="en-US"/>
           </a:p>
@@ -2786,7 +4467,7 @@
           <a:p>
             <a:fld id="{F8D5ED43-C055-4AE5-84AD-C613D5669DDC}" type="datetimeFigureOut">
               <a:rPr lang="ko-KR" altLang="en-US" smtClean="0"/>
-              <a:t>2021-07-16</a:t>
+              <a:t>2022-09-15</a:t>
             </a:fld>
             <a:endParaRPr lang="ko-KR" altLang="en-US"/>
           </a:p>
@@ -3231,7 +4912,7 @@
           <a:p>
             <a:fld id="{F8D5ED43-C055-4AE5-84AD-C613D5669DDC}" type="datetimeFigureOut">
               <a:rPr lang="ko-KR" altLang="en-US" smtClean="0"/>
-              <a:t>2021-07-16</a:t>
+              <a:t>2022-09-15</a:t>
             </a:fld>
             <a:endParaRPr lang="ko-KR" altLang="en-US"/>
           </a:p>
@@ -3594,7 +5275,7 @@
           <a:p>
             <a:fld id="{F8D5ED43-C055-4AE5-84AD-C613D5669DDC}" type="datetimeFigureOut">
               <a:rPr lang="ko-KR" altLang="en-US" smtClean="0"/>
-              <a:t>2021-07-16</a:t>
+              <a:t>2022-09-15</a:t>
             </a:fld>
             <a:endParaRPr lang="ko-KR" altLang="en-US"/>
           </a:p>
@@ -4195,7 +5876,7 @@
           <a:p>
             <a:r>
               <a:rPr lang="en-US" altLang="ko-KR" sz="2000" dirty="0"/>
-              <a:t>Edge gradient using Prewitt operator (with </a:t>
+              <a:t>Edge gradient using Sobel and Roberts operator (with </a:t>
             </a:r>
             <a:r>
               <a:rPr lang="en-US" altLang="ko-KR" sz="2000" i="1" dirty="0" err="1"/>
@@ -4204,6 +5885,18 @@
             <a:r>
               <a:rPr lang="en-US" altLang="ko-KR" sz="2000" dirty="0"/>
               <a:t> module)</a:t>
+            </a:r>
+            <a:br>
+              <a:rPr lang="en-US" altLang="ko-KR" sz="2000" dirty="0"/>
+            </a:br>
+            <a:br>
+              <a:rPr lang="en-US" altLang="ko-KR" sz="2000" dirty="0"/>
+            </a:br>
+            <a:r>
+              <a:rPr lang="en-US" altLang="ko-KR" sz="1700" dirty="0">
+                <a:hlinkClick r:id="rId2"/>
+              </a:rPr>
+              <a:t>https://scikit-image.org/docs/dev/api/skimage.filters.html</a:t>
             </a:r>
             <a:endParaRPr lang="ko-KR" altLang="en-US" sz="1700" dirty="0"/>
           </a:p>
@@ -4211,10 +5904,10 @@
       </p:sp>
       <p:pic>
         <p:nvPicPr>
-          <p:cNvPr id="39" name="그림 38">
+          <p:cNvPr id="6" name="그림 5">
             <a:extLst>
               <a:ext uri="{FF2B5EF4-FFF2-40B4-BE49-F238E27FC236}">
-                <a16:creationId xmlns:a16="http://schemas.microsoft.com/office/drawing/2014/main" id="{4C0E8BDA-7386-4A80-A86C-A2CD684EF035}"/>
+                <a16:creationId xmlns:a16="http://schemas.microsoft.com/office/drawing/2014/main" id="{59F0FD5A-F190-A698-C5AF-2C18891D044D}"/>
               </a:ext>
             </a:extLst>
           </p:cNvPr>
@@ -4224,15 +5917,15 @@
           <p:nvPr/>
         </p:nvPicPr>
         <p:blipFill>
-          <a:blip r:embed="rId2"/>
+          <a:blip r:embed="rId3"/>
           <a:stretch>
             <a:fillRect/>
           </a:stretch>
         </p:blipFill>
         <p:spPr>
           <a:xfrm>
-            <a:off x="423363" y="2520138"/>
-            <a:ext cx="8297274" cy="2365916"/>
+            <a:off x="2303052" y="3162921"/>
+            <a:ext cx="4537896" cy="1822034"/>
           </a:xfrm>
           <a:prstGeom prst="rect">
             <a:avLst/>
@@ -4242,7 +5935,7 @@
     </p:spTree>
     <p:extLst>
       <p:ext uri="{BB962C8B-B14F-4D97-AF65-F5344CB8AC3E}">
-        <p14:creationId xmlns:p14="http://schemas.microsoft.com/office/powerpoint/2010/main" val="2175077447"/>
+        <p14:creationId xmlns:p14="http://schemas.microsoft.com/office/powerpoint/2010/main" val="3150793450"/>
       </p:ext>
     </p:extLst>
   </p:cSld>
@@ -4325,7 +6018,7 @@
           <a:p>
             <a:r>
               <a:rPr lang="en-US" altLang="ko-KR" sz="2000" dirty="0"/>
-              <a:t>Edge gradient using Prewitt operator (with </a:t>
+              <a:t>Edge gradient using Sobel and Roberts operator (with </a:t>
             </a:r>
             <a:r>
               <a:rPr lang="en-US" altLang="ko-KR" sz="2000" i="1" dirty="0" err="1"/>
@@ -4334,6 +6027,18 @@
             <a:r>
               <a:rPr lang="en-US" altLang="ko-KR" sz="2000" dirty="0"/>
               <a:t> module)</a:t>
+            </a:r>
+            <a:br>
+              <a:rPr lang="en-US" altLang="ko-KR" sz="2000" dirty="0"/>
+            </a:br>
+            <a:br>
+              <a:rPr lang="en-US" altLang="ko-KR" sz="2000" dirty="0"/>
+            </a:br>
+            <a:r>
+              <a:rPr lang="en-US" altLang="ko-KR" sz="1700" dirty="0">
+                <a:hlinkClick r:id="rId2"/>
+              </a:rPr>
+              <a:t>https://scikit-image.org/docs/dev/api/skimage.filters.html</a:t>
             </a:r>
             <a:endParaRPr lang="ko-KR" altLang="en-US" sz="1700" dirty="0"/>
           </a:p>
@@ -4341,10 +6046,10 @@
       </p:sp>
       <p:pic>
         <p:nvPicPr>
-          <p:cNvPr id="37" name="그림 36">
+          <p:cNvPr id="5" name="그림 4">
             <a:extLst>
               <a:ext uri="{FF2B5EF4-FFF2-40B4-BE49-F238E27FC236}">
-                <a16:creationId xmlns:a16="http://schemas.microsoft.com/office/drawing/2014/main" id="{5A6379D7-355A-42C5-B2DF-BC2B405E593D}"/>
+                <a16:creationId xmlns:a16="http://schemas.microsoft.com/office/drawing/2014/main" id="{EA649498-5556-BBB6-88F9-CAF1F3F8EE24}"/>
               </a:ext>
             </a:extLst>
           </p:cNvPr>
@@ -4354,15 +6059,15 @@
           <p:nvPr/>
         </p:nvPicPr>
         <p:blipFill>
-          <a:blip r:embed="rId2"/>
+          <a:blip r:embed="rId3"/>
           <a:stretch>
             <a:fillRect/>
           </a:stretch>
         </p:blipFill>
         <p:spPr>
           <a:xfrm>
-            <a:off x="1055753" y="2659629"/>
-            <a:ext cx="7032493" cy="2240617"/>
+            <a:off x="1504277" y="3156119"/>
+            <a:ext cx="6135446" cy="1887829"/>
           </a:xfrm>
           <a:prstGeom prst="rect">
             <a:avLst/>
@@ -4372,7 +6077,7 @@
     </p:spTree>
     <p:extLst>
       <p:ext uri="{BB962C8B-B14F-4D97-AF65-F5344CB8AC3E}">
-        <p14:creationId xmlns:p14="http://schemas.microsoft.com/office/powerpoint/2010/main" val="991829720"/>
+        <p14:creationId xmlns:p14="http://schemas.microsoft.com/office/powerpoint/2010/main" val="2804154738"/>
       </p:ext>
     </p:extLst>
   </p:cSld>
@@ -4455,28 +6160,11 @@
           <a:p>
             <a:r>
               <a:rPr lang="en-US" altLang="ko-KR" sz="2000" dirty="0"/>
-              <a:t>Edge gradient using Sobel and Roberts operator (with </a:t>
-            </a:r>
-            <a:r>
-              <a:rPr lang="en-US" altLang="ko-KR" sz="2000" i="1" dirty="0" err="1"/>
-              <a:t>skimage</a:t>
-            </a:r>
-            <a:r>
-              <a:rPr lang="en-US" altLang="ko-KR" sz="2000" dirty="0"/>
-              <a:t> module)</a:t>
+              <a:t>Edge gradient using Sobel and Roberts operator</a:t>
             </a:r>
             <a:br>
               <a:rPr lang="en-US" altLang="ko-KR" sz="2000" dirty="0"/>
             </a:br>
-            <a:br>
-              <a:rPr lang="en-US" altLang="ko-KR" sz="2000" dirty="0"/>
-            </a:br>
-            <a:r>
-              <a:rPr lang="en-US" altLang="ko-KR" sz="1700" dirty="0">
-                <a:hlinkClick r:id="rId2"/>
-              </a:rPr>
-              <a:t>https://scikit-image.org/docs/dev/api/skimage.filters.html</a:t>
-            </a:r>
             <a:endParaRPr lang="ko-KR" altLang="en-US" sz="1700" dirty="0"/>
           </a:p>
         </p:txBody>
@@ -4486,132 +6174,7 @@
           <p:cNvPr id="5" name="그림 4">
             <a:extLst>
               <a:ext uri="{FF2B5EF4-FFF2-40B4-BE49-F238E27FC236}">
-                <a16:creationId xmlns:a16="http://schemas.microsoft.com/office/drawing/2014/main" id="{25060EB9-3B7A-4D9A-8EBE-C5844DF06C56}"/>
-              </a:ext>
-            </a:extLst>
-          </p:cNvPr>
-          <p:cNvPicPr>
-            <a:picLocks noChangeAspect="1"/>
-          </p:cNvPicPr>
-          <p:nvPr/>
-        </p:nvPicPr>
-        <p:blipFill>
-          <a:blip r:embed="rId3"/>
-          <a:stretch>
-            <a:fillRect/>
-          </a:stretch>
-        </p:blipFill>
-        <p:spPr>
-          <a:xfrm>
-            <a:off x="2001924" y="2806442"/>
-            <a:ext cx="5140151" cy="2000021"/>
-          </a:xfrm>
-          <a:prstGeom prst="rect">
-            <a:avLst/>
-          </a:prstGeom>
-        </p:spPr>
-      </p:pic>
-    </p:spTree>
-    <p:extLst>
-      <p:ext uri="{BB962C8B-B14F-4D97-AF65-F5344CB8AC3E}">
-        <p14:creationId xmlns:p14="http://schemas.microsoft.com/office/powerpoint/2010/main" val="3150793450"/>
-      </p:ext>
-    </p:extLst>
-  </p:cSld>
-  <p:clrMapOvr>
-    <a:masterClrMapping/>
-  </p:clrMapOvr>
-</p:sld>
-</file>
-
-<file path=ppt/slides/slide13.xml><?xml version="1.0" encoding="utf-8"?>
-<p:sld xmlns:a="http://schemas.openxmlformats.org/drawingml/2006/main" xmlns:r="http://schemas.openxmlformats.org/officeDocument/2006/relationships" xmlns:p="http://schemas.openxmlformats.org/presentationml/2006/main">
-  <p:cSld>
-    <p:spTree>
-      <p:nvGrpSpPr>
-        <p:cNvPr id="1" name=""/>
-        <p:cNvGrpSpPr/>
-        <p:nvPr/>
-      </p:nvGrpSpPr>
-      <p:grpSpPr>
-        <a:xfrm>
-          <a:off x="0" y="0"/>
-          <a:ext cx="0" cy="0"/>
-          <a:chOff x="0" y="0"/>
-          <a:chExt cx="0" cy="0"/>
-        </a:xfrm>
-      </p:grpSpPr>
-      <p:sp>
-        <p:nvSpPr>
-          <p:cNvPr id="2" name="제목 1">
-            <a:extLst>
-              <a:ext uri="{FF2B5EF4-FFF2-40B4-BE49-F238E27FC236}">
-                <a16:creationId xmlns:a16="http://schemas.microsoft.com/office/drawing/2014/main" id="{32A4EF47-FCCA-4723-AF28-1B2DE76CE7E9}"/>
-              </a:ext>
-            </a:extLst>
-          </p:cNvPr>
-          <p:cNvSpPr>
-            <a:spLocks noGrp="1"/>
-          </p:cNvSpPr>
-          <p:nvPr>
-            <p:ph type="title"/>
-          </p:nvPr>
-        </p:nvSpPr>
-        <p:spPr/>
-        <p:txBody>
-          <a:bodyPr>
-            <a:normAutofit fontScale="90000"/>
-          </a:bodyPr>
-          <a:lstStyle/>
-          <a:p>
-            <a:r>
-              <a:rPr lang="en-US" altLang="ko-KR" dirty="0"/>
-              <a:t>filter &amp; edge</a:t>
-            </a:r>
-            <a:endParaRPr lang="ko-KR" altLang="en-US" dirty="0"/>
-          </a:p>
-        </p:txBody>
-      </p:sp>
-      <p:sp>
-        <p:nvSpPr>
-          <p:cNvPr id="3" name="내용 개체 틀 2">
-            <a:extLst>
-              <a:ext uri="{FF2B5EF4-FFF2-40B4-BE49-F238E27FC236}">
-                <a16:creationId xmlns:a16="http://schemas.microsoft.com/office/drawing/2014/main" id="{25774E92-9B95-4123-B29D-F5E0D6956FCA}"/>
-              </a:ext>
-            </a:extLst>
-          </p:cNvPr>
-          <p:cNvSpPr>
-            <a:spLocks noGrp="1"/>
-          </p:cNvSpPr>
-          <p:nvPr>
-            <p:ph idx="1"/>
-          </p:nvPr>
-        </p:nvSpPr>
-        <p:spPr/>
-        <p:txBody>
-          <a:bodyPr>
-            <a:normAutofit/>
-          </a:bodyPr>
-          <a:lstStyle/>
-          <a:p>
-            <a:r>
-              <a:rPr lang="en-US" altLang="ko-KR" sz="2000" dirty="0"/>
-              <a:t>Edge gradient using Sobel and Roberts operator</a:t>
-            </a:r>
-            <a:br>
-              <a:rPr lang="en-US" altLang="ko-KR" sz="2000" dirty="0"/>
-            </a:br>
-            <a:endParaRPr lang="ko-KR" altLang="en-US" sz="1700" dirty="0"/>
-          </a:p>
-        </p:txBody>
-      </p:sp>
-      <p:pic>
-        <p:nvPicPr>
-          <p:cNvPr id="9" name="그림 8">
-            <a:extLst>
-              <a:ext uri="{FF2B5EF4-FFF2-40B4-BE49-F238E27FC236}">
-                <a16:creationId xmlns:a16="http://schemas.microsoft.com/office/drawing/2014/main" id="{2F2E71D7-E2F2-4410-B084-62BC1C68082B}"/>
+                <a16:creationId xmlns:a16="http://schemas.microsoft.com/office/drawing/2014/main" id="{44BFB349-7C76-6059-100F-A972937F054F}"/>
               </a:ext>
             </a:extLst>
           </p:cNvPr>
@@ -4628,8 +6191,8 @@
         </p:blipFill>
         <p:spPr>
           <a:xfrm>
-            <a:off x="2248144" y="2290154"/>
-            <a:ext cx="4647712" cy="3885084"/>
+            <a:off x="1695236" y="2051735"/>
+            <a:ext cx="5753528" cy="4435961"/>
           </a:xfrm>
           <a:prstGeom prst="rect">
             <a:avLst/>
@@ -4649,7 +6212,7 @@
 </p:sld>
 </file>
 
-<file path=ppt/slides/slide14.xml><?xml version="1.0" encoding="utf-8"?>
+<file path=ppt/slides/slide13.xml><?xml version="1.0" encoding="utf-8"?>
 <p:sld xmlns:a="http://schemas.openxmlformats.org/drawingml/2006/main" xmlns:r="http://schemas.openxmlformats.org/officeDocument/2006/relationships" xmlns:p="http://schemas.openxmlformats.org/presentationml/2006/main">
   <p:cSld>
     <p:spTree>
@@ -4873,7 +6436,7 @@
 </p:sld>
 </file>
 
-<file path=ppt/slides/slide15.xml><?xml version="1.0" encoding="utf-8"?>
+<file path=ppt/slides/slide14.xml><?xml version="1.0" encoding="utf-8"?>
 <p:sld xmlns:a="http://schemas.openxmlformats.org/drawingml/2006/main" xmlns:r="http://schemas.openxmlformats.org/officeDocument/2006/relationships" xmlns:p="http://schemas.openxmlformats.org/presentationml/2006/main">
   <p:cSld>
     <p:spTree>
@@ -5101,6 +6664,247 @@
 </p:sld>
 </file>
 
+<file path=ppt/slides/slide15.xml><?xml version="1.0" encoding="utf-8"?>
+<p:sld xmlns:a="http://schemas.openxmlformats.org/drawingml/2006/main" xmlns:r="http://schemas.openxmlformats.org/officeDocument/2006/relationships" xmlns:p="http://schemas.openxmlformats.org/presentationml/2006/main">
+  <p:cSld>
+    <p:spTree>
+      <p:nvGrpSpPr>
+        <p:cNvPr id="1" name=""/>
+        <p:cNvGrpSpPr/>
+        <p:nvPr/>
+      </p:nvGrpSpPr>
+      <p:grpSpPr>
+        <a:xfrm>
+          <a:off x="0" y="0"/>
+          <a:ext cx="0" cy="0"/>
+          <a:chOff x="0" y="0"/>
+          <a:chExt cx="0" cy="0"/>
+        </a:xfrm>
+      </p:grpSpPr>
+      <p:sp>
+        <p:nvSpPr>
+          <p:cNvPr id="2" name="제목 1">
+            <a:extLst>
+              <a:ext uri="{FF2B5EF4-FFF2-40B4-BE49-F238E27FC236}">
+                <a16:creationId xmlns:a16="http://schemas.microsoft.com/office/drawing/2014/main" id="{32A4EF47-FCCA-4723-AF28-1B2DE76CE7E9}"/>
+              </a:ext>
+            </a:extLst>
+          </p:cNvPr>
+          <p:cNvSpPr>
+            <a:spLocks noGrp="1"/>
+          </p:cNvSpPr>
+          <p:nvPr>
+            <p:ph type="title"/>
+          </p:nvPr>
+        </p:nvSpPr>
+        <p:spPr/>
+        <p:txBody>
+          <a:bodyPr>
+            <a:normAutofit fontScale="90000"/>
+          </a:bodyPr>
+          <a:lstStyle/>
+          <a:p>
+            <a:r>
+              <a:rPr lang="en-US" altLang="ko-KR" dirty="0"/>
+              <a:t>filter &amp; edge</a:t>
+            </a:r>
+            <a:endParaRPr lang="ko-KR" altLang="en-US" dirty="0"/>
+          </a:p>
+        </p:txBody>
+      </p:sp>
+      <p:sp>
+        <p:nvSpPr>
+          <p:cNvPr id="3" name="내용 개체 틀 2">
+            <a:extLst>
+              <a:ext uri="{FF2B5EF4-FFF2-40B4-BE49-F238E27FC236}">
+                <a16:creationId xmlns:a16="http://schemas.microsoft.com/office/drawing/2014/main" id="{25774E92-9B95-4123-B29D-F5E0D6956FCA}"/>
+              </a:ext>
+            </a:extLst>
+          </p:cNvPr>
+          <p:cNvSpPr>
+            <a:spLocks noGrp="1"/>
+          </p:cNvSpPr>
+          <p:nvPr>
+            <p:ph idx="1"/>
+          </p:nvPr>
+        </p:nvSpPr>
+        <p:spPr/>
+        <p:txBody>
+          <a:bodyPr>
+            <a:normAutofit/>
+          </a:bodyPr>
+          <a:lstStyle/>
+          <a:p>
+            <a:r>
+              <a:rPr lang="en-US" altLang="ko-KR" sz="2000" dirty="0"/>
+              <a:t>Second derivative using </a:t>
+            </a:r>
+            <a:r>
+              <a:rPr lang="en-US" altLang="ko-KR" sz="2000" dirty="0" err="1"/>
+              <a:t>Laplacian</a:t>
+            </a:r>
+            <a:r>
+              <a:rPr lang="en-US" altLang="ko-KR" sz="2000" dirty="0"/>
+              <a:t> of Gaussian</a:t>
+            </a:r>
+            <a:endParaRPr lang="ko-KR" altLang="en-US" sz="1700" dirty="0"/>
+          </a:p>
+        </p:txBody>
+      </p:sp>
+      <p:sp>
+        <p:nvSpPr>
+          <p:cNvPr id="9" name="직사각형 8"/>
+          <p:cNvSpPr/>
+          <p:nvPr/>
+        </p:nvSpPr>
+        <p:spPr>
+          <a:xfrm>
+            <a:off x="5680662" y="1943409"/>
+            <a:ext cx="3392129" cy="3367525"/>
+          </a:xfrm>
+          <a:prstGeom prst="rect">
+            <a:avLst/>
+          </a:prstGeom>
+        </p:spPr>
+        <p:txBody>
+          <a:bodyPr wrap="square">
+            <a:spAutoFit/>
+          </a:bodyPr>
+          <a:lstStyle/>
+          <a:p>
+            <a:pPr>
+              <a:lnSpc>
+                <a:spcPct val="150000"/>
+              </a:lnSpc>
+            </a:pPr>
+            <a:r>
+              <a:rPr lang="en-US" altLang="ko-KR" b="1" dirty="0"/>
+              <a:t>Algorithm</a:t>
+            </a:r>
+          </a:p>
+          <a:p>
+            <a:pPr>
+              <a:lnSpc>
+                <a:spcPct val="150000"/>
+              </a:lnSpc>
+            </a:pPr>
+            <a:endParaRPr lang="en-US" altLang="ko-KR" b="1" dirty="0"/>
+          </a:p>
+          <a:p>
+            <a:pPr>
+              <a:lnSpc>
+                <a:spcPct val="150000"/>
+              </a:lnSpc>
+              <a:buFont typeface="+mj-lt"/>
+              <a:buAutoNum type="arabicPeriod"/>
+            </a:pPr>
+            <a:r>
+              <a:rPr lang="en-US" altLang="ko-KR" dirty="0"/>
+              <a:t>Compute </a:t>
+            </a:r>
+            <a:r>
+              <a:rPr lang="en-US" altLang="ko-KR" dirty="0" err="1"/>
+              <a:t>LoG</a:t>
+            </a:r>
+            <a:endParaRPr lang="en-US" altLang="ko-KR" dirty="0"/>
+          </a:p>
+          <a:p>
+            <a:pPr>
+              <a:lnSpc>
+                <a:spcPct val="150000"/>
+              </a:lnSpc>
+              <a:buFont typeface="+mj-lt"/>
+              <a:buAutoNum type="arabicPeriod"/>
+            </a:pPr>
+            <a:r>
+              <a:rPr lang="en-US" altLang="ko-KR" dirty="0"/>
+              <a:t>Compute zero crossings on </a:t>
+            </a:r>
+            <a:r>
+              <a:rPr lang="en-US" altLang="ko-KR" dirty="0" err="1"/>
+              <a:t>LoG</a:t>
+            </a:r>
+            <a:endParaRPr lang="en-US" altLang="ko-KR" dirty="0"/>
+          </a:p>
+          <a:p>
+            <a:pPr>
+              <a:lnSpc>
+                <a:spcPct val="150000"/>
+              </a:lnSpc>
+              <a:buFont typeface="+mj-lt"/>
+              <a:buAutoNum type="arabicPeriod"/>
+            </a:pPr>
+            <a:r>
+              <a:rPr lang="en-US" altLang="ko-KR" dirty="0"/>
+              <a:t>Compute a threshold for local </a:t>
+            </a:r>
+            <a:r>
+              <a:rPr lang="en-US" altLang="ko-KR" dirty="0" err="1"/>
+              <a:t>LoG</a:t>
+            </a:r>
+            <a:r>
+              <a:rPr lang="en-US" altLang="ko-KR" dirty="0"/>
+              <a:t> difference</a:t>
+            </a:r>
+          </a:p>
+          <a:p>
+            <a:pPr>
+              <a:lnSpc>
+                <a:spcPct val="150000"/>
+              </a:lnSpc>
+              <a:buFont typeface="+mj-lt"/>
+              <a:buAutoNum type="arabicPeriod"/>
+            </a:pPr>
+            <a:r>
+              <a:rPr lang="en-US" altLang="ko-KR" dirty="0"/>
+              <a:t>Edge pixels = zero crossing &amp;&amp; local difference &gt; threshold</a:t>
+            </a:r>
+          </a:p>
+        </p:txBody>
+      </p:sp>
+      <p:pic>
+        <p:nvPicPr>
+          <p:cNvPr id="5" name="그림 4">
+            <a:extLst>
+              <a:ext uri="{FF2B5EF4-FFF2-40B4-BE49-F238E27FC236}">
+                <a16:creationId xmlns:a16="http://schemas.microsoft.com/office/drawing/2014/main" id="{E9211597-1AA6-1D41-D1F4-628FB27FE62B}"/>
+              </a:ext>
+            </a:extLst>
+          </p:cNvPr>
+          <p:cNvPicPr>
+            <a:picLocks noChangeAspect="1"/>
+          </p:cNvPicPr>
+          <p:nvPr/>
+        </p:nvPicPr>
+        <p:blipFill>
+          <a:blip r:embed="rId2"/>
+          <a:stretch>
+            <a:fillRect/>
+          </a:stretch>
+        </p:blipFill>
+        <p:spPr>
+          <a:xfrm>
+            <a:off x="129785" y="1943409"/>
+            <a:ext cx="5421317" cy="4621450"/>
+          </a:xfrm>
+          <a:prstGeom prst="rect">
+            <a:avLst/>
+          </a:prstGeom>
+        </p:spPr>
+      </p:pic>
+    </p:spTree>
+    <p:extLst>
+      <p:ext uri="{BB962C8B-B14F-4D97-AF65-F5344CB8AC3E}">
+        <p14:creationId xmlns:p14="http://schemas.microsoft.com/office/powerpoint/2010/main" val="3377912188"/>
+      </p:ext>
+    </p:extLst>
+  </p:cSld>
+  <p:clrMapOvr>
+    <a:masterClrMapping/>
+  </p:clrMapOvr>
+</p:sld>
+</file>
+
 <file path=ppt/slides/slide16.xml><?xml version="1.0" encoding="utf-8"?>
 <p:sld xmlns:a="http://schemas.openxmlformats.org/drawingml/2006/main" xmlns:r="http://schemas.openxmlformats.org/officeDocument/2006/relationships" xmlns:p="http://schemas.openxmlformats.org/presentationml/2006/main">
   <p:cSld>
@@ -5188,115 +6992,12 @@
           </a:p>
         </p:txBody>
       </p:sp>
-      <p:sp>
-        <p:nvSpPr>
-          <p:cNvPr id="9" name="직사각형 8"/>
-          <p:cNvSpPr/>
-          <p:nvPr/>
-        </p:nvSpPr>
-        <p:spPr>
-          <a:xfrm>
-            <a:off x="4985865" y="2154109"/>
-            <a:ext cx="4158135" cy="2264979"/>
-          </a:xfrm>
-          <a:prstGeom prst="rect">
-            <a:avLst/>
-          </a:prstGeom>
-        </p:spPr>
-        <p:txBody>
-          <a:bodyPr wrap="square">
-            <a:spAutoFit/>
-          </a:bodyPr>
-          <a:lstStyle/>
-          <a:p>
-            <a:pPr>
-              <a:lnSpc>
-                <a:spcPct val="150000"/>
-              </a:lnSpc>
-            </a:pPr>
-            <a:r>
-              <a:rPr lang="en-US" altLang="ko-KR" sz="1600" b="1" dirty="0"/>
-              <a:t>Algorithm</a:t>
-            </a:r>
-          </a:p>
-          <a:p>
-            <a:pPr>
-              <a:lnSpc>
-                <a:spcPct val="150000"/>
-              </a:lnSpc>
-              <a:buFont typeface="+mj-lt"/>
-              <a:buAutoNum type="arabicPeriod"/>
-            </a:pPr>
-            <a:r>
-              <a:rPr lang="en-US" altLang="ko-KR" sz="1600" dirty="0"/>
-              <a:t>Compute </a:t>
-            </a:r>
-            <a:r>
-              <a:rPr lang="en-US" altLang="ko-KR" sz="1600" dirty="0" err="1"/>
-              <a:t>LoG</a:t>
-            </a:r>
-            <a:endParaRPr lang="en-US" altLang="ko-KR" sz="1600" dirty="0"/>
-          </a:p>
-          <a:p>
-            <a:pPr>
-              <a:lnSpc>
-                <a:spcPct val="150000"/>
-              </a:lnSpc>
-              <a:buFont typeface="+mj-lt"/>
-              <a:buAutoNum type="arabicPeriod"/>
-            </a:pPr>
-            <a:r>
-              <a:rPr lang="en-US" altLang="ko-KR" sz="1600" dirty="0"/>
-              <a:t>Compute zero crossings on </a:t>
-            </a:r>
-            <a:r>
-              <a:rPr lang="en-US" altLang="ko-KR" sz="1600" dirty="0" err="1"/>
-              <a:t>LoG</a:t>
-            </a:r>
-            <a:endParaRPr lang="en-US" altLang="ko-KR" sz="1600" dirty="0"/>
-          </a:p>
-          <a:p>
-            <a:pPr>
-              <a:lnSpc>
-                <a:spcPct val="150000"/>
-              </a:lnSpc>
-              <a:buFont typeface="+mj-lt"/>
-              <a:buAutoNum type="arabicPeriod"/>
-            </a:pPr>
-            <a:r>
-              <a:rPr lang="en-US" altLang="ko-KR" sz="1600" dirty="0"/>
-              <a:t>Compute a threshold for local </a:t>
-            </a:r>
-            <a:r>
-              <a:rPr lang="en-US" altLang="ko-KR" sz="1600" dirty="0" err="1"/>
-              <a:t>LoG</a:t>
-            </a:r>
-            <a:r>
-              <a:rPr lang="en-US" altLang="ko-KR" sz="1600" dirty="0"/>
-              <a:t> difference</a:t>
-            </a:r>
-          </a:p>
-          <a:p>
-            <a:pPr>
-              <a:lnSpc>
-                <a:spcPct val="150000"/>
-              </a:lnSpc>
-              <a:buFont typeface="+mj-lt"/>
-              <a:buAutoNum type="arabicPeriod"/>
-            </a:pPr>
-            <a:r>
-              <a:rPr lang="en-US" altLang="ko-KR" sz="1600" dirty="0"/>
-              <a:t>Edge pixels = zero crossing &amp;&amp; local difference &gt; threshold</a:t>
-            </a:r>
-          </a:p>
-        </p:txBody>
-      </p:sp>
       <p:pic>
         <p:nvPicPr>
-          <p:cNvPr id="7" name="그림 6">
+          <p:cNvPr id="5" name="그림 4">
             <a:extLst>
               <a:ext uri="{FF2B5EF4-FFF2-40B4-BE49-F238E27FC236}">
-                <a16:creationId xmlns:a16="http://schemas.microsoft.com/office/drawing/2014/main" id="{7E93230F-D719-4FAF-A17F-7E52C63C0CF3}"/>
+                <a16:creationId xmlns:a16="http://schemas.microsoft.com/office/drawing/2014/main" id="{800BB50E-9277-AD4A-474D-8512E88801FE}"/>
               </a:ext>
             </a:extLst>
           </p:cNvPr>
@@ -5313,8 +7014,8 @@
         </p:blipFill>
         <p:spPr>
           <a:xfrm>
-            <a:off x="117230" y="2095054"/>
-            <a:ext cx="4726519" cy="3749875"/>
+            <a:off x="2460740" y="1944756"/>
+            <a:ext cx="4222519" cy="4694968"/>
           </a:xfrm>
           <a:prstGeom prst="rect">
             <a:avLst/>
@@ -5324,7 +7025,7 @@
     </p:spTree>
     <p:extLst>
       <p:ext uri="{BB962C8B-B14F-4D97-AF65-F5344CB8AC3E}">
-        <p14:creationId xmlns:p14="http://schemas.microsoft.com/office/powerpoint/2010/main" val="3377912188"/>
+        <p14:creationId xmlns:p14="http://schemas.microsoft.com/office/powerpoint/2010/main" val="3774019723"/>
       </p:ext>
     </p:extLst>
   </p:cSld>
@@ -5376,136 +7077,6 @@
           <a:p>
             <a:r>
               <a:rPr lang="en-US" altLang="ko-KR" dirty="0"/>
-              <a:t>filter &amp; edge</a:t>
-            </a:r>
-            <a:endParaRPr lang="ko-KR" altLang="en-US" dirty="0"/>
-          </a:p>
-        </p:txBody>
-      </p:sp>
-      <p:sp>
-        <p:nvSpPr>
-          <p:cNvPr id="3" name="내용 개체 틀 2">
-            <a:extLst>
-              <a:ext uri="{FF2B5EF4-FFF2-40B4-BE49-F238E27FC236}">
-                <a16:creationId xmlns:a16="http://schemas.microsoft.com/office/drawing/2014/main" id="{25774E92-9B95-4123-B29D-F5E0D6956FCA}"/>
-              </a:ext>
-            </a:extLst>
-          </p:cNvPr>
-          <p:cNvSpPr>
-            <a:spLocks noGrp="1"/>
-          </p:cNvSpPr>
-          <p:nvPr>
-            <p:ph idx="1"/>
-          </p:nvPr>
-        </p:nvSpPr>
-        <p:spPr/>
-        <p:txBody>
-          <a:bodyPr>
-            <a:normAutofit/>
-          </a:bodyPr>
-          <a:lstStyle/>
-          <a:p>
-            <a:r>
-              <a:rPr lang="en-US" altLang="ko-KR" sz="2000" dirty="0"/>
-              <a:t>Second derivative using </a:t>
-            </a:r>
-            <a:r>
-              <a:rPr lang="en-US" altLang="ko-KR" sz="2000" dirty="0" err="1"/>
-              <a:t>Laplacian</a:t>
-            </a:r>
-            <a:r>
-              <a:rPr lang="en-US" altLang="ko-KR" sz="2000" dirty="0"/>
-              <a:t> of Gaussian</a:t>
-            </a:r>
-            <a:endParaRPr lang="ko-KR" altLang="en-US" sz="1700" dirty="0"/>
-          </a:p>
-        </p:txBody>
-      </p:sp>
-      <p:pic>
-        <p:nvPicPr>
-          <p:cNvPr id="6" name="그림 5">
-            <a:extLst>
-              <a:ext uri="{FF2B5EF4-FFF2-40B4-BE49-F238E27FC236}">
-                <a16:creationId xmlns:a16="http://schemas.microsoft.com/office/drawing/2014/main" id="{B1F97B9C-939C-4BCB-BA8C-1FA2D39706EF}"/>
-              </a:ext>
-            </a:extLst>
-          </p:cNvPr>
-          <p:cNvPicPr>
-            <a:picLocks noChangeAspect="1"/>
-          </p:cNvPicPr>
-          <p:nvPr/>
-        </p:nvPicPr>
-        <p:blipFill>
-          <a:blip r:embed="rId2"/>
-          <a:stretch>
-            <a:fillRect/>
-          </a:stretch>
-        </p:blipFill>
-        <p:spPr>
-          <a:xfrm>
-            <a:off x="2205716" y="1885653"/>
-            <a:ext cx="4732568" cy="4762797"/>
-          </a:xfrm>
-          <a:prstGeom prst="rect">
-            <a:avLst/>
-          </a:prstGeom>
-        </p:spPr>
-      </p:pic>
-    </p:spTree>
-    <p:extLst>
-      <p:ext uri="{BB962C8B-B14F-4D97-AF65-F5344CB8AC3E}">
-        <p14:creationId xmlns:p14="http://schemas.microsoft.com/office/powerpoint/2010/main" val="3774019723"/>
-      </p:ext>
-    </p:extLst>
-  </p:cSld>
-  <p:clrMapOvr>
-    <a:masterClrMapping/>
-  </p:clrMapOvr>
-</p:sld>
-</file>
-
-<file path=ppt/slides/slide18.xml><?xml version="1.0" encoding="utf-8"?>
-<p:sld xmlns:a="http://schemas.openxmlformats.org/drawingml/2006/main" xmlns:r="http://schemas.openxmlformats.org/officeDocument/2006/relationships" xmlns:p="http://schemas.openxmlformats.org/presentationml/2006/main">
-  <p:cSld>
-    <p:spTree>
-      <p:nvGrpSpPr>
-        <p:cNvPr id="1" name=""/>
-        <p:cNvGrpSpPr/>
-        <p:nvPr/>
-      </p:nvGrpSpPr>
-      <p:grpSpPr>
-        <a:xfrm>
-          <a:off x="0" y="0"/>
-          <a:ext cx="0" cy="0"/>
-          <a:chOff x="0" y="0"/>
-          <a:chExt cx="0" cy="0"/>
-        </a:xfrm>
-      </p:grpSpPr>
-      <p:sp>
-        <p:nvSpPr>
-          <p:cNvPr id="2" name="제목 1">
-            <a:extLst>
-              <a:ext uri="{FF2B5EF4-FFF2-40B4-BE49-F238E27FC236}">
-                <a16:creationId xmlns:a16="http://schemas.microsoft.com/office/drawing/2014/main" id="{32A4EF47-FCCA-4723-AF28-1B2DE76CE7E9}"/>
-              </a:ext>
-            </a:extLst>
-          </p:cNvPr>
-          <p:cNvSpPr>
-            <a:spLocks noGrp="1"/>
-          </p:cNvSpPr>
-          <p:nvPr>
-            <p:ph type="title"/>
-          </p:nvPr>
-        </p:nvSpPr>
-        <p:spPr/>
-        <p:txBody>
-          <a:bodyPr>
-            <a:normAutofit fontScale="90000"/>
-          </a:bodyPr>
-          <a:lstStyle/>
-          <a:p>
-            <a:r>
-              <a:rPr lang="en-US" altLang="ko-KR" dirty="0"/>
               <a:t>Canny</a:t>
             </a:r>
             <a:endParaRPr lang="ko-KR" altLang="en-US" dirty="0"/>
@@ -5582,7 +7153,7 @@
         <p:spPr>
           <a:xfrm>
             <a:off x="4861644" y="2224142"/>
-            <a:ext cx="3444571" cy="2264979"/>
+            <a:ext cx="3444571" cy="2536528"/>
           </a:xfrm>
           <a:prstGeom prst="rect">
             <a:avLst/>
@@ -5600,7 +7171,7 @@
               </a:lnSpc>
             </a:pPr>
             <a:r>
-              <a:rPr lang="en-US" altLang="ko-KR" sz="1600" b="1" dirty="0"/>
+              <a:rPr lang="en-US" altLang="ko-KR" b="1" dirty="0"/>
               <a:t>Canny Algorithm</a:t>
             </a:r>
           </a:p>
@@ -5610,7 +7181,7 @@
                 <a:spcPct val="150000"/>
               </a:lnSpc>
             </a:pPr>
-            <a:endParaRPr lang="en-US" altLang="ko-KR" sz="1600" b="1" dirty="0"/>
+            <a:endParaRPr lang="en-US" altLang="ko-KR" b="1" dirty="0"/>
           </a:p>
           <a:p>
             <a:pPr>
@@ -5621,7 +7192,7 @@
               <a:buAutoNum type="arabicPeriod"/>
             </a:pPr>
             <a:r>
-              <a:rPr lang="en-US" altLang="ko-KR" sz="1600" dirty="0"/>
+              <a:rPr lang="en-US" altLang="ko-KR" dirty="0"/>
               <a:t>Gaussian Smoothing (optional)</a:t>
             </a:r>
           </a:p>
@@ -5634,7 +7205,7 @@
               <a:buAutoNum type="arabicPeriod"/>
             </a:pPr>
             <a:r>
-              <a:rPr lang="en-US" altLang="ko-KR" sz="1600" dirty="0"/>
+              <a:rPr lang="en-US" altLang="ko-KR" dirty="0"/>
               <a:t>Gradient calculation</a:t>
             </a:r>
           </a:p>
@@ -5647,7 +7218,7 @@
               <a:buAutoNum type="arabicPeriod"/>
             </a:pPr>
             <a:r>
-              <a:rPr lang="en-US" altLang="ko-KR" sz="1600" dirty="0"/>
+              <a:rPr lang="en-US" altLang="ko-KR" dirty="0"/>
               <a:t>Non-maximum suppression</a:t>
             </a:r>
           </a:p>
@@ -5660,7 +7231,7 @@
               <a:buAutoNum type="arabicPeriod"/>
             </a:pPr>
             <a:r>
-              <a:rPr lang="en-US" altLang="ko-KR" sz="1600" dirty="0"/>
+              <a:rPr lang="en-US" altLang="ko-KR" dirty="0"/>
               <a:t>Hysteresis thresholding</a:t>
             </a:r>
           </a:p>
@@ -5767,6 +7338,195 @@
 </p:sld>
 </file>
 
+<file path=ppt/slides/slide18.xml><?xml version="1.0" encoding="utf-8"?>
+<p:sld xmlns:a="http://schemas.openxmlformats.org/drawingml/2006/main" xmlns:r="http://schemas.openxmlformats.org/officeDocument/2006/relationships" xmlns:p="http://schemas.openxmlformats.org/presentationml/2006/main">
+  <p:cSld>
+    <p:spTree>
+      <p:nvGrpSpPr>
+        <p:cNvPr id="1" name=""/>
+        <p:cNvGrpSpPr/>
+        <p:nvPr/>
+      </p:nvGrpSpPr>
+      <p:grpSpPr>
+        <a:xfrm>
+          <a:off x="0" y="0"/>
+          <a:ext cx="0" cy="0"/>
+          <a:chOff x="0" y="0"/>
+          <a:chExt cx="0" cy="0"/>
+        </a:xfrm>
+      </p:grpSpPr>
+      <p:sp>
+        <p:nvSpPr>
+          <p:cNvPr id="2" name="제목 1">
+            <a:extLst>
+              <a:ext uri="{FF2B5EF4-FFF2-40B4-BE49-F238E27FC236}">
+                <a16:creationId xmlns:a16="http://schemas.microsoft.com/office/drawing/2014/main" id="{32A4EF47-FCCA-4723-AF28-1B2DE76CE7E9}"/>
+              </a:ext>
+            </a:extLst>
+          </p:cNvPr>
+          <p:cNvSpPr>
+            <a:spLocks noGrp="1"/>
+          </p:cNvSpPr>
+          <p:nvPr>
+            <p:ph type="title"/>
+          </p:nvPr>
+        </p:nvSpPr>
+        <p:spPr/>
+        <p:txBody>
+          <a:bodyPr>
+            <a:normAutofit fontScale="90000"/>
+          </a:bodyPr>
+          <a:lstStyle/>
+          <a:p>
+            <a:r>
+              <a:rPr lang="en-US" altLang="ko-KR" dirty="0"/>
+              <a:t>Canny</a:t>
+            </a:r>
+            <a:endParaRPr lang="ko-KR" altLang="en-US" dirty="0"/>
+          </a:p>
+        </p:txBody>
+      </p:sp>
+      <p:sp>
+        <p:nvSpPr>
+          <p:cNvPr id="3" name="내용 개체 틀 2">
+            <a:extLst>
+              <a:ext uri="{FF2B5EF4-FFF2-40B4-BE49-F238E27FC236}">
+                <a16:creationId xmlns:a16="http://schemas.microsoft.com/office/drawing/2014/main" id="{25774E92-9B95-4123-B29D-F5E0D6956FCA}"/>
+              </a:ext>
+            </a:extLst>
+          </p:cNvPr>
+          <p:cNvSpPr>
+            <a:spLocks noGrp="1"/>
+          </p:cNvSpPr>
+          <p:nvPr>
+            <p:ph idx="1"/>
+          </p:nvPr>
+        </p:nvSpPr>
+        <p:spPr/>
+        <p:txBody>
+          <a:bodyPr>
+            <a:normAutofit/>
+          </a:bodyPr>
+          <a:lstStyle/>
+          <a:p>
+            <a:r>
+              <a:rPr lang="en-US" altLang="ko-KR" sz="2000" dirty="0"/>
+              <a:t>Canny Edge Detection Algorithm</a:t>
+            </a:r>
+            <a:endParaRPr lang="ko-KR" altLang="en-US" sz="1700" dirty="0"/>
+          </a:p>
+        </p:txBody>
+      </p:sp>
+      <p:sp>
+        <p:nvSpPr>
+          <p:cNvPr id="9" name="직사각형 8"/>
+          <p:cNvSpPr/>
+          <p:nvPr/>
+        </p:nvSpPr>
+        <p:spPr>
+          <a:xfrm>
+            <a:off x="4861644" y="2224142"/>
+            <a:ext cx="3444571" cy="2536528"/>
+          </a:xfrm>
+          <a:prstGeom prst="rect">
+            <a:avLst/>
+          </a:prstGeom>
+        </p:spPr>
+        <p:txBody>
+          <a:bodyPr wrap="square">
+            <a:spAutoFit/>
+          </a:bodyPr>
+          <a:lstStyle/>
+          <a:p>
+            <a:pPr>
+              <a:lnSpc>
+                <a:spcPct val="150000"/>
+              </a:lnSpc>
+            </a:pPr>
+            <a:r>
+              <a:rPr lang="en-US" altLang="ko-KR" b="1" dirty="0"/>
+              <a:t>Canny Algorithm</a:t>
+            </a:r>
+          </a:p>
+          <a:p>
+            <a:pPr>
+              <a:lnSpc>
+                <a:spcPct val="150000"/>
+              </a:lnSpc>
+            </a:pPr>
+            <a:endParaRPr lang="en-US" altLang="ko-KR" b="1" dirty="0"/>
+          </a:p>
+          <a:p>
+            <a:pPr>
+              <a:lnSpc>
+                <a:spcPct val="150000"/>
+              </a:lnSpc>
+              <a:buFont typeface="+mj-lt"/>
+              <a:buAutoNum type="arabicPeriod"/>
+            </a:pPr>
+            <a:r>
+              <a:rPr lang="en-US" altLang="ko-KR" dirty="0">
+                <a:solidFill>
+                  <a:srgbClr val="FF0000"/>
+                </a:solidFill>
+              </a:rPr>
+              <a:t>Gaussian Smoothing (optional)</a:t>
+            </a:r>
+          </a:p>
+          <a:p>
+            <a:pPr>
+              <a:lnSpc>
+                <a:spcPct val="150000"/>
+              </a:lnSpc>
+              <a:buFont typeface="+mj-lt"/>
+              <a:buAutoNum type="arabicPeriod"/>
+            </a:pPr>
+            <a:r>
+              <a:rPr lang="en-US" altLang="ko-KR" dirty="0"/>
+              <a:t>Gradient calculation</a:t>
+            </a:r>
+          </a:p>
+          <a:p>
+            <a:pPr>
+              <a:lnSpc>
+                <a:spcPct val="150000"/>
+              </a:lnSpc>
+              <a:buFont typeface="+mj-lt"/>
+              <a:buAutoNum type="arabicPeriod"/>
+            </a:pPr>
+            <a:r>
+              <a:rPr lang="en-US" altLang="ko-KR" dirty="0"/>
+              <a:t>Non-maximum suppression</a:t>
+            </a:r>
+          </a:p>
+          <a:p>
+            <a:pPr>
+              <a:lnSpc>
+                <a:spcPct val="150000"/>
+              </a:lnSpc>
+              <a:buFont typeface="+mj-lt"/>
+              <a:buAutoNum type="arabicPeriod"/>
+            </a:pPr>
+            <a:r>
+              <a:rPr lang="en-US" altLang="ko-KR" dirty="0"/>
+              <a:t>Hysteresis thresholding</a:t>
+            </a:r>
+          </a:p>
+        </p:txBody>
+      </p:sp>
+    </p:spTree>
+    <p:extLst>
+      <p:ext uri="{BB962C8B-B14F-4D97-AF65-F5344CB8AC3E}">
+        <p14:creationId xmlns:p14="http://schemas.microsoft.com/office/powerpoint/2010/main" val="820803798"/>
+      </p:ext>
+    </p:extLst>
+  </p:cSld>
+  <p:clrMapOvr>
+    <a:masterClrMapping/>
+  </p:clrMapOvr>
+</p:sld>
+</file>
+
 <file path=ppt/slides/slide19.xml><?xml version="1.0" encoding="utf-8"?>
 <p:sld xmlns:a="http://schemas.openxmlformats.org/drawingml/2006/main" xmlns:r="http://schemas.openxmlformats.org/officeDocument/2006/relationships" xmlns:p="http://schemas.openxmlformats.org/presentationml/2006/main">
   <p:cSld>
@@ -5855,7 +7615,7 @@
         <p:spPr>
           <a:xfrm>
             <a:off x="4861644" y="2224142"/>
-            <a:ext cx="3444571" cy="2264979"/>
+            <a:ext cx="3444571" cy="2536528"/>
           </a:xfrm>
           <a:prstGeom prst="rect">
             <a:avLst/>
@@ -5873,7 +7633,7 @@
               </a:lnSpc>
             </a:pPr>
             <a:r>
-              <a:rPr lang="en-US" altLang="ko-KR" sz="1600" b="1" dirty="0"/>
+              <a:rPr lang="en-US" altLang="ko-KR" b="1" dirty="0"/>
               <a:t>Canny Algorithm</a:t>
             </a:r>
           </a:p>
@@ -5883,7 +7643,7 @@
                 <a:spcPct val="150000"/>
               </a:lnSpc>
             </a:pPr>
-            <a:endParaRPr lang="en-US" altLang="ko-KR" sz="1600" b="1" dirty="0"/>
+            <a:endParaRPr lang="en-US" altLang="ko-KR" b="1" dirty="0"/>
           </a:p>
           <a:p>
             <a:pPr>
@@ -5894,7 +7654,7 @@
               <a:buAutoNum type="arabicPeriod"/>
             </a:pPr>
             <a:r>
-              <a:rPr lang="en-US" altLang="ko-KR" sz="1600" dirty="0"/>
+              <a:rPr lang="en-US" altLang="ko-KR" dirty="0"/>
               <a:t>Gaussian Smoothing (optional)</a:t>
             </a:r>
           </a:p>
@@ -5907,7 +7667,11 @@
               <a:buAutoNum type="arabicPeriod"/>
             </a:pPr>
             <a:r>
-              <a:rPr lang="en-US" altLang="ko-KR" sz="1600" dirty="0"/>
+              <a:rPr lang="en-US" altLang="ko-KR" dirty="0">
+                <a:solidFill>
+                  <a:srgbClr val="FF0000"/>
+                </a:solidFill>
+              </a:rPr>
               <a:t>Gradient calculation</a:t>
             </a:r>
           </a:p>
@@ -5920,11 +7684,7 @@
               <a:buAutoNum type="arabicPeriod"/>
             </a:pPr>
             <a:r>
-              <a:rPr lang="en-US" altLang="ko-KR" sz="1600" dirty="0">
-                <a:solidFill>
-                  <a:srgbClr val="FF0000"/>
-                </a:solidFill>
-              </a:rPr>
+              <a:rPr lang="en-US" altLang="ko-KR" dirty="0"/>
               <a:t>Non-maximum suppression</a:t>
             </a:r>
           </a:p>
@@ -5937,171 +7697,90 @@
               <a:buAutoNum type="arabicPeriod"/>
             </a:pPr>
             <a:r>
-              <a:rPr lang="en-US" altLang="ko-KR" sz="1600" dirty="0"/>
+              <a:rPr lang="en-US" altLang="ko-KR" dirty="0"/>
               <a:t>Hysteresis thresholding</a:t>
             </a:r>
           </a:p>
         </p:txBody>
       </p:sp>
-      <p:grpSp>
-        <p:nvGrpSpPr>
-          <p:cNvPr id="6" name="그룹 5">
+      <p:pic>
+        <p:nvPicPr>
+          <p:cNvPr id="16" name="그림 15">
             <a:extLst>
               <a:ext uri="{FF2B5EF4-FFF2-40B4-BE49-F238E27FC236}">
-                <a16:creationId xmlns:a16="http://schemas.microsoft.com/office/drawing/2014/main" id="{32021036-97BC-4854-BB79-A96D8E9196FE}"/>
+                <a16:creationId xmlns:a16="http://schemas.microsoft.com/office/drawing/2014/main" id="{43CEB764-40C3-0BBE-0EA1-39217B1018CD}"/>
               </a:ext>
             </a:extLst>
           </p:cNvPr>
-          <p:cNvGrpSpPr/>
+          <p:cNvPicPr>
+            <a:picLocks noChangeAspect="1"/>
+          </p:cNvPicPr>
           <p:nvPr/>
-        </p:nvGrpSpPr>
-        <p:grpSpPr>
+        </p:nvPicPr>
+        <p:blipFill>
+          <a:blip r:embed="rId2"/>
+          <a:stretch>
+            <a:fillRect/>
+          </a:stretch>
+        </p:blipFill>
+        <p:spPr>
           <a:xfrm>
-            <a:off x="944287" y="2344449"/>
-            <a:ext cx="2922864" cy="3049639"/>
-            <a:chOff x="944287" y="2344449"/>
-            <a:chExt cx="2922864" cy="3049639"/>
+            <a:off x="837784" y="2669658"/>
+            <a:ext cx="3284200" cy="1173531"/>
           </a:xfrm>
-        </p:grpSpPr>
-        <p:pic>
-          <p:nvPicPr>
-            <p:cNvPr id="5" name="그림 4">
-              <a:extLst>
-                <a:ext uri="{FF2B5EF4-FFF2-40B4-BE49-F238E27FC236}">
-                  <a16:creationId xmlns:a16="http://schemas.microsoft.com/office/drawing/2014/main" id="{7F8CCE8A-D3DF-4B72-9E05-12DF126685CA}"/>
-                </a:ext>
-              </a:extLst>
-            </p:cNvPr>
-            <p:cNvPicPr>
-              <a:picLocks noChangeAspect="1"/>
-            </p:cNvPicPr>
-            <p:nvPr/>
-          </p:nvPicPr>
-          <p:blipFill>
-            <a:blip r:embed="rId2"/>
-            <a:stretch>
-              <a:fillRect/>
-            </a:stretch>
-          </p:blipFill>
-          <p:spPr>
-            <a:xfrm>
-              <a:off x="944287" y="2344449"/>
-              <a:ext cx="2922864" cy="3049639"/>
-            </a:xfrm>
-            <a:prstGeom prst="rect">
-              <a:avLst/>
-            </a:prstGeom>
-          </p:spPr>
-        </p:pic>
-        <p:sp>
-          <p:nvSpPr>
-            <p:cNvPr id="10" name="타원 9">
-              <a:extLst>
-                <a:ext uri="{FF2B5EF4-FFF2-40B4-BE49-F238E27FC236}">
-                  <a16:creationId xmlns:a16="http://schemas.microsoft.com/office/drawing/2014/main" id="{04DA15BE-6377-4B88-ADC0-B358CB8EDBD4}"/>
-                </a:ext>
-              </a:extLst>
-            </p:cNvPr>
-            <p:cNvSpPr/>
-            <p:nvPr/>
-          </p:nvSpPr>
-          <p:spPr>
-            <a:xfrm>
-              <a:off x="1076877" y="2584180"/>
-              <a:ext cx="180423" cy="190770"/>
-            </a:xfrm>
-            <a:prstGeom prst="ellipse">
-              <a:avLst/>
-            </a:prstGeom>
-            <a:noFill/>
-            <a:ln w="38100">
-              <a:solidFill>
-                <a:srgbClr val="FF0000"/>
-              </a:solidFill>
-            </a:ln>
-          </p:spPr>
-          <p:style>
-            <a:lnRef idx="2">
-              <a:schemeClr val="accent1">
-                <a:shade val="50000"/>
-              </a:schemeClr>
-            </a:lnRef>
-            <a:fillRef idx="1">
-              <a:schemeClr val="accent1"/>
-            </a:fillRef>
-            <a:effectRef idx="0">
-              <a:schemeClr val="accent1"/>
-            </a:effectRef>
-            <a:fontRef idx="minor">
-              <a:schemeClr val="lt1"/>
-            </a:fontRef>
-          </p:style>
-          <p:txBody>
-            <a:bodyPr rtlCol="0" anchor="ctr"/>
-            <a:lstStyle/>
-            <a:p>
-              <a:pPr algn="ctr"/>
-              <a:endParaRPr lang="ko-KR" altLang="en-US"/>
-            </a:p>
-          </p:txBody>
-        </p:sp>
-        <p:sp>
-          <p:nvSpPr>
-            <p:cNvPr id="12" name="타원 11">
-              <a:extLst>
-                <a:ext uri="{FF2B5EF4-FFF2-40B4-BE49-F238E27FC236}">
-                  <a16:creationId xmlns:a16="http://schemas.microsoft.com/office/drawing/2014/main" id="{4276545C-E4FD-4BC5-9711-3029845AA667}"/>
-                </a:ext>
-              </a:extLst>
-            </p:cNvPr>
-            <p:cNvSpPr/>
-            <p:nvPr/>
-          </p:nvSpPr>
-          <p:spPr>
-            <a:xfrm>
-              <a:off x="1622977" y="2363499"/>
-              <a:ext cx="180423" cy="190770"/>
-            </a:xfrm>
-            <a:prstGeom prst="ellipse">
-              <a:avLst/>
-            </a:prstGeom>
-            <a:noFill/>
-            <a:ln w="38100">
-              <a:solidFill>
-                <a:srgbClr val="FF0000"/>
-              </a:solidFill>
-            </a:ln>
-          </p:spPr>
-          <p:style>
-            <a:lnRef idx="2">
-              <a:schemeClr val="accent1">
-                <a:shade val="50000"/>
-              </a:schemeClr>
-            </a:lnRef>
-            <a:fillRef idx="1">
-              <a:schemeClr val="accent1"/>
-            </a:fillRef>
-            <a:effectRef idx="0">
-              <a:schemeClr val="accent1"/>
-            </a:effectRef>
-            <a:fontRef idx="minor">
-              <a:schemeClr val="lt1"/>
-            </a:fontRef>
-          </p:style>
-          <p:txBody>
-            <a:bodyPr rtlCol="0" anchor="ctr"/>
-            <a:lstStyle/>
-            <a:p>
-              <a:pPr algn="ctr"/>
-              <a:endParaRPr lang="ko-KR" altLang="en-US"/>
-            </a:p>
-          </p:txBody>
-        </p:sp>
-      </p:grpSp>
+          <a:prstGeom prst="rect">
+            <a:avLst/>
+          </a:prstGeom>
+        </p:spPr>
+      </p:pic>
+      <p:sp>
+        <p:nvSpPr>
+          <p:cNvPr id="18" name="직사각형 17">
+            <a:extLst>
+              <a:ext uri="{FF2B5EF4-FFF2-40B4-BE49-F238E27FC236}">
+                <a16:creationId xmlns:a16="http://schemas.microsoft.com/office/drawing/2014/main" id="{8E91197D-783D-2F22-A01D-CF7EDD927B58}"/>
+              </a:ext>
+            </a:extLst>
+          </p:cNvPr>
+          <p:cNvSpPr/>
+          <p:nvPr/>
+        </p:nvSpPr>
+        <p:spPr>
+          <a:xfrm>
+            <a:off x="757598" y="4008436"/>
+            <a:ext cx="3444572" cy="646331"/>
+          </a:xfrm>
+          <a:prstGeom prst="rect">
+            <a:avLst/>
+          </a:prstGeom>
+        </p:spPr>
+        <p:txBody>
+          <a:bodyPr wrap="square">
+            <a:spAutoFit/>
+          </a:bodyPr>
+          <a:lstStyle/>
+          <a:p>
+            <a:pPr algn="ctr"/>
+            <a:r>
+              <a:rPr lang="en-US" altLang="ko-KR" sz="1800" dirty="0"/>
+              <a:t>Gradient direction is always </a:t>
+            </a:r>
+            <a:r>
+              <a:rPr lang="en-US" altLang="ko-KR" sz="1800" b="1" dirty="0"/>
+              <a:t>perpendicular to edges</a:t>
+            </a:r>
+            <a:r>
+              <a:rPr lang="en-US" altLang="ko-KR" sz="1800" dirty="0"/>
+              <a:t>. </a:t>
+            </a:r>
+            <a:endParaRPr lang="ko-KR" altLang="en-US" sz="1600" dirty="0"/>
+          </a:p>
+        </p:txBody>
+      </p:sp>
     </p:spTree>
     <p:extLst>
       <p:ext uri="{BB962C8B-B14F-4D97-AF65-F5344CB8AC3E}">
-        <p14:creationId xmlns:p14="http://schemas.microsoft.com/office/powerpoint/2010/main" val="820803798"/>
+        <p14:creationId xmlns:p14="http://schemas.microsoft.com/office/powerpoint/2010/main" val="2878001795"/>
       </p:ext>
     </p:extLst>
   </p:cSld>
@@ -6159,8 +7838,8 @@
           </a:p>
         </p:txBody>
       </p:sp>
-      <mc:AlternateContent xmlns:mc="http://schemas.openxmlformats.org/markup-compatibility/2006">
-        <mc:Choice xmlns:a14="http://schemas.microsoft.com/office/drawing/2010/main" Requires="a14">
+      <mc:AlternateContent xmlns:mc="http://schemas.openxmlformats.org/markup-compatibility/2006" xmlns:a14="http://schemas.microsoft.com/office/drawing/2010/main">
+        <mc:Choice Requires="a14">
           <p:sp>
             <p:nvSpPr>
               <p:cNvPr id="3" name="내용 개체 틀 2">
@@ -6739,7 +8418,7 @@
             </p:txBody>
           </p:sp>
         </mc:Choice>
-        <mc:Fallback>
+        <mc:Fallback xmlns="">
           <p:sp>
             <p:nvSpPr>
               <p:cNvPr id="3" name="내용 개체 틀 2">
@@ -6880,7 +8559,7 @@
         <p:spPr>
           <a:xfrm>
             <a:off x="4861644" y="2224142"/>
-            <a:ext cx="3444571" cy="2264979"/>
+            <a:ext cx="3444571" cy="2536528"/>
           </a:xfrm>
           <a:prstGeom prst="rect">
             <a:avLst/>
@@ -6898,7 +8577,7 @@
               </a:lnSpc>
             </a:pPr>
             <a:r>
-              <a:rPr lang="en-US" altLang="ko-KR" sz="1600" b="1" dirty="0"/>
+              <a:rPr lang="en-US" altLang="ko-KR" b="1" dirty="0"/>
               <a:t>Canny Algorithm</a:t>
             </a:r>
           </a:p>
@@ -6908,7 +8587,7 @@
                 <a:spcPct val="150000"/>
               </a:lnSpc>
             </a:pPr>
-            <a:endParaRPr lang="en-US" altLang="ko-KR" sz="1600" b="1" dirty="0"/>
+            <a:endParaRPr lang="en-US" altLang="ko-KR" b="1" dirty="0"/>
           </a:p>
           <a:p>
             <a:pPr>
@@ -6919,7 +8598,7 @@
               <a:buAutoNum type="arabicPeriod"/>
             </a:pPr>
             <a:r>
-              <a:rPr lang="en-US" altLang="ko-KR" sz="1600" dirty="0"/>
+              <a:rPr lang="en-US" altLang="ko-KR" dirty="0"/>
               <a:t>Gaussian Smoothing (optional)</a:t>
             </a:r>
           </a:p>
@@ -6932,7 +8611,7 @@
               <a:buAutoNum type="arabicPeriod"/>
             </a:pPr>
             <a:r>
-              <a:rPr lang="en-US" altLang="ko-KR" sz="1600" dirty="0"/>
+              <a:rPr lang="en-US" altLang="ko-KR" dirty="0"/>
               <a:t>Gradient calculation</a:t>
             </a:r>
           </a:p>
@@ -6945,7 +8624,11 @@
               <a:buAutoNum type="arabicPeriod"/>
             </a:pPr>
             <a:r>
-              <a:rPr lang="en-US" altLang="ko-KR" sz="1600" dirty="0"/>
+              <a:rPr lang="en-US" altLang="ko-KR" dirty="0">
+                <a:solidFill>
+                  <a:srgbClr val="FF0000"/>
+                </a:solidFill>
+              </a:rPr>
               <a:t>Non-maximum suppression</a:t>
             </a:r>
           </a:p>
@@ -6958,7 +8641,670 @@
               <a:buAutoNum type="arabicPeriod"/>
             </a:pPr>
             <a:r>
-              <a:rPr lang="en-US" altLang="ko-KR" sz="1600" dirty="0">
+              <a:rPr lang="en-US" altLang="ko-KR" dirty="0"/>
+              <a:t>Hysteresis thresholding</a:t>
+            </a:r>
+          </a:p>
+        </p:txBody>
+      </p:sp>
+      <p:grpSp>
+        <p:nvGrpSpPr>
+          <p:cNvPr id="6" name="그룹 5">
+            <a:extLst>
+              <a:ext uri="{FF2B5EF4-FFF2-40B4-BE49-F238E27FC236}">
+                <a16:creationId xmlns:a16="http://schemas.microsoft.com/office/drawing/2014/main" id="{32021036-97BC-4854-BB79-A96D8E9196FE}"/>
+              </a:ext>
+            </a:extLst>
+          </p:cNvPr>
+          <p:cNvGrpSpPr/>
+          <p:nvPr/>
+        </p:nvGrpSpPr>
+        <p:grpSpPr>
+          <a:xfrm>
+            <a:off x="944287" y="2344449"/>
+            <a:ext cx="2922864" cy="3049639"/>
+            <a:chOff x="944287" y="2344449"/>
+            <a:chExt cx="2922864" cy="3049639"/>
+          </a:xfrm>
+        </p:grpSpPr>
+        <p:pic>
+          <p:nvPicPr>
+            <p:cNvPr id="5" name="그림 4">
+              <a:extLst>
+                <a:ext uri="{FF2B5EF4-FFF2-40B4-BE49-F238E27FC236}">
+                  <a16:creationId xmlns:a16="http://schemas.microsoft.com/office/drawing/2014/main" id="{7F8CCE8A-D3DF-4B72-9E05-12DF126685CA}"/>
+                </a:ext>
+              </a:extLst>
+            </p:cNvPr>
+            <p:cNvPicPr>
+              <a:picLocks noChangeAspect="1"/>
+            </p:cNvPicPr>
+            <p:nvPr/>
+          </p:nvPicPr>
+          <p:blipFill>
+            <a:blip r:embed="rId2"/>
+            <a:stretch>
+              <a:fillRect/>
+            </a:stretch>
+          </p:blipFill>
+          <p:spPr>
+            <a:xfrm>
+              <a:off x="944287" y="2344449"/>
+              <a:ext cx="2922864" cy="3049639"/>
+            </a:xfrm>
+            <a:prstGeom prst="rect">
+              <a:avLst/>
+            </a:prstGeom>
+          </p:spPr>
+        </p:pic>
+        <p:sp>
+          <p:nvSpPr>
+            <p:cNvPr id="10" name="타원 9">
+              <a:extLst>
+                <a:ext uri="{FF2B5EF4-FFF2-40B4-BE49-F238E27FC236}">
+                  <a16:creationId xmlns:a16="http://schemas.microsoft.com/office/drawing/2014/main" id="{04DA15BE-6377-4B88-ADC0-B358CB8EDBD4}"/>
+                </a:ext>
+              </a:extLst>
+            </p:cNvPr>
+            <p:cNvSpPr/>
+            <p:nvPr/>
+          </p:nvSpPr>
+          <p:spPr>
+            <a:xfrm>
+              <a:off x="1076877" y="2584180"/>
+              <a:ext cx="180423" cy="190770"/>
+            </a:xfrm>
+            <a:prstGeom prst="ellipse">
+              <a:avLst/>
+            </a:prstGeom>
+            <a:noFill/>
+            <a:ln w="38100">
+              <a:solidFill>
+                <a:srgbClr val="FF0000"/>
+              </a:solidFill>
+            </a:ln>
+          </p:spPr>
+          <p:style>
+            <a:lnRef idx="2">
+              <a:schemeClr val="accent1">
+                <a:shade val="50000"/>
+              </a:schemeClr>
+            </a:lnRef>
+            <a:fillRef idx="1">
+              <a:schemeClr val="accent1"/>
+            </a:fillRef>
+            <a:effectRef idx="0">
+              <a:schemeClr val="accent1"/>
+            </a:effectRef>
+            <a:fontRef idx="minor">
+              <a:schemeClr val="lt1"/>
+            </a:fontRef>
+          </p:style>
+          <p:txBody>
+            <a:bodyPr rtlCol="0" anchor="ctr"/>
+            <a:lstStyle/>
+            <a:p>
+              <a:pPr algn="ctr"/>
+              <a:endParaRPr lang="ko-KR" altLang="en-US"/>
+            </a:p>
+          </p:txBody>
+        </p:sp>
+        <p:sp>
+          <p:nvSpPr>
+            <p:cNvPr id="12" name="타원 11">
+              <a:extLst>
+                <a:ext uri="{FF2B5EF4-FFF2-40B4-BE49-F238E27FC236}">
+                  <a16:creationId xmlns:a16="http://schemas.microsoft.com/office/drawing/2014/main" id="{4276545C-E4FD-4BC5-9711-3029845AA667}"/>
+                </a:ext>
+              </a:extLst>
+            </p:cNvPr>
+            <p:cNvSpPr/>
+            <p:nvPr/>
+          </p:nvSpPr>
+          <p:spPr>
+            <a:xfrm>
+              <a:off x="1622977" y="2363499"/>
+              <a:ext cx="180423" cy="190770"/>
+            </a:xfrm>
+            <a:prstGeom prst="ellipse">
+              <a:avLst/>
+            </a:prstGeom>
+            <a:noFill/>
+            <a:ln w="38100">
+              <a:solidFill>
+                <a:srgbClr val="FF0000"/>
+              </a:solidFill>
+            </a:ln>
+          </p:spPr>
+          <p:style>
+            <a:lnRef idx="2">
+              <a:schemeClr val="accent1">
+                <a:shade val="50000"/>
+              </a:schemeClr>
+            </a:lnRef>
+            <a:fillRef idx="1">
+              <a:schemeClr val="accent1"/>
+            </a:fillRef>
+            <a:effectRef idx="0">
+              <a:schemeClr val="accent1"/>
+            </a:effectRef>
+            <a:fontRef idx="minor">
+              <a:schemeClr val="lt1"/>
+            </a:fontRef>
+          </p:style>
+          <p:txBody>
+            <a:bodyPr rtlCol="0" anchor="ctr"/>
+            <a:lstStyle/>
+            <a:p>
+              <a:pPr algn="ctr"/>
+              <a:endParaRPr lang="ko-KR" altLang="en-US"/>
+            </a:p>
+          </p:txBody>
+        </p:sp>
+      </p:grpSp>
+      <p:sp>
+        <p:nvSpPr>
+          <p:cNvPr id="7" name="타원 6">
+            <a:extLst>
+              <a:ext uri="{FF2B5EF4-FFF2-40B4-BE49-F238E27FC236}">
+                <a16:creationId xmlns:a16="http://schemas.microsoft.com/office/drawing/2014/main" id="{AB1E282D-2102-47EA-021C-933D349D33A9}"/>
+              </a:ext>
+            </a:extLst>
+          </p:cNvPr>
+          <p:cNvSpPr/>
+          <p:nvPr/>
+        </p:nvSpPr>
+        <p:spPr>
+          <a:xfrm>
+            <a:off x="1622976" y="4228269"/>
+            <a:ext cx="477493" cy="482877"/>
+          </a:xfrm>
+          <a:prstGeom prst="ellipse">
+            <a:avLst/>
+          </a:prstGeom>
+          <a:noFill/>
+          <a:ln w="38100">
+            <a:solidFill>
+              <a:srgbClr val="FF0000"/>
+            </a:solidFill>
+          </a:ln>
+        </p:spPr>
+        <p:style>
+          <a:lnRef idx="2">
+            <a:schemeClr val="accent1">
+              <a:shade val="50000"/>
+            </a:schemeClr>
+          </a:lnRef>
+          <a:fillRef idx="1">
+            <a:schemeClr val="accent1"/>
+          </a:fillRef>
+          <a:effectRef idx="0">
+            <a:schemeClr val="accent1"/>
+          </a:effectRef>
+          <a:fontRef idx="minor">
+            <a:schemeClr val="lt1"/>
+          </a:fontRef>
+        </p:style>
+        <p:txBody>
+          <a:bodyPr rtlCol="0" anchor="ctr"/>
+          <a:lstStyle/>
+          <a:p>
+            <a:pPr algn="ctr"/>
+            <a:endParaRPr lang="ko-KR" altLang="en-US"/>
+          </a:p>
+        </p:txBody>
+      </p:sp>
+      <p:sp>
+        <p:nvSpPr>
+          <p:cNvPr id="11" name="타원 10">
+            <a:extLst>
+              <a:ext uri="{FF2B5EF4-FFF2-40B4-BE49-F238E27FC236}">
+                <a16:creationId xmlns:a16="http://schemas.microsoft.com/office/drawing/2014/main" id="{F916047A-D91F-8652-A2A1-2FE93FBEAA30}"/>
+              </a:ext>
+            </a:extLst>
+          </p:cNvPr>
+          <p:cNvSpPr/>
+          <p:nvPr/>
+        </p:nvSpPr>
+        <p:spPr>
+          <a:xfrm>
+            <a:off x="2155923" y="3718886"/>
+            <a:ext cx="477493" cy="482877"/>
+          </a:xfrm>
+          <a:prstGeom prst="ellipse">
+            <a:avLst/>
+          </a:prstGeom>
+          <a:noFill/>
+          <a:ln w="38100">
+            <a:solidFill>
+              <a:srgbClr val="FF0000"/>
+            </a:solidFill>
+          </a:ln>
+        </p:spPr>
+        <p:style>
+          <a:lnRef idx="2">
+            <a:schemeClr val="accent1">
+              <a:shade val="50000"/>
+            </a:schemeClr>
+          </a:lnRef>
+          <a:fillRef idx="1">
+            <a:schemeClr val="accent1"/>
+          </a:fillRef>
+          <a:effectRef idx="0">
+            <a:schemeClr val="accent1"/>
+          </a:effectRef>
+          <a:fontRef idx="minor">
+            <a:schemeClr val="lt1"/>
+          </a:fontRef>
+        </p:style>
+        <p:txBody>
+          <a:bodyPr rtlCol="0" anchor="ctr"/>
+          <a:lstStyle/>
+          <a:p>
+            <a:pPr algn="ctr"/>
+            <a:endParaRPr lang="ko-KR" altLang="en-US"/>
+          </a:p>
+        </p:txBody>
+      </p:sp>
+    </p:spTree>
+    <p:extLst>
+      <p:ext uri="{BB962C8B-B14F-4D97-AF65-F5344CB8AC3E}">
+        <p14:creationId xmlns:p14="http://schemas.microsoft.com/office/powerpoint/2010/main" val="4080388542"/>
+      </p:ext>
+    </p:extLst>
+  </p:cSld>
+  <p:clrMapOvr>
+    <a:masterClrMapping/>
+  </p:clrMapOvr>
+</p:sld>
+</file>
+
+<file path=ppt/slides/slide21.xml><?xml version="1.0" encoding="utf-8"?>
+<p:sld xmlns:a="http://schemas.openxmlformats.org/drawingml/2006/main" xmlns:r="http://schemas.openxmlformats.org/officeDocument/2006/relationships" xmlns:p="http://schemas.openxmlformats.org/presentationml/2006/main">
+  <p:cSld>
+    <p:spTree>
+      <p:nvGrpSpPr>
+        <p:cNvPr id="1" name=""/>
+        <p:cNvGrpSpPr/>
+        <p:nvPr/>
+      </p:nvGrpSpPr>
+      <p:grpSpPr>
+        <a:xfrm>
+          <a:off x="0" y="0"/>
+          <a:ext cx="0" cy="0"/>
+          <a:chOff x="0" y="0"/>
+          <a:chExt cx="0" cy="0"/>
+        </a:xfrm>
+      </p:grpSpPr>
+      <p:sp>
+        <p:nvSpPr>
+          <p:cNvPr id="2" name="제목 1">
+            <a:extLst>
+              <a:ext uri="{FF2B5EF4-FFF2-40B4-BE49-F238E27FC236}">
+                <a16:creationId xmlns:a16="http://schemas.microsoft.com/office/drawing/2014/main" id="{32A4EF47-FCCA-4723-AF28-1B2DE76CE7E9}"/>
+              </a:ext>
+            </a:extLst>
+          </p:cNvPr>
+          <p:cNvSpPr>
+            <a:spLocks noGrp="1"/>
+          </p:cNvSpPr>
+          <p:nvPr>
+            <p:ph type="title"/>
+          </p:nvPr>
+        </p:nvSpPr>
+        <p:spPr/>
+        <p:txBody>
+          <a:bodyPr>
+            <a:normAutofit fontScale="90000"/>
+          </a:bodyPr>
+          <a:lstStyle/>
+          <a:p>
+            <a:r>
+              <a:rPr lang="en-US" altLang="ko-KR" dirty="0"/>
+              <a:t>Canny</a:t>
+            </a:r>
+            <a:endParaRPr lang="ko-KR" altLang="en-US" dirty="0"/>
+          </a:p>
+        </p:txBody>
+      </p:sp>
+      <p:sp>
+        <p:nvSpPr>
+          <p:cNvPr id="3" name="내용 개체 틀 2">
+            <a:extLst>
+              <a:ext uri="{FF2B5EF4-FFF2-40B4-BE49-F238E27FC236}">
+                <a16:creationId xmlns:a16="http://schemas.microsoft.com/office/drawing/2014/main" id="{25774E92-9B95-4123-B29D-F5E0D6956FCA}"/>
+              </a:ext>
+            </a:extLst>
+          </p:cNvPr>
+          <p:cNvSpPr>
+            <a:spLocks noGrp="1"/>
+          </p:cNvSpPr>
+          <p:nvPr>
+            <p:ph idx="1"/>
+          </p:nvPr>
+        </p:nvSpPr>
+        <p:spPr/>
+        <p:txBody>
+          <a:bodyPr>
+            <a:normAutofit/>
+          </a:bodyPr>
+          <a:lstStyle/>
+          <a:p>
+            <a:r>
+              <a:rPr lang="en-US" altLang="ko-KR" sz="2000" dirty="0"/>
+              <a:t>Canny Edge Detection Algorithm</a:t>
+            </a:r>
+            <a:endParaRPr lang="ko-KR" altLang="en-US" sz="1700" dirty="0"/>
+          </a:p>
+        </p:txBody>
+      </p:sp>
+      <p:sp>
+        <p:nvSpPr>
+          <p:cNvPr id="9" name="직사각형 8"/>
+          <p:cNvSpPr/>
+          <p:nvPr/>
+        </p:nvSpPr>
+        <p:spPr>
+          <a:xfrm>
+            <a:off x="4861644" y="2224142"/>
+            <a:ext cx="3444571" cy="2536528"/>
+          </a:xfrm>
+          <a:prstGeom prst="rect">
+            <a:avLst/>
+          </a:prstGeom>
+        </p:spPr>
+        <p:txBody>
+          <a:bodyPr wrap="square">
+            <a:spAutoFit/>
+          </a:bodyPr>
+          <a:lstStyle/>
+          <a:p>
+            <a:pPr>
+              <a:lnSpc>
+                <a:spcPct val="150000"/>
+              </a:lnSpc>
+            </a:pPr>
+            <a:r>
+              <a:rPr lang="en-US" altLang="ko-KR" b="1" dirty="0"/>
+              <a:t>Canny Algorithm</a:t>
+            </a:r>
+          </a:p>
+          <a:p>
+            <a:pPr>
+              <a:lnSpc>
+                <a:spcPct val="150000"/>
+              </a:lnSpc>
+            </a:pPr>
+            <a:endParaRPr lang="en-US" altLang="ko-KR" b="1" dirty="0"/>
+          </a:p>
+          <a:p>
+            <a:pPr>
+              <a:lnSpc>
+                <a:spcPct val="150000"/>
+              </a:lnSpc>
+              <a:buFont typeface="+mj-lt"/>
+              <a:buAutoNum type="arabicPeriod"/>
+            </a:pPr>
+            <a:r>
+              <a:rPr lang="en-US" altLang="ko-KR" dirty="0"/>
+              <a:t>Gaussian Smoothing (optional)</a:t>
+            </a:r>
+          </a:p>
+          <a:p>
+            <a:pPr>
+              <a:lnSpc>
+                <a:spcPct val="150000"/>
+              </a:lnSpc>
+              <a:buFont typeface="+mj-lt"/>
+              <a:buAutoNum type="arabicPeriod"/>
+            </a:pPr>
+            <a:r>
+              <a:rPr lang="en-US" altLang="ko-KR" dirty="0"/>
+              <a:t>Gradient calculation</a:t>
+            </a:r>
+          </a:p>
+          <a:p>
+            <a:pPr>
+              <a:lnSpc>
+                <a:spcPct val="150000"/>
+              </a:lnSpc>
+              <a:buFont typeface="+mj-lt"/>
+              <a:buAutoNum type="arabicPeriod"/>
+            </a:pPr>
+            <a:r>
+              <a:rPr lang="en-US" altLang="ko-KR" dirty="0">
+                <a:solidFill>
+                  <a:srgbClr val="FF0000"/>
+                </a:solidFill>
+              </a:rPr>
+              <a:t>Non-maximum suppression</a:t>
+            </a:r>
+          </a:p>
+          <a:p>
+            <a:pPr>
+              <a:lnSpc>
+                <a:spcPct val="150000"/>
+              </a:lnSpc>
+              <a:buFont typeface="+mj-lt"/>
+              <a:buAutoNum type="arabicPeriod"/>
+            </a:pPr>
+            <a:r>
+              <a:rPr lang="en-US" altLang="ko-KR" dirty="0"/>
+              <a:t>Hysteresis thresholding</a:t>
+            </a:r>
+          </a:p>
+        </p:txBody>
+      </p:sp>
+      <p:pic>
+        <p:nvPicPr>
+          <p:cNvPr id="14" name="그림 13">
+            <a:extLst>
+              <a:ext uri="{FF2B5EF4-FFF2-40B4-BE49-F238E27FC236}">
+                <a16:creationId xmlns:a16="http://schemas.microsoft.com/office/drawing/2014/main" id="{4E279C6B-DCCD-AAF7-6C77-AF0ACB0AF3F8}"/>
+              </a:ext>
+            </a:extLst>
+          </p:cNvPr>
+          <p:cNvPicPr>
+            <a:picLocks noChangeAspect="1"/>
+          </p:cNvPicPr>
+          <p:nvPr/>
+        </p:nvPicPr>
+        <p:blipFill>
+          <a:blip r:embed="rId2"/>
+          <a:stretch>
+            <a:fillRect/>
+          </a:stretch>
+        </p:blipFill>
+        <p:spPr>
+          <a:xfrm>
+            <a:off x="259345" y="2845305"/>
+            <a:ext cx="4413477" cy="1803493"/>
+          </a:xfrm>
+          <a:prstGeom prst="rect">
+            <a:avLst/>
+          </a:prstGeom>
+        </p:spPr>
+      </p:pic>
+    </p:spTree>
+    <p:extLst>
+      <p:ext uri="{BB962C8B-B14F-4D97-AF65-F5344CB8AC3E}">
+        <p14:creationId xmlns:p14="http://schemas.microsoft.com/office/powerpoint/2010/main" val="1225194223"/>
+      </p:ext>
+    </p:extLst>
+  </p:cSld>
+  <p:clrMapOvr>
+    <a:masterClrMapping/>
+  </p:clrMapOvr>
+</p:sld>
+</file>
+
+<file path=ppt/slides/slide22.xml><?xml version="1.0" encoding="utf-8"?>
+<p:sld xmlns:a="http://schemas.openxmlformats.org/drawingml/2006/main" xmlns:r="http://schemas.openxmlformats.org/officeDocument/2006/relationships" xmlns:p="http://schemas.openxmlformats.org/presentationml/2006/main">
+  <p:cSld>
+    <p:spTree>
+      <p:nvGrpSpPr>
+        <p:cNvPr id="1" name=""/>
+        <p:cNvGrpSpPr/>
+        <p:nvPr/>
+      </p:nvGrpSpPr>
+      <p:grpSpPr>
+        <a:xfrm>
+          <a:off x="0" y="0"/>
+          <a:ext cx="0" cy="0"/>
+          <a:chOff x="0" y="0"/>
+          <a:chExt cx="0" cy="0"/>
+        </a:xfrm>
+      </p:grpSpPr>
+      <p:sp>
+        <p:nvSpPr>
+          <p:cNvPr id="2" name="제목 1">
+            <a:extLst>
+              <a:ext uri="{FF2B5EF4-FFF2-40B4-BE49-F238E27FC236}">
+                <a16:creationId xmlns:a16="http://schemas.microsoft.com/office/drawing/2014/main" id="{32A4EF47-FCCA-4723-AF28-1B2DE76CE7E9}"/>
+              </a:ext>
+            </a:extLst>
+          </p:cNvPr>
+          <p:cNvSpPr>
+            <a:spLocks noGrp="1"/>
+          </p:cNvSpPr>
+          <p:nvPr>
+            <p:ph type="title"/>
+          </p:nvPr>
+        </p:nvSpPr>
+        <p:spPr/>
+        <p:txBody>
+          <a:bodyPr>
+            <a:normAutofit fontScale="90000"/>
+          </a:bodyPr>
+          <a:lstStyle/>
+          <a:p>
+            <a:r>
+              <a:rPr lang="en-US" altLang="ko-KR" dirty="0"/>
+              <a:t>Canny</a:t>
+            </a:r>
+            <a:endParaRPr lang="ko-KR" altLang="en-US" dirty="0"/>
+          </a:p>
+        </p:txBody>
+      </p:sp>
+      <p:sp>
+        <p:nvSpPr>
+          <p:cNvPr id="3" name="내용 개체 틀 2">
+            <a:extLst>
+              <a:ext uri="{FF2B5EF4-FFF2-40B4-BE49-F238E27FC236}">
+                <a16:creationId xmlns:a16="http://schemas.microsoft.com/office/drawing/2014/main" id="{25774E92-9B95-4123-B29D-F5E0D6956FCA}"/>
+              </a:ext>
+            </a:extLst>
+          </p:cNvPr>
+          <p:cNvSpPr>
+            <a:spLocks noGrp="1"/>
+          </p:cNvSpPr>
+          <p:nvPr>
+            <p:ph idx="1"/>
+          </p:nvPr>
+        </p:nvSpPr>
+        <p:spPr/>
+        <p:txBody>
+          <a:bodyPr>
+            <a:normAutofit/>
+          </a:bodyPr>
+          <a:lstStyle/>
+          <a:p>
+            <a:r>
+              <a:rPr lang="en-US" altLang="ko-KR" sz="2000" dirty="0"/>
+              <a:t>Canny Edge Detection Algorithm</a:t>
+            </a:r>
+            <a:endParaRPr lang="ko-KR" altLang="en-US" sz="1700" dirty="0"/>
+          </a:p>
+        </p:txBody>
+      </p:sp>
+      <p:sp>
+        <p:nvSpPr>
+          <p:cNvPr id="9" name="직사각형 8"/>
+          <p:cNvSpPr/>
+          <p:nvPr/>
+        </p:nvSpPr>
+        <p:spPr>
+          <a:xfrm>
+            <a:off x="4861644" y="2224142"/>
+            <a:ext cx="3444571" cy="2536528"/>
+          </a:xfrm>
+          <a:prstGeom prst="rect">
+            <a:avLst/>
+          </a:prstGeom>
+        </p:spPr>
+        <p:txBody>
+          <a:bodyPr wrap="square">
+            <a:spAutoFit/>
+          </a:bodyPr>
+          <a:lstStyle/>
+          <a:p>
+            <a:pPr>
+              <a:lnSpc>
+                <a:spcPct val="150000"/>
+              </a:lnSpc>
+            </a:pPr>
+            <a:r>
+              <a:rPr lang="en-US" altLang="ko-KR" b="1" dirty="0"/>
+              <a:t>Canny Algorithm</a:t>
+            </a:r>
+          </a:p>
+          <a:p>
+            <a:pPr>
+              <a:lnSpc>
+                <a:spcPct val="150000"/>
+              </a:lnSpc>
+            </a:pPr>
+            <a:endParaRPr lang="en-US" altLang="ko-KR" b="1" dirty="0"/>
+          </a:p>
+          <a:p>
+            <a:pPr>
+              <a:lnSpc>
+                <a:spcPct val="150000"/>
+              </a:lnSpc>
+              <a:buFont typeface="+mj-lt"/>
+              <a:buAutoNum type="arabicPeriod"/>
+            </a:pPr>
+            <a:r>
+              <a:rPr lang="en-US" altLang="ko-KR" dirty="0"/>
+              <a:t>Gaussian Smoothing (optional)</a:t>
+            </a:r>
+          </a:p>
+          <a:p>
+            <a:pPr>
+              <a:lnSpc>
+                <a:spcPct val="150000"/>
+              </a:lnSpc>
+              <a:buFont typeface="+mj-lt"/>
+              <a:buAutoNum type="arabicPeriod"/>
+            </a:pPr>
+            <a:r>
+              <a:rPr lang="en-US" altLang="ko-KR" dirty="0"/>
+              <a:t>Gradient calculation</a:t>
+            </a:r>
+          </a:p>
+          <a:p>
+            <a:pPr>
+              <a:lnSpc>
+                <a:spcPct val="150000"/>
+              </a:lnSpc>
+              <a:buFont typeface="+mj-lt"/>
+              <a:buAutoNum type="arabicPeriod"/>
+            </a:pPr>
+            <a:r>
+              <a:rPr lang="en-US" altLang="ko-KR" dirty="0"/>
+              <a:t>Non-maximum suppression</a:t>
+            </a:r>
+          </a:p>
+          <a:p>
+            <a:pPr>
+              <a:lnSpc>
+                <a:spcPct val="150000"/>
+              </a:lnSpc>
+              <a:buFont typeface="+mj-lt"/>
+              <a:buAutoNum type="arabicPeriod"/>
+            </a:pPr>
+            <a:r>
+              <a:rPr lang="en-US" altLang="ko-KR" dirty="0">
                 <a:solidFill>
                   <a:srgbClr val="FF0000"/>
                 </a:solidFill>
@@ -7266,6 +9612,159 @@
           </a:p>
         </p:txBody>
       </p:sp>
+      <mc:AlternateContent xmlns:mc="http://schemas.openxmlformats.org/markup-compatibility/2006" xmlns:p14="http://schemas.microsoft.com/office/powerpoint/2010/main">
+        <mc:Choice Requires="p14">
+          <p:contentPart p14:bwMode="auto" r:id="rId2">
+            <p14:nvContentPartPr>
+              <p14:cNvPr id="4" name="잉크 3">
+                <a:extLst>
+                  <a:ext uri="{FF2B5EF4-FFF2-40B4-BE49-F238E27FC236}">
+                    <a16:creationId xmlns:a16="http://schemas.microsoft.com/office/drawing/2014/main" id="{6772B8DC-28CC-8BB4-CE26-0D3234C5961C}"/>
+                  </a:ext>
+                </a:extLst>
+              </p14:cNvPr>
+              <p14:cNvContentPartPr/>
+              <p14:nvPr/>
+            </p14:nvContentPartPr>
+            <p14:xfrm>
+              <a:off x="986979" y="2598809"/>
+              <a:ext cx="3024720" cy="729360"/>
+            </p14:xfrm>
+          </p:contentPart>
+        </mc:Choice>
+        <mc:Fallback xmlns="">
+          <p:pic>
+            <p:nvPicPr>
+              <p:cNvPr id="4" name="잉크 3">
+                <a:extLst>
+                  <a:ext uri="{FF2B5EF4-FFF2-40B4-BE49-F238E27FC236}">
+                    <a16:creationId xmlns:a16="http://schemas.microsoft.com/office/drawing/2014/main" id="{6772B8DC-28CC-8BB4-CE26-0D3234C5961C}"/>
+                  </a:ext>
+                </a:extLst>
+              </p:cNvPr>
+              <p:cNvPicPr/>
+              <p:nvPr/>
+            </p:nvPicPr>
+            <p:blipFill>
+              <a:blip r:embed="rId3"/>
+              <a:stretch>
+                <a:fillRect/>
+              </a:stretch>
+            </p:blipFill>
+            <p:spPr>
+              <a:xfrm>
+                <a:off x="982659" y="2594489"/>
+                <a:ext cx="3033360" cy="738000"/>
+              </a:xfrm>
+              <a:prstGeom prst="rect">
+                <a:avLst/>
+              </a:prstGeom>
+            </p:spPr>
+          </p:pic>
+        </mc:Fallback>
+      </mc:AlternateContent>
+      <mc:AlternateContent xmlns:mc="http://schemas.openxmlformats.org/markup-compatibility/2006" xmlns:p14="http://schemas.microsoft.com/office/powerpoint/2010/main">
+        <mc:Choice Requires="p14">
+          <p:contentPart p14:bwMode="auto" r:id="rId4">
+            <p14:nvContentPartPr>
+              <p14:cNvPr id="6" name="잉크 5">
+                <a:extLst>
+                  <a:ext uri="{FF2B5EF4-FFF2-40B4-BE49-F238E27FC236}">
+                    <a16:creationId xmlns:a16="http://schemas.microsoft.com/office/drawing/2014/main" id="{F64CBC56-DC20-A44B-AF7D-AD7CCC5B9F66}"/>
+                  </a:ext>
+                </a:extLst>
+              </p14:cNvPr>
+              <p14:cNvContentPartPr/>
+              <p14:nvPr/>
+            </p14:nvContentPartPr>
+            <p14:xfrm>
+              <a:off x="1053219" y="3425009"/>
+              <a:ext cx="1416960" cy="260280"/>
+            </p14:xfrm>
+          </p:contentPart>
+        </mc:Choice>
+        <mc:Fallback xmlns="">
+          <p:pic>
+            <p:nvPicPr>
+              <p:cNvPr id="6" name="잉크 5">
+                <a:extLst>
+                  <a:ext uri="{FF2B5EF4-FFF2-40B4-BE49-F238E27FC236}">
+                    <a16:creationId xmlns:a16="http://schemas.microsoft.com/office/drawing/2014/main" id="{F64CBC56-DC20-A44B-AF7D-AD7CCC5B9F66}"/>
+                  </a:ext>
+                </a:extLst>
+              </p:cNvPr>
+              <p:cNvPicPr/>
+              <p:nvPr/>
+            </p:nvPicPr>
+            <p:blipFill>
+              <a:blip r:embed="rId5"/>
+              <a:stretch>
+                <a:fillRect/>
+              </a:stretch>
+            </p:blipFill>
+            <p:spPr>
+              <a:xfrm>
+                <a:off x="1048899" y="3420689"/>
+                <a:ext cx="1425600" cy="268920"/>
+              </a:xfrm>
+              <a:prstGeom prst="rect">
+                <a:avLst/>
+              </a:prstGeom>
+            </p:spPr>
+          </p:pic>
+        </mc:Fallback>
+      </mc:AlternateContent>
+      <mc:AlternateContent xmlns:mc="http://schemas.openxmlformats.org/markup-compatibility/2006" xmlns:p14="http://schemas.microsoft.com/office/powerpoint/2010/main">
+        <mc:Choice Requires="p14">
+          <p:contentPart p14:bwMode="auto" r:id="rId6">
+            <p14:nvContentPartPr>
+              <p14:cNvPr id="8" name="잉크 7">
+                <a:extLst>
+                  <a:ext uri="{FF2B5EF4-FFF2-40B4-BE49-F238E27FC236}">
+                    <a16:creationId xmlns:a16="http://schemas.microsoft.com/office/drawing/2014/main" id="{A1D78919-5549-0706-C160-407982E3EF18}"/>
+                  </a:ext>
+                </a:extLst>
+              </p14:cNvPr>
+              <p14:cNvContentPartPr/>
+              <p14:nvPr/>
+            </p14:nvContentPartPr>
+            <p14:xfrm>
+              <a:off x="3604179" y="5353529"/>
+              <a:ext cx="360" cy="360"/>
+            </p14:xfrm>
+          </p:contentPart>
+        </mc:Choice>
+        <mc:Fallback xmlns="">
+          <p:pic>
+            <p:nvPicPr>
+              <p:cNvPr id="8" name="잉크 7">
+                <a:extLst>
+                  <a:ext uri="{FF2B5EF4-FFF2-40B4-BE49-F238E27FC236}">
+                    <a16:creationId xmlns:a16="http://schemas.microsoft.com/office/drawing/2014/main" id="{A1D78919-5549-0706-C160-407982E3EF18}"/>
+                  </a:ext>
+                </a:extLst>
+              </p:cNvPr>
+              <p:cNvPicPr/>
+              <p:nvPr/>
+            </p:nvPicPr>
+            <p:blipFill>
+              <a:blip r:embed="rId7"/>
+              <a:stretch>
+                <a:fillRect/>
+              </a:stretch>
+            </p:blipFill>
+            <p:spPr>
+              <a:xfrm>
+                <a:off x="3599859" y="5349209"/>
+                <a:ext cx="9000" cy="9000"/>
+              </a:xfrm>
+              <a:prstGeom prst="rect">
+                <a:avLst/>
+              </a:prstGeom>
+            </p:spPr>
+          </p:pic>
+        </mc:Fallback>
+      </mc:AlternateContent>
     </p:spTree>
     <p:extLst>
       <p:ext uri="{BB962C8B-B14F-4D97-AF65-F5344CB8AC3E}">
@@ -7279,7 +9778,7 @@
 </p:sld>
 </file>
 
-<file path=ppt/slides/slide21.xml><?xml version="1.0" encoding="utf-8"?>
+<file path=ppt/slides/slide23.xml><?xml version="1.0" encoding="utf-8"?>
 <p:sld xmlns:a="http://schemas.openxmlformats.org/drawingml/2006/main" xmlns:r="http://schemas.openxmlformats.org/officeDocument/2006/relationships" xmlns:p="http://schemas.openxmlformats.org/presentationml/2006/main">
   <p:cSld>
     <p:spTree>
@@ -7329,27 +9828,28 @@
       </p:sp>
       <p:pic>
         <p:nvPicPr>
-          <p:cNvPr id="6" name="그림 5"/>
+          <p:cNvPr id="4" name="그림 3">
+            <a:extLst>
+              <a:ext uri="{FF2B5EF4-FFF2-40B4-BE49-F238E27FC236}">
+                <a16:creationId xmlns:a16="http://schemas.microsoft.com/office/drawing/2014/main" id="{C7999B07-EDFF-9D63-D8DD-D0544F867B7E}"/>
+              </a:ext>
+            </a:extLst>
+          </p:cNvPr>
           <p:cNvPicPr>
             <a:picLocks noChangeAspect="1"/>
           </p:cNvPicPr>
           <p:nvPr/>
         </p:nvPicPr>
-        <p:blipFill rotWithShape="1">
-          <a:blip r:embed="rId2" cstate="print">
-            <a:extLst>
-              <a:ext uri="{28A0092B-C50C-407E-A947-70E740481C1C}">
-                <a14:useLocalDpi xmlns:a14="http://schemas.microsoft.com/office/drawing/2010/main" val="0"/>
-              </a:ext>
-            </a:extLst>
-          </a:blip>
-          <a:srcRect l="11048" t="31633" r="9039" b="30831"/>
-          <a:stretch/>
+        <p:blipFill>
+          <a:blip r:embed="rId2"/>
+          <a:stretch>
+            <a:fillRect/>
+          </a:stretch>
         </p:blipFill>
         <p:spPr>
           <a:xfrm>
-            <a:off x="600915" y="2618391"/>
-            <a:ext cx="7806485" cy="1898298"/>
+            <a:off x="367748" y="2527957"/>
+            <a:ext cx="8408504" cy="2061958"/>
           </a:xfrm>
           <a:prstGeom prst="rect">
             <a:avLst/>
@@ -7360,6 +9860,1308 @@
     <p:extLst>
       <p:ext uri="{BB962C8B-B14F-4D97-AF65-F5344CB8AC3E}">
         <p14:creationId xmlns:p14="http://schemas.microsoft.com/office/powerpoint/2010/main" val="2907054281"/>
+      </p:ext>
+    </p:extLst>
+  </p:cSld>
+  <p:clrMapOvr>
+    <a:masterClrMapping/>
+  </p:clrMapOvr>
+</p:sld>
+</file>
+
+<file path=ppt/slides/slide24.xml><?xml version="1.0" encoding="utf-8"?>
+<p:sld xmlns:a="http://schemas.openxmlformats.org/drawingml/2006/main" xmlns:r="http://schemas.openxmlformats.org/officeDocument/2006/relationships" xmlns:p="http://schemas.openxmlformats.org/presentationml/2006/main">
+  <p:cSld>
+    <p:spTree>
+      <p:nvGrpSpPr>
+        <p:cNvPr id="1" name=""/>
+        <p:cNvGrpSpPr/>
+        <p:nvPr/>
+      </p:nvGrpSpPr>
+      <p:grpSpPr>
+        <a:xfrm>
+          <a:off x="0" y="0"/>
+          <a:ext cx="0" cy="0"/>
+          <a:chOff x="0" y="0"/>
+          <a:chExt cx="0" cy="0"/>
+        </a:xfrm>
+      </p:grpSpPr>
+      <p:sp>
+        <p:nvSpPr>
+          <p:cNvPr id="2" name="제목 1">
+            <a:extLst>
+              <a:ext uri="{FF2B5EF4-FFF2-40B4-BE49-F238E27FC236}">
+                <a16:creationId xmlns:a16="http://schemas.microsoft.com/office/drawing/2014/main" id="{32A4EF47-FCCA-4723-AF28-1B2DE76CE7E9}"/>
+              </a:ext>
+            </a:extLst>
+          </p:cNvPr>
+          <p:cNvSpPr>
+            <a:spLocks noGrp="1"/>
+          </p:cNvSpPr>
+          <p:nvPr>
+            <p:ph type="title"/>
+          </p:nvPr>
+        </p:nvSpPr>
+        <p:spPr/>
+        <p:txBody>
+          <a:bodyPr>
+            <a:normAutofit fontScale="90000"/>
+          </a:bodyPr>
+          <a:lstStyle/>
+          <a:p>
+            <a:r>
+              <a:rPr lang="en-US" altLang="ko-KR" dirty="0" err="1"/>
+              <a:t>eXAMPLE</a:t>
+            </a:r>
+            <a:endParaRPr lang="ko-KR" altLang="en-US" dirty="0"/>
+          </a:p>
+        </p:txBody>
+      </p:sp>
+      <p:sp>
+        <p:nvSpPr>
+          <p:cNvPr id="3" name="내용 개체 틀 2">
+            <a:extLst>
+              <a:ext uri="{FF2B5EF4-FFF2-40B4-BE49-F238E27FC236}">
+                <a16:creationId xmlns:a16="http://schemas.microsoft.com/office/drawing/2014/main" id="{25774E92-9B95-4123-B29D-F5E0D6956FCA}"/>
+              </a:ext>
+            </a:extLst>
+          </p:cNvPr>
+          <p:cNvSpPr>
+            <a:spLocks noGrp="1"/>
+          </p:cNvSpPr>
+          <p:nvPr>
+            <p:ph idx="1"/>
+          </p:nvPr>
+        </p:nvSpPr>
+        <p:spPr/>
+        <p:txBody>
+          <a:bodyPr>
+            <a:normAutofit/>
+          </a:bodyPr>
+          <a:lstStyle/>
+          <a:p>
+            <a:r>
+              <a:rPr lang="en-US" altLang="ko-KR" sz="2000" dirty="0"/>
+              <a:t>Lung nodule segmentation</a:t>
+            </a:r>
+            <a:endParaRPr lang="ko-KR" altLang="en-US" sz="1700" dirty="0"/>
+          </a:p>
+        </p:txBody>
+      </p:sp>
+      <p:grpSp>
+        <p:nvGrpSpPr>
+          <p:cNvPr id="12" name="그룹 11">
+            <a:extLst>
+              <a:ext uri="{FF2B5EF4-FFF2-40B4-BE49-F238E27FC236}">
+                <a16:creationId xmlns:a16="http://schemas.microsoft.com/office/drawing/2014/main" id="{E942E7E4-9789-85F8-2EB0-524DBF27D870}"/>
+              </a:ext>
+            </a:extLst>
+          </p:cNvPr>
+          <p:cNvGrpSpPr/>
+          <p:nvPr/>
+        </p:nvGrpSpPr>
+        <p:grpSpPr>
+          <a:xfrm>
+            <a:off x="1093179" y="298049"/>
+            <a:ext cx="360" cy="360"/>
+            <a:chOff x="1093179" y="298049"/>
+            <a:chExt cx="360" cy="360"/>
+          </a:xfrm>
+        </p:grpSpPr>
+        <mc:AlternateContent xmlns:mc="http://schemas.openxmlformats.org/markup-compatibility/2006" xmlns:p14="http://schemas.microsoft.com/office/powerpoint/2010/main">
+          <mc:Choice Requires="p14">
+            <p:contentPart p14:bwMode="auto" r:id="rId2">
+              <p14:nvContentPartPr>
+                <p14:cNvPr id="5" name="잉크 4">
+                  <a:extLst>
+                    <a:ext uri="{FF2B5EF4-FFF2-40B4-BE49-F238E27FC236}">
+                      <a16:creationId xmlns:a16="http://schemas.microsoft.com/office/drawing/2014/main" id="{262703B4-103C-25F5-7E09-1A07E71BDF46}"/>
+                    </a:ext>
+                  </a:extLst>
+                </p14:cNvPr>
+                <p14:cNvContentPartPr/>
+                <p14:nvPr/>
+              </p14:nvContentPartPr>
+              <p14:xfrm>
+                <a:off x="1093179" y="298049"/>
+                <a:ext cx="360" cy="360"/>
+              </p14:xfrm>
+            </p:contentPart>
+          </mc:Choice>
+          <mc:Fallback xmlns="">
+            <p:pic>
+              <p:nvPicPr>
+                <p:cNvPr id="5" name="잉크 4">
+                  <a:extLst>
+                    <a:ext uri="{FF2B5EF4-FFF2-40B4-BE49-F238E27FC236}">
+                      <a16:creationId xmlns:a16="http://schemas.microsoft.com/office/drawing/2014/main" id="{262703B4-103C-25F5-7E09-1A07E71BDF46}"/>
+                    </a:ext>
+                  </a:extLst>
+                </p:cNvPr>
+                <p:cNvPicPr/>
+                <p:nvPr/>
+              </p:nvPicPr>
+              <p:blipFill>
+                <a:blip r:embed="rId3"/>
+                <a:stretch>
+                  <a:fillRect/>
+                </a:stretch>
+              </p:blipFill>
+              <p:spPr>
+                <a:xfrm>
+                  <a:off x="1088859" y="293729"/>
+                  <a:ext cx="9000" cy="9000"/>
+                </a:xfrm>
+                <a:prstGeom prst="rect">
+                  <a:avLst/>
+                </a:prstGeom>
+              </p:spPr>
+            </p:pic>
+          </mc:Fallback>
+        </mc:AlternateContent>
+        <mc:AlternateContent xmlns:mc="http://schemas.openxmlformats.org/markup-compatibility/2006" xmlns:p14="http://schemas.microsoft.com/office/powerpoint/2010/main">
+          <mc:Choice Requires="p14">
+            <p:contentPart p14:bwMode="auto" r:id="rId4">
+              <p14:nvContentPartPr>
+                <p14:cNvPr id="10" name="잉크 9">
+                  <a:extLst>
+                    <a:ext uri="{FF2B5EF4-FFF2-40B4-BE49-F238E27FC236}">
+                      <a16:creationId xmlns:a16="http://schemas.microsoft.com/office/drawing/2014/main" id="{E634F4EF-5F2B-3622-B284-CACFAD3EE5DA}"/>
+                    </a:ext>
+                  </a:extLst>
+                </p14:cNvPr>
+                <p14:cNvContentPartPr/>
+                <p14:nvPr/>
+              </p14:nvContentPartPr>
+              <p14:xfrm>
+                <a:off x="1093179" y="298049"/>
+                <a:ext cx="360" cy="360"/>
+              </p14:xfrm>
+            </p:contentPart>
+          </mc:Choice>
+          <mc:Fallback xmlns="">
+            <p:pic>
+              <p:nvPicPr>
+                <p:cNvPr id="10" name="잉크 9">
+                  <a:extLst>
+                    <a:ext uri="{FF2B5EF4-FFF2-40B4-BE49-F238E27FC236}">
+                      <a16:creationId xmlns:a16="http://schemas.microsoft.com/office/drawing/2014/main" id="{E634F4EF-5F2B-3622-B284-CACFAD3EE5DA}"/>
+                    </a:ext>
+                  </a:extLst>
+                </p:cNvPr>
+                <p:cNvPicPr/>
+                <p:nvPr/>
+              </p:nvPicPr>
+              <p:blipFill>
+                <a:blip r:embed="rId3"/>
+                <a:stretch>
+                  <a:fillRect/>
+                </a:stretch>
+              </p:blipFill>
+              <p:spPr>
+                <a:xfrm>
+                  <a:off x="1088859" y="293729"/>
+                  <a:ext cx="9000" cy="9000"/>
+                </a:xfrm>
+                <a:prstGeom prst="rect">
+                  <a:avLst/>
+                </a:prstGeom>
+              </p:spPr>
+            </p:pic>
+          </mc:Fallback>
+        </mc:AlternateContent>
+      </p:grpSp>
+      <mc:AlternateContent xmlns:mc="http://schemas.openxmlformats.org/markup-compatibility/2006" xmlns:p14="http://schemas.microsoft.com/office/powerpoint/2010/main">
+        <mc:Choice Requires="p14">
+          <p:contentPart p14:bwMode="auto" r:id="rId5">
+            <p14:nvContentPartPr>
+              <p14:cNvPr id="11" name="잉크 10">
+                <a:extLst>
+                  <a:ext uri="{FF2B5EF4-FFF2-40B4-BE49-F238E27FC236}">
+                    <a16:creationId xmlns:a16="http://schemas.microsoft.com/office/drawing/2014/main" id="{2FA3A5A6-FCF1-B5FC-2CCA-6B5EE84CBF22}"/>
+                  </a:ext>
+                </a:extLst>
+              </p14:cNvPr>
+              <p14:cNvContentPartPr/>
+              <p14:nvPr/>
+            </p14:nvContentPartPr>
+            <p14:xfrm>
+              <a:off x="1060059" y="403889"/>
+              <a:ext cx="360" cy="360"/>
+            </p14:xfrm>
+          </p:contentPart>
+        </mc:Choice>
+        <mc:Fallback xmlns="">
+          <p:pic>
+            <p:nvPicPr>
+              <p:cNvPr id="11" name="잉크 10">
+                <a:extLst>
+                  <a:ext uri="{FF2B5EF4-FFF2-40B4-BE49-F238E27FC236}">
+                    <a16:creationId xmlns:a16="http://schemas.microsoft.com/office/drawing/2014/main" id="{2FA3A5A6-FCF1-B5FC-2CCA-6B5EE84CBF22}"/>
+                  </a:ext>
+                </a:extLst>
+              </p:cNvPr>
+              <p:cNvPicPr/>
+              <p:nvPr/>
+            </p:nvPicPr>
+            <p:blipFill>
+              <a:blip r:embed="rId3"/>
+              <a:stretch>
+                <a:fillRect/>
+              </a:stretch>
+            </p:blipFill>
+            <p:spPr>
+              <a:xfrm>
+                <a:off x="1055739" y="399569"/>
+                <a:ext cx="9000" cy="9000"/>
+              </a:xfrm>
+              <a:prstGeom prst="rect">
+                <a:avLst/>
+              </a:prstGeom>
+            </p:spPr>
+          </p:pic>
+        </mc:Fallback>
+      </mc:AlternateContent>
+      <p:pic>
+        <p:nvPicPr>
+          <p:cNvPr id="15" name="그림 14">
+            <a:extLst>
+              <a:ext uri="{FF2B5EF4-FFF2-40B4-BE49-F238E27FC236}">
+                <a16:creationId xmlns:a16="http://schemas.microsoft.com/office/drawing/2014/main" id="{D7583B65-4C9E-F4CB-B2FE-49AD91698BB0}"/>
+              </a:ext>
+            </a:extLst>
+          </p:cNvPr>
+          <p:cNvPicPr>
+            <a:picLocks noChangeAspect="1"/>
+          </p:cNvPicPr>
+          <p:nvPr/>
+        </p:nvPicPr>
+        <p:blipFill>
+          <a:blip r:embed="rId6"/>
+          <a:stretch>
+            <a:fillRect/>
+          </a:stretch>
+        </p:blipFill>
+        <p:spPr>
+          <a:xfrm>
+            <a:off x="4934721" y="2048036"/>
+            <a:ext cx="3621270" cy="3371527"/>
+          </a:xfrm>
+          <a:prstGeom prst="rect">
+            <a:avLst/>
+          </a:prstGeom>
+        </p:spPr>
+      </p:pic>
+      <p:pic>
+        <p:nvPicPr>
+          <p:cNvPr id="6" name="그림 5">
+            <a:extLst>
+              <a:ext uri="{FF2B5EF4-FFF2-40B4-BE49-F238E27FC236}">
+                <a16:creationId xmlns:a16="http://schemas.microsoft.com/office/drawing/2014/main" id="{55F52074-6032-B755-C759-55D133CE4B75}"/>
+              </a:ext>
+            </a:extLst>
+          </p:cNvPr>
+          <p:cNvPicPr>
+            <a:picLocks noChangeAspect="1"/>
+          </p:cNvPicPr>
+          <p:nvPr/>
+        </p:nvPicPr>
+        <p:blipFill>
+          <a:blip r:embed="rId7"/>
+          <a:stretch>
+            <a:fillRect/>
+          </a:stretch>
+        </p:blipFill>
+        <p:spPr>
+          <a:xfrm>
+            <a:off x="588009" y="2466909"/>
+            <a:ext cx="3899100" cy="2533780"/>
+          </a:xfrm>
+          <a:prstGeom prst="rect">
+            <a:avLst/>
+          </a:prstGeom>
+        </p:spPr>
+      </p:pic>
+    </p:spTree>
+    <p:extLst>
+      <p:ext uri="{BB962C8B-B14F-4D97-AF65-F5344CB8AC3E}">
+        <p14:creationId xmlns:p14="http://schemas.microsoft.com/office/powerpoint/2010/main" val="416672266"/>
+      </p:ext>
+    </p:extLst>
+  </p:cSld>
+  <p:clrMapOvr>
+    <a:masterClrMapping/>
+  </p:clrMapOvr>
+</p:sld>
+</file>
+
+<file path=ppt/slides/slide25.xml><?xml version="1.0" encoding="utf-8"?>
+<p:sld xmlns:a="http://schemas.openxmlformats.org/drawingml/2006/main" xmlns:r="http://schemas.openxmlformats.org/officeDocument/2006/relationships" xmlns:p="http://schemas.openxmlformats.org/presentationml/2006/main">
+  <p:cSld>
+    <p:spTree>
+      <p:nvGrpSpPr>
+        <p:cNvPr id="1" name=""/>
+        <p:cNvGrpSpPr/>
+        <p:nvPr/>
+      </p:nvGrpSpPr>
+      <p:grpSpPr>
+        <a:xfrm>
+          <a:off x="0" y="0"/>
+          <a:ext cx="0" cy="0"/>
+          <a:chOff x="0" y="0"/>
+          <a:chExt cx="0" cy="0"/>
+        </a:xfrm>
+      </p:grpSpPr>
+      <p:sp>
+        <p:nvSpPr>
+          <p:cNvPr id="2" name="제목 1">
+            <a:extLst>
+              <a:ext uri="{FF2B5EF4-FFF2-40B4-BE49-F238E27FC236}">
+                <a16:creationId xmlns:a16="http://schemas.microsoft.com/office/drawing/2014/main" id="{32A4EF47-FCCA-4723-AF28-1B2DE76CE7E9}"/>
+              </a:ext>
+            </a:extLst>
+          </p:cNvPr>
+          <p:cNvSpPr>
+            <a:spLocks noGrp="1"/>
+          </p:cNvSpPr>
+          <p:nvPr>
+            <p:ph type="title"/>
+          </p:nvPr>
+        </p:nvSpPr>
+        <p:spPr/>
+        <p:txBody>
+          <a:bodyPr>
+            <a:normAutofit fontScale="90000"/>
+          </a:bodyPr>
+          <a:lstStyle/>
+          <a:p>
+            <a:r>
+              <a:rPr lang="en-US" altLang="ko-KR" dirty="0" err="1"/>
+              <a:t>eXAMPLE</a:t>
+            </a:r>
+            <a:endParaRPr lang="ko-KR" altLang="en-US" dirty="0"/>
+          </a:p>
+        </p:txBody>
+      </p:sp>
+      <p:sp>
+        <p:nvSpPr>
+          <p:cNvPr id="3" name="내용 개체 틀 2">
+            <a:extLst>
+              <a:ext uri="{FF2B5EF4-FFF2-40B4-BE49-F238E27FC236}">
+                <a16:creationId xmlns:a16="http://schemas.microsoft.com/office/drawing/2014/main" id="{25774E92-9B95-4123-B29D-F5E0D6956FCA}"/>
+              </a:ext>
+            </a:extLst>
+          </p:cNvPr>
+          <p:cNvSpPr>
+            <a:spLocks noGrp="1"/>
+          </p:cNvSpPr>
+          <p:nvPr>
+            <p:ph idx="1"/>
+          </p:nvPr>
+        </p:nvSpPr>
+        <p:spPr/>
+        <p:txBody>
+          <a:bodyPr>
+            <a:normAutofit/>
+          </a:bodyPr>
+          <a:lstStyle/>
+          <a:p>
+            <a:r>
+              <a:rPr lang="en-US" altLang="ko-KR" sz="2000" dirty="0"/>
+              <a:t>Lung nodule segmentation</a:t>
+            </a:r>
+            <a:endParaRPr lang="ko-KR" altLang="en-US" sz="1700" dirty="0"/>
+          </a:p>
+        </p:txBody>
+      </p:sp>
+      <p:grpSp>
+        <p:nvGrpSpPr>
+          <p:cNvPr id="12" name="그룹 11">
+            <a:extLst>
+              <a:ext uri="{FF2B5EF4-FFF2-40B4-BE49-F238E27FC236}">
+                <a16:creationId xmlns:a16="http://schemas.microsoft.com/office/drawing/2014/main" id="{E942E7E4-9789-85F8-2EB0-524DBF27D870}"/>
+              </a:ext>
+            </a:extLst>
+          </p:cNvPr>
+          <p:cNvGrpSpPr/>
+          <p:nvPr/>
+        </p:nvGrpSpPr>
+        <p:grpSpPr>
+          <a:xfrm>
+            <a:off x="1093179" y="298049"/>
+            <a:ext cx="360" cy="360"/>
+            <a:chOff x="1093179" y="298049"/>
+            <a:chExt cx="360" cy="360"/>
+          </a:xfrm>
+        </p:grpSpPr>
+        <mc:AlternateContent xmlns:mc="http://schemas.openxmlformats.org/markup-compatibility/2006" xmlns:p14="http://schemas.microsoft.com/office/powerpoint/2010/main">
+          <mc:Choice Requires="p14">
+            <p:contentPart p14:bwMode="auto" r:id="rId2">
+              <p14:nvContentPartPr>
+                <p14:cNvPr id="5" name="잉크 4">
+                  <a:extLst>
+                    <a:ext uri="{FF2B5EF4-FFF2-40B4-BE49-F238E27FC236}">
+                      <a16:creationId xmlns:a16="http://schemas.microsoft.com/office/drawing/2014/main" id="{262703B4-103C-25F5-7E09-1A07E71BDF46}"/>
+                    </a:ext>
+                  </a:extLst>
+                </p14:cNvPr>
+                <p14:cNvContentPartPr/>
+                <p14:nvPr/>
+              </p14:nvContentPartPr>
+              <p14:xfrm>
+                <a:off x="1093179" y="298049"/>
+                <a:ext cx="360" cy="360"/>
+              </p14:xfrm>
+            </p:contentPart>
+          </mc:Choice>
+          <mc:Fallback xmlns="">
+            <p:pic>
+              <p:nvPicPr>
+                <p:cNvPr id="5" name="잉크 4">
+                  <a:extLst>
+                    <a:ext uri="{FF2B5EF4-FFF2-40B4-BE49-F238E27FC236}">
+                      <a16:creationId xmlns:a16="http://schemas.microsoft.com/office/drawing/2014/main" id="{262703B4-103C-25F5-7E09-1A07E71BDF46}"/>
+                    </a:ext>
+                  </a:extLst>
+                </p:cNvPr>
+                <p:cNvPicPr/>
+                <p:nvPr/>
+              </p:nvPicPr>
+              <p:blipFill>
+                <a:blip r:embed="rId3"/>
+                <a:stretch>
+                  <a:fillRect/>
+                </a:stretch>
+              </p:blipFill>
+              <p:spPr>
+                <a:xfrm>
+                  <a:off x="1088859" y="293729"/>
+                  <a:ext cx="9000" cy="9000"/>
+                </a:xfrm>
+                <a:prstGeom prst="rect">
+                  <a:avLst/>
+                </a:prstGeom>
+              </p:spPr>
+            </p:pic>
+          </mc:Fallback>
+        </mc:AlternateContent>
+        <mc:AlternateContent xmlns:mc="http://schemas.openxmlformats.org/markup-compatibility/2006" xmlns:p14="http://schemas.microsoft.com/office/powerpoint/2010/main">
+          <mc:Choice Requires="p14">
+            <p:contentPart p14:bwMode="auto" r:id="rId4">
+              <p14:nvContentPartPr>
+                <p14:cNvPr id="10" name="잉크 9">
+                  <a:extLst>
+                    <a:ext uri="{FF2B5EF4-FFF2-40B4-BE49-F238E27FC236}">
+                      <a16:creationId xmlns:a16="http://schemas.microsoft.com/office/drawing/2014/main" id="{E634F4EF-5F2B-3622-B284-CACFAD3EE5DA}"/>
+                    </a:ext>
+                  </a:extLst>
+                </p14:cNvPr>
+                <p14:cNvContentPartPr/>
+                <p14:nvPr/>
+              </p14:nvContentPartPr>
+              <p14:xfrm>
+                <a:off x="1093179" y="298049"/>
+                <a:ext cx="360" cy="360"/>
+              </p14:xfrm>
+            </p:contentPart>
+          </mc:Choice>
+          <mc:Fallback xmlns="">
+            <p:pic>
+              <p:nvPicPr>
+                <p:cNvPr id="10" name="잉크 9">
+                  <a:extLst>
+                    <a:ext uri="{FF2B5EF4-FFF2-40B4-BE49-F238E27FC236}">
+                      <a16:creationId xmlns:a16="http://schemas.microsoft.com/office/drawing/2014/main" id="{E634F4EF-5F2B-3622-B284-CACFAD3EE5DA}"/>
+                    </a:ext>
+                  </a:extLst>
+                </p:cNvPr>
+                <p:cNvPicPr/>
+                <p:nvPr/>
+              </p:nvPicPr>
+              <p:blipFill>
+                <a:blip r:embed="rId3"/>
+                <a:stretch>
+                  <a:fillRect/>
+                </a:stretch>
+              </p:blipFill>
+              <p:spPr>
+                <a:xfrm>
+                  <a:off x="1088859" y="293729"/>
+                  <a:ext cx="9000" cy="9000"/>
+                </a:xfrm>
+                <a:prstGeom prst="rect">
+                  <a:avLst/>
+                </a:prstGeom>
+              </p:spPr>
+            </p:pic>
+          </mc:Fallback>
+        </mc:AlternateContent>
+      </p:grpSp>
+      <mc:AlternateContent xmlns:mc="http://schemas.openxmlformats.org/markup-compatibility/2006" xmlns:p14="http://schemas.microsoft.com/office/powerpoint/2010/main">
+        <mc:Choice Requires="p14">
+          <p:contentPart p14:bwMode="auto" r:id="rId5">
+            <p14:nvContentPartPr>
+              <p14:cNvPr id="11" name="잉크 10">
+                <a:extLst>
+                  <a:ext uri="{FF2B5EF4-FFF2-40B4-BE49-F238E27FC236}">
+                    <a16:creationId xmlns:a16="http://schemas.microsoft.com/office/drawing/2014/main" id="{2FA3A5A6-FCF1-B5FC-2CCA-6B5EE84CBF22}"/>
+                  </a:ext>
+                </a:extLst>
+              </p14:cNvPr>
+              <p14:cNvContentPartPr/>
+              <p14:nvPr/>
+            </p14:nvContentPartPr>
+            <p14:xfrm>
+              <a:off x="1060059" y="403889"/>
+              <a:ext cx="360" cy="360"/>
+            </p14:xfrm>
+          </p:contentPart>
+        </mc:Choice>
+        <mc:Fallback xmlns="">
+          <p:pic>
+            <p:nvPicPr>
+              <p:cNvPr id="11" name="잉크 10">
+                <a:extLst>
+                  <a:ext uri="{FF2B5EF4-FFF2-40B4-BE49-F238E27FC236}">
+                    <a16:creationId xmlns:a16="http://schemas.microsoft.com/office/drawing/2014/main" id="{2FA3A5A6-FCF1-B5FC-2CCA-6B5EE84CBF22}"/>
+                  </a:ext>
+                </a:extLst>
+              </p:cNvPr>
+              <p:cNvPicPr/>
+              <p:nvPr/>
+            </p:nvPicPr>
+            <p:blipFill>
+              <a:blip r:embed="rId3"/>
+              <a:stretch>
+                <a:fillRect/>
+              </a:stretch>
+            </p:blipFill>
+            <p:spPr>
+              <a:xfrm>
+                <a:off x="1055739" y="399569"/>
+                <a:ext cx="9000" cy="9000"/>
+              </a:xfrm>
+              <a:prstGeom prst="rect">
+                <a:avLst/>
+              </a:prstGeom>
+            </p:spPr>
+          </p:pic>
+        </mc:Fallback>
+      </mc:AlternateContent>
+      <p:pic>
+        <p:nvPicPr>
+          <p:cNvPr id="17" name="그림 16">
+            <a:extLst>
+              <a:ext uri="{FF2B5EF4-FFF2-40B4-BE49-F238E27FC236}">
+                <a16:creationId xmlns:a16="http://schemas.microsoft.com/office/drawing/2014/main" id="{1C466CE9-0A98-3F37-2C86-FC5039DF4529}"/>
+              </a:ext>
+            </a:extLst>
+          </p:cNvPr>
+          <p:cNvPicPr>
+            <a:picLocks noChangeAspect="1"/>
+          </p:cNvPicPr>
+          <p:nvPr/>
+        </p:nvPicPr>
+        <p:blipFill>
+          <a:blip r:embed="rId6"/>
+          <a:stretch>
+            <a:fillRect/>
+          </a:stretch>
+        </p:blipFill>
+        <p:spPr>
+          <a:xfrm>
+            <a:off x="1179443" y="2071807"/>
+            <a:ext cx="6785113" cy="4201603"/>
+          </a:xfrm>
+          <a:prstGeom prst="rect">
+            <a:avLst/>
+          </a:prstGeom>
+        </p:spPr>
+      </p:pic>
+    </p:spTree>
+    <p:extLst>
+      <p:ext uri="{BB962C8B-B14F-4D97-AF65-F5344CB8AC3E}">
+        <p14:creationId xmlns:p14="http://schemas.microsoft.com/office/powerpoint/2010/main" val="2950139559"/>
+      </p:ext>
+    </p:extLst>
+  </p:cSld>
+  <p:clrMapOvr>
+    <a:masterClrMapping/>
+  </p:clrMapOvr>
+</p:sld>
+</file>
+
+<file path=ppt/slides/slide26.xml><?xml version="1.0" encoding="utf-8"?>
+<p:sld xmlns:a="http://schemas.openxmlformats.org/drawingml/2006/main" xmlns:r="http://schemas.openxmlformats.org/officeDocument/2006/relationships" xmlns:p="http://schemas.openxmlformats.org/presentationml/2006/main">
+  <p:cSld>
+    <p:spTree>
+      <p:nvGrpSpPr>
+        <p:cNvPr id="1" name=""/>
+        <p:cNvGrpSpPr/>
+        <p:nvPr/>
+      </p:nvGrpSpPr>
+      <p:grpSpPr>
+        <a:xfrm>
+          <a:off x="0" y="0"/>
+          <a:ext cx="0" cy="0"/>
+          <a:chOff x="0" y="0"/>
+          <a:chExt cx="0" cy="0"/>
+        </a:xfrm>
+      </p:grpSpPr>
+      <p:sp>
+        <p:nvSpPr>
+          <p:cNvPr id="2" name="제목 1">
+            <a:extLst>
+              <a:ext uri="{FF2B5EF4-FFF2-40B4-BE49-F238E27FC236}">
+                <a16:creationId xmlns:a16="http://schemas.microsoft.com/office/drawing/2014/main" id="{32A4EF47-FCCA-4723-AF28-1B2DE76CE7E9}"/>
+              </a:ext>
+            </a:extLst>
+          </p:cNvPr>
+          <p:cNvSpPr>
+            <a:spLocks noGrp="1"/>
+          </p:cNvSpPr>
+          <p:nvPr>
+            <p:ph type="title"/>
+          </p:nvPr>
+        </p:nvSpPr>
+        <p:spPr/>
+        <p:txBody>
+          <a:bodyPr>
+            <a:normAutofit fontScale="90000"/>
+          </a:bodyPr>
+          <a:lstStyle/>
+          <a:p>
+            <a:r>
+              <a:rPr lang="en-US" altLang="ko-KR" dirty="0" err="1"/>
+              <a:t>eXAMPLE</a:t>
+            </a:r>
+            <a:endParaRPr lang="ko-KR" altLang="en-US" dirty="0"/>
+          </a:p>
+        </p:txBody>
+      </p:sp>
+      <p:sp>
+        <p:nvSpPr>
+          <p:cNvPr id="3" name="내용 개체 틀 2">
+            <a:extLst>
+              <a:ext uri="{FF2B5EF4-FFF2-40B4-BE49-F238E27FC236}">
+                <a16:creationId xmlns:a16="http://schemas.microsoft.com/office/drawing/2014/main" id="{25774E92-9B95-4123-B29D-F5E0D6956FCA}"/>
+              </a:ext>
+            </a:extLst>
+          </p:cNvPr>
+          <p:cNvSpPr>
+            <a:spLocks noGrp="1"/>
+          </p:cNvSpPr>
+          <p:nvPr>
+            <p:ph idx="1"/>
+          </p:nvPr>
+        </p:nvSpPr>
+        <p:spPr/>
+        <p:txBody>
+          <a:bodyPr>
+            <a:normAutofit/>
+          </a:bodyPr>
+          <a:lstStyle/>
+          <a:p>
+            <a:r>
+              <a:rPr lang="en-US" altLang="ko-KR" sz="2000" dirty="0"/>
+              <a:t>Lung nodule segmentation</a:t>
+            </a:r>
+            <a:endParaRPr lang="ko-KR" altLang="en-US" sz="1700" dirty="0"/>
+          </a:p>
+        </p:txBody>
+      </p:sp>
+      <p:grpSp>
+        <p:nvGrpSpPr>
+          <p:cNvPr id="12" name="그룹 11">
+            <a:extLst>
+              <a:ext uri="{FF2B5EF4-FFF2-40B4-BE49-F238E27FC236}">
+                <a16:creationId xmlns:a16="http://schemas.microsoft.com/office/drawing/2014/main" id="{E942E7E4-9789-85F8-2EB0-524DBF27D870}"/>
+              </a:ext>
+            </a:extLst>
+          </p:cNvPr>
+          <p:cNvGrpSpPr/>
+          <p:nvPr/>
+        </p:nvGrpSpPr>
+        <p:grpSpPr>
+          <a:xfrm>
+            <a:off x="1093179" y="298049"/>
+            <a:ext cx="360" cy="360"/>
+            <a:chOff x="1093179" y="298049"/>
+            <a:chExt cx="360" cy="360"/>
+          </a:xfrm>
+        </p:grpSpPr>
+        <mc:AlternateContent xmlns:mc="http://schemas.openxmlformats.org/markup-compatibility/2006" xmlns:p14="http://schemas.microsoft.com/office/powerpoint/2010/main">
+          <mc:Choice Requires="p14">
+            <p:contentPart p14:bwMode="auto" r:id="rId2">
+              <p14:nvContentPartPr>
+                <p14:cNvPr id="5" name="잉크 4">
+                  <a:extLst>
+                    <a:ext uri="{FF2B5EF4-FFF2-40B4-BE49-F238E27FC236}">
+                      <a16:creationId xmlns:a16="http://schemas.microsoft.com/office/drawing/2014/main" id="{262703B4-103C-25F5-7E09-1A07E71BDF46}"/>
+                    </a:ext>
+                  </a:extLst>
+                </p14:cNvPr>
+                <p14:cNvContentPartPr/>
+                <p14:nvPr/>
+              </p14:nvContentPartPr>
+              <p14:xfrm>
+                <a:off x="1093179" y="298049"/>
+                <a:ext cx="360" cy="360"/>
+              </p14:xfrm>
+            </p:contentPart>
+          </mc:Choice>
+          <mc:Fallback xmlns="">
+            <p:pic>
+              <p:nvPicPr>
+                <p:cNvPr id="5" name="잉크 4">
+                  <a:extLst>
+                    <a:ext uri="{FF2B5EF4-FFF2-40B4-BE49-F238E27FC236}">
+                      <a16:creationId xmlns:a16="http://schemas.microsoft.com/office/drawing/2014/main" id="{262703B4-103C-25F5-7E09-1A07E71BDF46}"/>
+                    </a:ext>
+                  </a:extLst>
+                </p:cNvPr>
+                <p:cNvPicPr/>
+                <p:nvPr/>
+              </p:nvPicPr>
+              <p:blipFill>
+                <a:blip r:embed="rId3"/>
+                <a:stretch>
+                  <a:fillRect/>
+                </a:stretch>
+              </p:blipFill>
+              <p:spPr>
+                <a:xfrm>
+                  <a:off x="1088859" y="293729"/>
+                  <a:ext cx="9000" cy="9000"/>
+                </a:xfrm>
+                <a:prstGeom prst="rect">
+                  <a:avLst/>
+                </a:prstGeom>
+              </p:spPr>
+            </p:pic>
+          </mc:Fallback>
+        </mc:AlternateContent>
+        <mc:AlternateContent xmlns:mc="http://schemas.openxmlformats.org/markup-compatibility/2006" xmlns:p14="http://schemas.microsoft.com/office/powerpoint/2010/main">
+          <mc:Choice Requires="p14">
+            <p:contentPart p14:bwMode="auto" r:id="rId4">
+              <p14:nvContentPartPr>
+                <p14:cNvPr id="10" name="잉크 9">
+                  <a:extLst>
+                    <a:ext uri="{FF2B5EF4-FFF2-40B4-BE49-F238E27FC236}">
+                      <a16:creationId xmlns:a16="http://schemas.microsoft.com/office/drawing/2014/main" id="{E634F4EF-5F2B-3622-B284-CACFAD3EE5DA}"/>
+                    </a:ext>
+                  </a:extLst>
+                </p14:cNvPr>
+                <p14:cNvContentPartPr/>
+                <p14:nvPr/>
+              </p14:nvContentPartPr>
+              <p14:xfrm>
+                <a:off x="1093179" y="298049"/>
+                <a:ext cx="360" cy="360"/>
+              </p14:xfrm>
+            </p:contentPart>
+          </mc:Choice>
+          <mc:Fallback xmlns="">
+            <p:pic>
+              <p:nvPicPr>
+                <p:cNvPr id="10" name="잉크 9">
+                  <a:extLst>
+                    <a:ext uri="{FF2B5EF4-FFF2-40B4-BE49-F238E27FC236}">
+                      <a16:creationId xmlns:a16="http://schemas.microsoft.com/office/drawing/2014/main" id="{E634F4EF-5F2B-3622-B284-CACFAD3EE5DA}"/>
+                    </a:ext>
+                  </a:extLst>
+                </p:cNvPr>
+                <p:cNvPicPr/>
+                <p:nvPr/>
+              </p:nvPicPr>
+              <p:blipFill>
+                <a:blip r:embed="rId3"/>
+                <a:stretch>
+                  <a:fillRect/>
+                </a:stretch>
+              </p:blipFill>
+              <p:spPr>
+                <a:xfrm>
+                  <a:off x="1088859" y="293729"/>
+                  <a:ext cx="9000" cy="9000"/>
+                </a:xfrm>
+                <a:prstGeom prst="rect">
+                  <a:avLst/>
+                </a:prstGeom>
+              </p:spPr>
+            </p:pic>
+          </mc:Fallback>
+        </mc:AlternateContent>
+      </p:grpSp>
+      <mc:AlternateContent xmlns:mc="http://schemas.openxmlformats.org/markup-compatibility/2006" xmlns:p14="http://schemas.microsoft.com/office/powerpoint/2010/main">
+        <mc:Choice Requires="p14">
+          <p:contentPart p14:bwMode="auto" r:id="rId5">
+            <p14:nvContentPartPr>
+              <p14:cNvPr id="11" name="잉크 10">
+                <a:extLst>
+                  <a:ext uri="{FF2B5EF4-FFF2-40B4-BE49-F238E27FC236}">
+                    <a16:creationId xmlns:a16="http://schemas.microsoft.com/office/drawing/2014/main" id="{2FA3A5A6-FCF1-B5FC-2CCA-6B5EE84CBF22}"/>
+                  </a:ext>
+                </a:extLst>
+              </p14:cNvPr>
+              <p14:cNvContentPartPr/>
+              <p14:nvPr/>
+            </p14:nvContentPartPr>
+            <p14:xfrm>
+              <a:off x="1060059" y="403889"/>
+              <a:ext cx="360" cy="360"/>
+            </p14:xfrm>
+          </p:contentPart>
+        </mc:Choice>
+        <mc:Fallback xmlns="">
+          <p:pic>
+            <p:nvPicPr>
+              <p:cNvPr id="11" name="잉크 10">
+                <a:extLst>
+                  <a:ext uri="{FF2B5EF4-FFF2-40B4-BE49-F238E27FC236}">
+                    <a16:creationId xmlns:a16="http://schemas.microsoft.com/office/drawing/2014/main" id="{2FA3A5A6-FCF1-B5FC-2CCA-6B5EE84CBF22}"/>
+                  </a:ext>
+                </a:extLst>
+              </p:cNvPr>
+              <p:cNvPicPr/>
+              <p:nvPr/>
+            </p:nvPicPr>
+            <p:blipFill>
+              <a:blip r:embed="rId3"/>
+              <a:stretch>
+                <a:fillRect/>
+              </a:stretch>
+            </p:blipFill>
+            <p:spPr>
+              <a:xfrm>
+                <a:off x="1055739" y="399569"/>
+                <a:ext cx="9000" cy="9000"/>
+              </a:xfrm>
+              <a:prstGeom prst="rect">
+                <a:avLst/>
+              </a:prstGeom>
+            </p:spPr>
+          </p:pic>
+        </mc:Fallback>
+      </mc:AlternateContent>
+      <p:pic>
+        <p:nvPicPr>
+          <p:cNvPr id="6" name="그림 5">
+            <a:extLst>
+              <a:ext uri="{FF2B5EF4-FFF2-40B4-BE49-F238E27FC236}">
+                <a16:creationId xmlns:a16="http://schemas.microsoft.com/office/drawing/2014/main" id="{0F7145AC-F678-9E0B-B93A-71D14B2E3FF0}"/>
+              </a:ext>
+            </a:extLst>
+          </p:cNvPr>
+          <p:cNvPicPr>
+            <a:picLocks noChangeAspect="1"/>
+          </p:cNvPicPr>
+          <p:nvPr/>
+        </p:nvPicPr>
+        <p:blipFill>
+          <a:blip r:embed="rId6"/>
+          <a:stretch>
+            <a:fillRect/>
+          </a:stretch>
+        </p:blipFill>
+        <p:spPr>
+          <a:xfrm>
+            <a:off x="64810" y="2835698"/>
+            <a:ext cx="4328949" cy="2107364"/>
+          </a:xfrm>
+          <a:prstGeom prst="rect">
+            <a:avLst/>
+          </a:prstGeom>
+        </p:spPr>
+      </p:pic>
+      <p:pic>
+        <p:nvPicPr>
+          <p:cNvPr id="9" name="그림 8">
+            <a:extLst>
+              <a:ext uri="{FF2B5EF4-FFF2-40B4-BE49-F238E27FC236}">
+                <a16:creationId xmlns:a16="http://schemas.microsoft.com/office/drawing/2014/main" id="{37C712B1-D7E0-29DD-39C6-278865DF5091}"/>
+              </a:ext>
+            </a:extLst>
+          </p:cNvPr>
+          <p:cNvPicPr>
+            <a:picLocks noChangeAspect="1"/>
+          </p:cNvPicPr>
+          <p:nvPr/>
+        </p:nvPicPr>
+        <p:blipFill>
+          <a:blip r:embed="rId7"/>
+          <a:stretch>
+            <a:fillRect/>
+          </a:stretch>
+        </p:blipFill>
+        <p:spPr>
+          <a:xfrm>
+            <a:off x="4499704" y="2501796"/>
+            <a:ext cx="4511775" cy="2775168"/>
+          </a:xfrm>
+          <a:prstGeom prst="rect">
+            <a:avLst/>
+          </a:prstGeom>
+        </p:spPr>
+      </p:pic>
+      <p:pic>
+        <p:nvPicPr>
+          <p:cNvPr id="14" name="그림 13">
+            <a:extLst>
+              <a:ext uri="{FF2B5EF4-FFF2-40B4-BE49-F238E27FC236}">
+                <a16:creationId xmlns:a16="http://schemas.microsoft.com/office/drawing/2014/main" id="{EF6BEE36-4604-72ED-9197-0E5E78D68A8B}"/>
+              </a:ext>
+            </a:extLst>
+          </p:cNvPr>
+          <p:cNvPicPr>
+            <a:picLocks noChangeAspect="1"/>
+          </p:cNvPicPr>
+          <p:nvPr/>
+        </p:nvPicPr>
+        <p:blipFill rotWithShape="1">
+          <a:blip r:embed="rId8"/>
+          <a:srcRect l="36200" t="51463"/>
+          <a:stretch/>
+        </p:blipFill>
+        <p:spPr>
+          <a:xfrm>
+            <a:off x="4516614" y="139148"/>
+            <a:ext cx="4328948" cy="2039340"/>
+          </a:xfrm>
+          <a:prstGeom prst="rect">
+            <a:avLst/>
+          </a:prstGeom>
+        </p:spPr>
+      </p:pic>
+    </p:spTree>
+    <p:extLst>
+      <p:ext uri="{BB962C8B-B14F-4D97-AF65-F5344CB8AC3E}">
+        <p14:creationId xmlns:p14="http://schemas.microsoft.com/office/powerpoint/2010/main" val="3475179219"/>
+      </p:ext>
+    </p:extLst>
+  </p:cSld>
+  <p:clrMapOvr>
+    <a:masterClrMapping/>
+  </p:clrMapOvr>
+</p:sld>
+</file>
+
+<file path=ppt/slides/slide27.xml><?xml version="1.0" encoding="utf-8"?>
+<p:sld xmlns:a="http://schemas.openxmlformats.org/drawingml/2006/main" xmlns:r="http://schemas.openxmlformats.org/officeDocument/2006/relationships" xmlns:p="http://schemas.openxmlformats.org/presentationml/2006/main">
+  <p:cSld>
+    <p:spTree>
+      <p:nvGrpSpPr>
+        <p:cNvPr id="1" name=""/>
+        <p:cNvGrpSpPr/>
+        <p:nvPr/>
+      </p:nvGrpSpPr>
+      <p:grpSpPr>
+        <a:xfrm>
+          <a:off x="0" y="0"/>
+          <a:ext cx="0" cy="0"/>
+          <a:chOff x="0" y="0"/>
+          <a:chExt cx="0" cy="0"/>
+        </a:xfrm>
+      </p:grpSpPr>
+      <p:sp>
+        <p:nvSpPr>
+          <p:cNvPr id="2" name="제목 1">
+            <a:extLst>
+              <a:ext uri="{FF2B5EF4-FFF2-40B4-BE49-F238E27FC236}">
+                <a16:creationId xmlns:a16="http://schemas.microsoft.com/office/drawing/2014/main" id="{32A4EF47-FCCA-4723-AF28-1B2DE76CE7E9}"/>
+              </a:ext>
+            </a:extLst>
+          </p:cNvPr>
+          <p:cNvSpPr>
+            <a:spLocks noGrp="1"/>
+          </p:cNvSpPr>
+          <p:nvPr>
+            <p:ph type="title"/>
+          </p:nvPr>
+        </p:nvSpPr>
+        <p:spPr/>
+        <p:txBody>
+          <a:bodyPr>
+            <a:normAutofit fontScale="90000"/>
+          </a:bodyPr>
+          <a:lstStyle/>
+          <a:p>
+            <a:r>
+              <a:rPr lang="en-US" altLang="ko-KR" dirty="0" err="1"/>
+              <a:t>eXAMPLE</a:t>
+            </a:r>
+            <a:endParaRPr lang="ko-KR" altLang="en-US" dirty="0"/>
+          </a:p>
+        </p:txBody>
+      </p:sp>
+      <p:sp>
+        <p:nvSpPr>
+          <p:cNvPr id="3" name="내용 개체 틀 2">
+            <a:extLst>
+              <a:ext uri="{FF2B5EF4-FFF2-40B4-BE49-F238E27FC236}">
+                <a16:creationId xmlns:a16="http://schemas.microsoft.com/office/drawing/2014/main" id="{25774E92-9B95-4123-B29D-F5E0D6956FCA}"/>
+              </a:ext>
+            </a:extLst>
+          </p:cNvPr>
+          <p:cNvSpPr>
+            <a:spLocks noGrp="1"/>
+          </p:cNvSpPr>
+          <p:nvPr>
+            <p:ph idx="1"/>
+          </p:nvPr>
+        </p:nvSpPr>
+        <p:spPr/>
+        <p:txBody>
+          <a:bodyPr>
+            <a:normAutofit/>
+          </a:bodyPr>
+          <a:lstStyle/>
+          <a:p>
+            <a:r>
+              <a:rPr lang="en-US" altLang="ko-KR" sz="2000" dirty="0"/>
+              <a:t>Lung nodule segmentation</a:t>
+            </a:r>
+            <a:endParaRPr lang="ko-KR" altLang="en-US" sz="1700" dirty="0"/>
+          </a:p>
+        </p:txBody>
+      </p:sp>
+      <p:grpSp>
+        <p:nvGrpSpPr>
+          <p:cNvPr id="12" name="그룹 11">
+            <a:extLst>
+              <a:ext uri="{FF2B5EF4-FFF2-40B4-BE49-F238E27FC236}">
+                <a16:creationId xmlns:a16="http://schemas.microsoft.com/office/drawing/2014/main" id="{E942E7E4-9789-85F8-2EB0-524DBF27D870}"/>
+              </a:ext>
+            </a:extLst>
+          </p:cNvPr>
+          <p:cNvGrpSpPr/>
+          <p:nvPr/>
+        </p:nvGrpSpPr>
+        <p:grpSpPr>
+          <a:xfrm>
+            <a:off x="1093179" y="298049"/>
+            <a:ext cx="360" cy="360"/>
+            <a:chOff x="1093179" y="298049"/>
+            <a:chExt cx="360" cy="360"/>
+          </a:xfrm>
+        </p:grpSpPr>
+        <mc:AlternateContent xmlns:mc="http://schemas.openxmlformats.org/markup-compatibility/2006" xmlns:p14="http://schemas.microsoft.com/office/powerpoint/2010/main">
+          <mc:Choice Requires="p14">
+            <p:contentPart p14:bwMode="auto" r:id="rId2">
+              <p14:nvContentPartPr>
+                <p14:cNvPr id="5" name="잉크 4">
+                  <a:extLst>
+                    <a:ext uri="{FF2B5EF4-FFF2-40B4-BE49-F238E27FC236}">
+                      <a16:creationId xmlns:a16="http://schemas.microsoft.com/office/drawing/2014/main" id="{262703B4-103C-25F5-7E09-1A07E71BDF46}"/>
+                    </a:ext>
+                  </a:extLst>
+                </p14:cNvPr>
+                <p14:cNvContentPartPr/>
+                <p14:nvPr/>
+              </p14:nvContentPartPr>
+              <p14:xfrm>
+                <a:off x="1093179" y="298049"/>
+                <a:ext cx="360" cy="360"/>
+              </p14:xfrm>
+            </p:contentPart>
+          </mc:Choice>
+          <mc:Fallback xmlns="">
+            <p:pic>
+              <p:nvPicPr>
+                <p:cNvPr id="5" name="잉크 4">
+                  <a:extLst>
+                    <a:ext uri="{FF2B5EF4-FFF2-40B4-BE49-F238E27FC236}">
+                      <a16:creationId xmlns:a16="http://schemas.microsoft.com/office/drawing/2014/main" id="{262703B4-103C-25F5-7E09-1A07E71BDF46}"/>
+                    </a:ext>
+                  </a:extLst>
+                </p:cNvPr>
+                <p:cNvPicPr/>
+                <p:nvPr/>
+              </p:nvPicPr>
+              <p:blipFill>
+                <a:blip r:embed="rId3"/>
+                <a:stretch>
+                  <a:fillRect/>
+                </a:stretch>
+              </p:blipFill>
+              <p:spPr>
+                <a:xfrm>
+                  <a:off x="1088859" y="293729"/>
+                  <a:ext cx="9000" cy="9000"/>
+                </a:xfrm>
+                <a:prstGeom prst="rect">
+                  <a:avLst/>
+                </a:prstGeom>
+              </p:spPr>
+            </p:pic>
+          </mc:Fallback>
+        </mc:AlternateContent>
+        <mc:AlternateContent xmlns:mc="http://schemas.openxmlformats.org/markup-compatibility/2006" xmlns:p14="http://schemas.microsoft.com/office/powerpoint/2010/main">
+          <mc:Choice Requires="p14">
+            <p:contentPart p14:bwMode="auto" r:id="rId4">
+              <p14:nvContentPartPr>
+                <p14:cNvPr id="10" name="잉크 9">
+                  <a:extLst>
+                    <a:ext uri="{FF2B5EF4-FFF2-40B4-BE49-F238E27FC236}">
+                      <a16:creationId xmlns:a16="http://schemas.microsoft.com/office/drawing/2014/main" id="{E634F4EF-5F2B-3622-B284-CACFAD3EE5DA}"/>
+                    </a:ext>
+                  </a:extLst>
+                </p14:cNvPr>
+                <p14:cNvContentPartPr/>
+                <p14:nvPr/>
+              </p14:nvContentPartPr>
+              <p14:xfrm>
+                <a:off x="1093179" y="298049"/>
+                <a:ext cx="360" cy="360"/>
+              </p14:xfrm>
+            </p:contentPart>
+          </mc:Choice>
+          <mc:Fallback xmlns="">
+            <p:pic>
+              <p:nvPicPr>
+                <p:cNvPr id="10" name="잉크 9">
+                  <a:extLst>
+                    <a:ext uri="{FF2B5EF4-FFF2-40B4-BE49-F238E27FC236}">
+                      <a16:creationId xmlns:a16="http://schemas.microsoft.com/office/drawing/2014/main" id="{E634F4EF-5F2B-3622-B284-CACFAD3EE5DA}"/>
+                    </a:ext>
+                  </a:extLst>
+                </p:cNvPr>
+                <p:cNvPicPr/>
+                <p:nvPr/>
+              </p:nvPicPr>
+              <p:blipFill>
+                <a:blip r:embed="rId3"/>
+                <a:stretch>
+                  <a:fillRect/>
+                </a:stretch>
+              </p:blipFill>
+              <p:spPr>
+                <a:xfrm>
+                  <a:off x="1088859" y="293729"/>
+                  <a:ext cx="9000" cy="9000"/>
+                </a:xfrm>
+                <a:prstGeom prst="rect">
+                  <a:avLst/>
+                </a:prstGeom>
+              </p:spPr>
+            </p:pic>
+          </mc:Fallback>
+        </mc:AlternateContent>
+      </p:grpSp>
+      <mc:AlternateContent xmlns:mc="http://schemas.openxmlformats.org/markup-compatibility/2006" xmlns:p14="http://schemas.microsoft.com/office/powerpoint/2010/main">
+        <mc:Choice Requires="p14">
+          <p:contentPart p14:bwMode="auto" r:id="rId5">
+            <p14:nvContentPartPr>
+              <p14:cNvPr id="11" name="잉크 10">
+                <a:extLst>
+                  <a:ext uri="{FF2B5EF4-FFF2-40B4-BE49-F238E27FC236}">
+                    <a16:creationId xmlns:a16="http://schemas.microsoft.com/office/drawing/2014/main" id="{2FA3A5A6-FCF1-B5FC-2CCA-6B5EE84CBF22}"/>
+                  </a:ext>
+                </a:extLst>
+              </p14:cNvPr>
+              <p14:cNvContentPartPr/>
+              <p14:nvPr/>
+            </p14:nvContentPartPr>
+            <p14:xfrm>
+              <a:off x="1060059" y="403889"/>
+              <a:ext cx="360" cy="360"/>
+            </p14:xfrm>
+          </p:contentPart>
+        </mc:Choice>
+        <mc:Fallback xmlns="">
+          <p:pic>
+            <p:nvPicPr>
+              <p:cNvPr id="11" name="잉크 10">
+                <a:extLst>
+                  <a:ext uri="{FF2B5EF4-FFF2-40B4-BE49-F238E27FC236}">
+                    <a16:creationId xmlns:a16="http://schemas.microsoft.com/office/drawing/2014/main" id="{2FA3A5A6-FCF1-B5FC-2CCA-6B5EE84CBF22}"/>
+                  </a:ext>
+                </a:extLst>
+              </p:cNvPr>
+              <p:cNvPicPr/>
+              <p:nvPr/>
+            </p:nvPicPr>
+            <p:blipFill>
+              <a:blip r:embed="rId3"/>
+              <a:stretch>
+                <a:fillRect/>
+              </a:stretch>
+            </p:blipFill>
+            <p:spPr>
+              <a:xfrm>
+                <a:off x="1055739" y="399569"/>
+                <a:ext cx="9000" cy="9000"/>
+              </a:xfrm>
+              <a:prstGeom prst="rect">
+                <a:avLst/>
+              </a:prstGeom>
+            </p:spPr>
+          </p:pic>
+        </mc:Fallback>
+      </mc:AlternateContent>
+      <p:pic>
+        <p:nvPicPr>
+          <p:cNvPr id="8" name="그림 7">
+            <a:extLst>
+              <a:ext uri="{FF2B5EF4-FFF2-40B4-BE49-F238E27FC236}">
+                <a16:creationId xmlns:a16="http://schemas.microsoft.com/office/drawing/2014/main" id="{8332BFDB-8117-382C-FAB1-5786F96443C1}"/>
+              </a:ext>
+            </a:extLst>
+          </p:cNvPr>
+          <p:cNvPicPr>
+            <a:picLocks noChangeAspect="1"/>
+          </p:cNvPicPr>
+          <p:nvPr/>
+        </p:nvPicPr>
+        <p:blipFill>
+          <a:blip r:embed="rId6"/>
+          <a:stretch>
+            <a:fillRect/>
+          </a:stretch>
+        </p:blipFill>
+        <p:spPr>
+          <a:xfrm>
+            <a:off x="152286" y="2742302"/>
+            <a:ext cx="4079420" cy="2368345"/>
+          </a:xfrm>
+          <a:prstGeom prst="rect">
+            <a:avLst/>
+          </a:prstGeom>
+        </p:spPr>
+      </p:pic>
+      <p:pic>
+        <p:nvPicPr>
+          <p:cNvPr id="16" name="그림 15">
+            <a:extLst>
+              <a:ext uri="{FF2B5EF4-FFF2-40B4-BE49-F238E27FC236}">
+                <a16:creationId xmlns:a16="http://schemas.microsoft.com/office/drawing/2014/main" id="{5DC3B846-B5AC-AD9D-1DD0-72A8FA2B1F7B}"/>
+              </a:ext>
+            </a:extLst>
+          </p:cNvPr>
+          <p:cNvPicPr>
+            <a:picLocks noChangeAspect="1"/>
+          </p:cNvPicPr>
+          <p:nvPr/>
+        </p:nvPicPr>
+        <p:blipFill rotWithShape="1">
+          <a:blip r:embed="rId7"/>
+          <a:srcRect b="10866"/>
+          <a:stretch/>
+        </p:blipFill>
+        <p:spPr>
+          <a:xfrm>
+            <a:off x="4390342" y="2511804"/>
+            <a:ext cx="4611335" cy="2829340"/>
+          </a:xfrm>
+          <a:prstGeom prst="rect">
+            <a:avLst/>
+          </a:prstGeom>
+        </p:spPr>
+      </p:pic>
+    </p:spTree>
+    <p:extLst>
+      <p:ext uri="{BB962C8B-B14F-4D97-AF65-F5344CB8AC3E}">
+        <p14:creationId xmlns:p14="http://schemas.microsoft.com/office/powerpoint/2010/main" val="1578493575"/>
       </p:ext>
     </p:extLst>
   </p:cSld>
@@ -10178,8 +13980,8 @@
         </p:blipFill>
         <p:spPr>
           <a:xfrm>
-            <a:off x="302791" y="2495844"/>
-            <a:ext cx="4106510" cy="2308275"/>
+            <a:off x="302791" y="2676940"/>
+            <a:ext cx="4106510" cy="2127180"/>
           </a:xfrm>
           <a:prstGeom prst="rect">
             <a:avLst/>
@@ -10213,8 +14015,8 @@
         </p:blipFill>
         <p:spPr>
           <a:xfrm>
-            <a:off x="4734701" y="2495844"/>
-            <a:ext cx="4126326" cy="2319414"/>
+            <a:off x="4734701" y="2676940"/>
+            <a:ext cx="4126326" cy="2138318"/>
           </a:xfrm>
           <a:prstGeom prst="rect">
             <a:avLst/>
@@ -10235,10 +14037,10 @@
         </p:nvGrpSpPr>
         <p:grpSpPr>
           <a:xfrm>
-            <a:off x="300881" y="3161127"/>
-            <a:ext cx="1201407" cy="977707"/>
-            <a:chOff x="1200831" y="1330569"/>
-            <a:chExt cx="493153" cy="492369"/>
+            <a:off x="302175" y="3231797"/>
+            <a:ext cx="1208033" cy="977707"/>
+            <a:chOff x="1198111" y="1330569"/>
+            <a:chExt cx="495873" cy="492369"/>
           </a:xfrm>
         </p:grpSpPr>
         <p:sp>
@@ -10603,7 +14405,7 @@
           </p:nvSpPr>
           <p:spPr>
             <a:xfrm>
-              <a:off x="1200831" y="1658815"/>
+              <a:off x="1198111" y="1658815"/>
               <a:ext cx="164123" cy="164123"/>
             </a:xfrm>
             <a:prstGeom prst="rect">
@@ -10661,7 +14463,7 @@
           </p:nvSpPr>
           <p:spPr>
             <a:xfrm>
-              <a:off x="1364954" y="1658815"/>
+              <a:off x="1362234" y="1658815"/>
               <a:ext cx="164123" cy="164123"/>
             </a:xfrm>
             <a:prstGeom prst="rect">
@@ -10719,7 +14521,7 @@
           </p:nvSpPr>
           <p:spPr>
             <a:xfrm>
-              <a:off x="1529077" y="1658815"/>
+              <a:off x="1526357" y="1658815"/>
               <a:ext cx="164123" cy="164123"/>
             </a:xfrm>
             <a:prstGeom prst="rect">
@@ -10778,10 +14580,10 @@
         </p:nvGrpSpPr>
         <p:grpSpPr>
           <a:xfrm>
-            <a:off x="3156542" y="2599000"/>
-            <a:ext cx="1201407" cy="977707"/>
-            <a:chOff x="1200831" y="1330569"/>
-            <a:chExt cx="493153" cy="492369"/>
+            <a:off x="3158451" y="2842840"/>
+            <a:ext cx="1202666" cy="977707"/>
+            <a:chOff x="1201615" y="1330569"/>
+            <a:chExt cx="493670" cy="492369"/>
           </a:xfrm>
         </p:grpSpPr>
         <p:sp>
@@ -11146,7 +14948,7 @@
           </p:nvSpPr>
           <p:spPr>
             <a:xfrm>
-              <a:off x="1200831" y="1658815"/>
+              <a:off x="1202917" y="1658815"/>
               <a:ext cx="164123" cy="164123"/>
             </a:xfrm>
             <a:prstGeom prst="rect">
@@ -11204,7 +15006,7 @@
           </p:nvSpPr>
           <p:spPr>
             <a:xfrm>
-              <a:off x="1364954" y="1658815"/>
+              <a:off x="1367039" y="1658815"/>
               <a:ext cx="164123" cy="164123"/>
             </a:xfrm>
             <a:prstGeom prst="rect">
@@ -11262,7 +15064,7 @@
           </p:nvSpPr>
           <p:spPr>
             <a:xfrm>
-              <a:off x="1529077" y="1658815"/>
+              <a:off x="1531162" y="1658815"/>
               <a:ext cx="164123" cy="164123"/>
             </a:xfrm>
             <a:prstGeom prst="rect">
@@ -11307,8 +15109,8 @@
           </p:txBody>
         </p:sp>
       </p:grpSp>
-      <mc:AlternateContent xmlns:mc="http://schemas.openxmlformats.org/markup-compatibility/2006">
-        <mc:Choice xmlns:a14="http://schemas.microsoft.com/office/drawing/2010/main" Requires="a14">
+      <mc:AlternateContent xmlns:mc="http://schemas.openxmlformats.org/markup-compatibility/2006" xmlns:a14="http://schemas.microsoft.com/office/drawing/2010/main">
+        <mc:Choice Requires="a14">
           <p:sp>
             <p:nvSpPr>
               <p:cNvPr id="59" name="Text Box 20">
@@ -11510,7 +15312,7 @@
             </p:txBody>
           </p:sp>
         </mc:Choice>
-        <mc:Fallback>
+        <mc:Fallback xmlns="">
           <p:sp>
             <p:nvSpPr>
               <p:cNvPr id="59" name="Text Box 20">
@@ -11580,8 +15382,8 @@
           </p:sp>
         </mc:Fallback>
       </mc:AlternateContent>
-      <mc:AlternateContent xmlns:mc="http://schemas.openxmlformats.org/markup-compatibility/2006">
-        <mc:Choice xmlns:a14="http://schemas.microsoft.com/office/drawing/2010/main" Requires="a14">
+      <mc:AlternateContent xmlns:mc="http://schemas.openxmlformats.org/markup-compatibility/2006" xmlns:a14="http://schemas.microsoft.com/office/drawing/2010/main">
+        <mc:Choice Requires="a14">
           <p:sp>
             <p:nvSpPr>
               <p:cNvPr id="60" name="Text Box 28">
@@ -11783,7 +15585,7 @@
             </p:txBody>
           </p:sp>
         </mc:Choice>
-        <mc:Fallback>
+        <mc:Fallback xmlns="">
           <p:sp>
             <p:nvSpPr>
               <p:cNvPr id="60" name="Text Box 28">
@@ -11867,7 +15669,7 @@
         </p:nvGrpSpPr>
         <p:grpSpPr>
           <a:xfrm>
-            <a:off x="4734701" y="2924902"/>
+            <a:off x="4734701" y="3231797"/>
             <a:ext cx="1201407" cy="977707"/>
             <a:chOff x="1200831" y="1330569"/>
             <a:chExt cx="493153" cy="492369"/>
@@ -12410,7 +16212,7 @@
         </p:nvGrpSpPr>
         <p:grpSpPr>
           <a:xfrm>
-            <a:off x="7633791" y="3756072"/>
+            <a:off x="7633791" y="2842840"/>
             <a:ext cx="1201407" cy="977707"/>
             <a:chOff x="1200831" y="1330569"/>
             <a:chExt cx="493153" cy="492369"/>
@@ -13041,10 +16843,10 @@
       </p:sp>
       <p:pic>
         <p:nvPicPr>
-          <p:cNvPr id="6" name="그림 5">
+          <p:cNvPr id="5" name="그림 4">
             <a:extLst>
               <a:ext uri="{FF2B5EF4-FFF2-40B4-BE49-F238E27FC236}">
-                <a16:creationId xmlns:a16="http://schemas.microsoft.com/office/drawing/2014/main" id="{D87CCFA0-F7DB-451A-A459-7D9B65FDC97F}"/>
+                <a16:creationId xmlns:a16="http://schemas.microsoft.com/office/drawing/2014/main" id="{393C7918-5FD4-317B-06A7-5F226F6D5AD5}"/>
               </a:ext>
             </a:extLst>
           </p:cNvPr>
@@ -13061,38 +16863,8 @@
         </p:blipFill>
         <p:spPr>
           <a:xfrm>
-            <a:off x="1276109" y="2197050"/>
-            <a:ext cx="2493405" cy="4290646"/>
-          </a:xfrm>
-          <a:prstGeom prst="rect">
-            <a:avLst/>
-          </a:prstGeom>
-        </p:spPr>
-      </p:pic>
-      <p:pic>
-        <p:nvPicPr>
-          <p:cNvPr id="8" name="그림 7">
-            <a:extLst>
-              <a:ext uri="{FF2B5EF4-FFF2-40B4-BE49-F238E27FC236}">
-                <a16:creationId xmlns:a16="http://schemas.microsoft.com/office/drawing/2014/main" id="{A42CF7D7-3CF4-45DD-82B1-C83DDE608D92}"/>
-              </a:ext>
-            </a:extLst>
-          </p:cNvPr>
-          <p:cNvPicPr>
-            <a:picLocks noChangeAspect="1"/>
-          </p:cNvPicPr>
-          <p:nvPr/>
-        </p:nvPicPr>
-        <p:blipFill>
-          <a:blip r:embed="rId3"/>
-          <a:stretch>
-            <a:fillRect/>
-          </a:stretch>
-        </p:blipFill>
-        <p:spPr>
-          <a:xfrm>
-            <a:off x="4482758" y="3225462"/>
-            <a:ext cx="3385133" cy="1843619"/>
+            <a:off x="2602138" y="2499711"/>
+            <a:ext cx="3939724" cy="3111372"/>
           </a:xfrm>
           <a:prstGeom prst="rect">
             <a:avLst/>
@@ -13185,18 +16957,14 @@
           <a:p>
             <a:r>
               <a:rPr lang="en-US" altLang="ko-KR" sz="2000" dirty="0"/>
-              <a:t>Edge gradient using Prewitt operator </a:t>
-            </a:r>
-            <a:r>
-              <a:rPr lang="en-US" altLang="ko-KR" sz="1800" dirty="0"/>
-              <a:t>(without </a:t>
-            </a:r>
-            <a:r>
-              <a:rPr lang="en-US" altLang="ko-KR" sz="1800" i="1" dirty="0" err="1"/>
+              <a:t>Edge gradient using Prewitt operator (without </a:t>
+            </a:r>
+            <a:r>
+              <a:rPr lang="en-US" altLang="ko-KR" sz="2000" i="1" dirty="0" err="1"/>
               <a:t>skimage</a:t>
             </a:r>
             <a:r>
-              <a:rPr lang="en-US" altLang="ko-KR" sz="1800" dirty="0"/>
+              <a:rPr lang="en-US" altLang="ko-KR" sz="2000" dirty="0"/>
               <a:t> module)</a:t>
             </a:r>
             <a:endParaRPr lang="ko-KR" altLang="en-US" sz="1700" dirty="0"/>
@@ -13208,7 +16976,7 @@
           <p:cNvPr id="5" name="그림 4">
             <a:extLst>
               <a:ext uri="{FF2B5EF4-FFF2-40B4-BE49-F238E27FC236}">
-                <a16:creationId xmlns:a16="http://schemas.microsoft.com/office/drawing/2014/main" id="{022AE87C-648B-424B-9F75-4AE39AC239C9}"/>
+                <a16:creationId xmlns:a16="http://schemas.microsoft.com/office/drawing/2014/main" id="{28C88F73-2D56-8B03-FD69-F95D1F765D3E}"/>
               </a:ext>
             </a:extLst>
           </p:cNvPr>
@@ -13225,8 +16993,38 @@
         </p:blipFill>
         <p:spPr>
           <a:xfrm>
-            <a:off x="998533" y="2473569"/>
-            <a:ext cx="7146933" cy="2444262"/>
+            <a:off x="259345" y="1787502"/>
+            <a:ext cx="3347473" cy="4966415"/>
+          </a:xfrm>
+          <a:prstGeom prst="rect">
+            <a:avLst/>
+          </a:prstGeom>
+        </p:spPr>
+      </p:pic>
+      <p:pic>
+        <p:nvPicPr>
+          <p:cNvPr id="9" name="그림 8">
+            <a:extLst>
+              <a:ext uri="{FF2B5EF4-FFF2-40B4-BE49-F238E27FC236}">
+                <a16:creationId xmlns:a16="http://schemas.microsoft.com/office/drawing/2014/main" id="{30961EE7-F7AA-1D8D-6559-F80CBEABF294}"/>
+              </a:ext>
+            </a:extLst>
+          </p:cNvPr>
+          <p:cNvPicPr>
+            <a:picLocks noChangeAspect="1"/>
+          </p:cNvPicPr>
+          <p:nvPr/>
+        </p:nvPicPr>
+        <p:blipFill>
+          <a:blip r:embed="rId3"/>
+          <a:stretch>
+            <a:fillRect/>
+          </a:stretch>
+        </p:blipFill>
+        <p:spPr>
+          <a:xfrm>
+            <a:off x="3810155" y="3213379"/>
+            <a:ext cx="5124713" cy="2114659"/>
           </a:xfrm>
           <a:prstGeom prst="rect">
             <a:avLst/>
@@ -13236,7 +17034,7 @@
     </p:spTree>
     <p:extLst>
       <p:ext uri="{BB962C8B-B14F-4D97-AF65-F5344CB8AC3E}">
-        <p14:creationId xmlns:p14="http://schemas.microsoft.com/office/powerpoint/2010/main" val="1534523051"/>
+        <p14:creationId xmlns:p14="http://schemas.microsoft.com/office/powerpoint/2010/main" val="2448669805"/>
       </p:ext>
     </p:extLst>
   </p:cSld>
@@ -13319,18 +17117,14 @@
           <a:p>
             <a:r>
               <a:rPr lang="en-US" altLang="ko-KR" sz="2000" dirty="0"/>
-              <a:t>Edge gradient using Prewitt operator </a:t>
-            </a:r>
-            <a:r>
-              <a:rPr lang="en-US" altLang="ko-KR" sz="1800" dirty="0"/>
-              <a:t>(without </a:t>
-            </a:r>
-            <a:r>
-              <a:rPr lang="en-US" altLang="ko-KR" sz="1800" i="1" dirty="0" err="1"/>
+              <a:t>Edge gradient using Prewitt operator (without </a:t>
+            </a:r>
+            <a:r>
+              <a:rPr lang="en-US" altLang="ko-KR" sz="2000" i="1" dirty="0" err="1"/>
               <a:t>skimage</a:t>
             </a:r>
             <a:r>
-              <a:rPr lang="en-US" altLang="ko-KR" sz="1800" dirty="0"/>
+              <a:rPr lang="en-US" altLang="ko-KR" sz="2000" dirty="0"/>
               <a:t> module)</a:t>
             </a:r>
             <a:endParaRPr lang="ko-KR" altLang="en-US" sz="1700" dirty="0"/>
@@ -13342,7 +17136,7 @@
           <p:cNvPr id="6" name="그림 5">
             <a:extLst>
               <a:ext uri="{FF2B5EF4-FFF2-40B4-BE49-F238E27FC236}">
-                <a16:creationId xmlns:a16="http://schemas.microsoft.com/office/drawing/2014/main" id="{D490A673-67E8-487B-A10B-82CF5E6A7715}"/>
+                <a16:creationId xmlns:a16="http://schemas.microsoft.com/office/drawing/2014/main" id="{11657F3D-F247-C007-B60A-D84391587E28}"/>
               </a:ext>
             </a:extLst>
           </p:cNvPr>
@@ -13359,8 +17153,8 @@
         </p:blipFill>
         <p:spPr>
           <a:xfrm>
-            <a:off x="357555" y="3356632"/>
-            <a:ext cx="4339330" cy="1093177"/>
+            <a:off x="2034704" y="1793956"/>
+            <a:ext cx="5074592" cy="2425150"/>
           </a:xfrm>
           <a:prstGeom prst="rect">
             <a:avLst/>
@@ -13372,7 +17166,7 @@
           <p:cNvPr id="8" name="그림 7">
             <a:extLst>
               <a:ext uri="{FF2B5EF4-FFF2-40B4-BE49-F238E27FC236}">
-                <a16:creationId xmlns:a16="http://schemas.microsoft.com/office/drawing/2014/main" id="{9F735DF7-4E70-439C-852C-A8F85DE77F4E}"/>
+                <a16:creationId xmlns:a16="http://schemas.microsoft.com/office/drawing/2014/main" id="{7BC01B96-B9D4-07D2-959A-D5CBADC68CE7}"/>
               </a:ext>
             </a:extLst>
           </p:cNvPr>
@@ -13389,8 +17183,8 @@
         </p:blipFill>
         <p:spPr>
           <a:xfrm>
-            <a:off x="5308714" y="2466418"/>
-            <a:ext cx="2862697" cy="2873603"/>
+            <a:off x="2602697" y="4296309"/>
+            <a:ext cx="3938606" cy="2505051"/>
           </a:xfrm>
           <a:prstGeom prst="rect">
             <a:avLst/>
@@ -13400,7 +17194,7 @@
     </p:spTree>
     <p:extLst>
       <p:ext uri="{BB962C8B-B14F-4D97-AF65-F5344CB8AC3E}">
-        <p14:creationId xmlns:p14="http://schemas.microsoft.com/office/powerpoint/2010/main" val="84398486"/>
+        <p14:creationId xmlns:p14="http://schemas.microsoft.com/office/powerpoint/2010/main" val="2825627624"/>
       </p:ext>
     </p:extLst>
   </p:cSld>
@@ -13483,14 +17277,18 @@
           <a:p>
             <a:r>
               <a:rPr lang="en-US" altLang="ko-KR" sz="2000" dirty="0"/>
-              <a:t>Edge gradient using Prewitt operator (with </a:t>
-            </a:r>
-            <a:r>
-              <a:rPr lang="en-US" altLang="ko-KR" sz="2000" i="1" dirty="0" err="1"/>
+              <a:t>Edge gradient using Prewitt operator </a:t>
+            </a:r>
+            <a:r>
+              <a:rPr lang="en-US" altLang="ko-KR" sz="1800" dirty="0"/>
+              <a:t>(without </a:t>
+            </a:r>
+            <a:r>
+              <a:rPr lang="en-US" altLang="ko-KR" sz="1800" i="1" dirty="0" err="1"/>
               <a:t>skimage</a:t>
             </a:r>
             <a:r>
-              <a:rPr lang="en-US" altLang="ko-KR" sz="2000" dirty="0"/>
+              <a:rPr lang="en-US" altLang="ko-KR" sz="1800" dirty="0"/>
               <a:t> module)</a:t>
             </a:r>
             <a:endParaRPr lang="ko-KR" altLang="en-US" sz="1700" dirty="0"/>
@@ -13499,10 +17297,10 @@
       </p:sp>
       <p:pic>
         <p:nvPicPr>
-          <p:cNvPr id="5" name="그림 4">
+          <p:cNvPr id="15" name="그림 14">
             <a:extLst>
               <a:ext uri="{FF2B5EF4-FFF2-40B4-BE49-F238E27FC236}">
-                <a16:creationId xmlns:a16="http://schemas.microsoft.com/office/drawing/2014/main" id="{F3C5F62C-95A9-4906-A426-B082913D7B4B}"/>
+                <a16:creationId xmlns:a16="http://schemas.microsoft.com/office/drawing/2014/main" id="{929364E9-5E78-3D97-9280-67C58617D5F5}"/>
               </a:ext>
             </a:extLst>
           </p:cNvPr>
@@ -13519,356 +17317,18 @@
         </p:blipFill>
         <p:spPr>
           <a:xfrm>
-            <a:off x="949568" y="3688249"/>
-            <a:ext cx="7244862" cy="1952072"/>
+            <a:off x="321515" y="2763595"/>
+            <a:ext cx="8500970" cy="2435321"/>
           </a:xfrm>
           <a:prstGeom prst="rect">
             <a:avLst/>
           </a:prstGeom>
         </p:spPr>
       </p:pic>
-      <p:pic>
-        <p:nvPicPr>
-          <p:cNvPr id="9" name="그림 8">
-            <a:extLst>
-              <a:ext uri="{FF2B5EF4-FFF2-40B4-BE49-F238E27FC236}">
-                <a16:creationId xmlns:a16="http://schemas.microsoft.com/office/drawing/2014/main" id="{941CC762-BF5F-42D7-834E-06E33A8D0445}"/>
-              </a:ext>
-            </a:extLst>
-          </p:cNvPr>
-          <p:cNvPicPr>
-            <a:picLocks noChangeAspect="1"/>
-          </p:cNvPicPr>
-          <p:nvPr/>
-        </p:nvPicPr>
-        <p:blipFill>
-          <a:blip r:embed="rId3"/>
-          <a:stretch>
-            <a:fillRect/>
-          </a:stretch>
-        </p:blipFill>
-        <p:spPr>
-          <a:xfrm>
-            <a:off x="2537674" y="2308707"/>
-            <a:ext cx="4068649" cy="1000960"/>
-          </a:xfrm>
-          <a:prstGeom prst="rect">
-            <a:avLst/>
-          </a:prstGeom>
-        </p:spPr>
-      </p:pic>
-      <p:sp>
-        <p:nvSpPr>
-          <p:cNvPr id="10" name="직사각형 9">
-            <a:extLst>
-              <a:ext uri="{FF2B5EF4-FFF2-40B4-BE49-F238E27FC236}">
-                <a16:creationId xmlns:a16="http://schemas.microsoft.com/office/drawing/2014/main" id="{EBF3A427-C9D0-4808-807B-26D7E2C662C4}"/>
-              </a:ext>
-            </a:extLst>
-          </p:cNvPr>
-          <p:cNvSpPr/>
-          <p:nvPr/>
-        </p:nvSpPr>
-        <p:spPr>
-          <a:xfrm>
-            <a:off x="7432431" y="3886200"/>
-            <a:ext cx="574431" cy="1535723"/>
-          </a:xfrm>
-          <a:prstGeom prst="rect">
-            <a:avLst/>
-          </a:prstGeom>
-          <a:noFill/>
-          <a:ln w="28575">
-            <a:solidFill>
-              <a:srgbClr val="FF0000"/>
-            </a:solidFill>
-          </a:ln>
-        </p:spPr>
-        <p:style>
-          <a:lnRef idx="2">
-            <a:schemeClr val="accent1">
-              <a:shade val="50000"/>
-            </a:schemeClr>
-          </a:lnRef>
-          <a:fillRef idx="1">
-            <a:schemeClr val="accent1"/>
-          </a:fillRef>
-          <a:effectRef idx="0">
-            <a:schemeClr val="accent1"/>
-          </a:effectRef>
-          <a:fontRef idx="minor">
-            <a:schemeClr val="lt1"/>
-          </a:fontRef>
-        </p:style>
-        <p:txBody>
-          <a:bodyPr rtlCol="0" anchor="ctr"/>
-          <a:lstStyle/>
-          <a:p>
-            <a:pPr algn="ctr"/>
-            <a:endParaRPr lang="ko-KR" altLang="en-US"/>
-          </a:p>
-        </p:txBody>
-      </p:sp>
-      <p:sp>
-        <p:nvSpPr>
-          <p:cNvPr id="11" name="내용 개체 틀 2">
-            <a:extLst>
-              <a:ext uri="{FF2B5EF4-FFF2-40B4-BE49-F238E27FC236}">
-                <a16:creationId xmlns:a16="http://schemas.microsoft.com/office/drawing/2014/main" id="{0B3D6BB3-FB58-458F-9F3E-68EE59276120}"/>
-              </a:ext>
-            </a:extLst>
-          </p:cNvPr>
-          <p:cNvSpPr txBox="1">
-            <a:spLocks/>
-          </p:cNvSpPr>
-          <p:nvPr/>
-        </p:nvSpPr>
-        <p:spPr>
-          <a:xfrm>
-            <a:off x="7692083" y="3488492"/>
-            <a:ext cx="817127" cy="397708"/>
-          </a:xfrm>
-          <a:prstGeom prst="rect">
-            <a:avLst/>
-          </a:prstGeom>
-        </p:spPr>
-        <p:txBody>
-          <a:bodyPr vert="horz" lIns="91440" tIns="45720" rIns="91440" bIns="45720" rtlCol="0" anchor="t">
-            <a:normAutofit/>
-          </a:bodyPr>
-          <a:lstStyle>
-            <a:lvl1pPr marL="228600" indent="-228600" algn="l" defTabSz="685800" rtl="0" eaLnBrk="1" latinLnBrk="1" hangingPunct="1">
-              <a:lnSpc>
-                <a:spcPct val="120000"/>
-              </a:lnSpc>
-              <a:spcBef>
-                <a:spcPts val="1000"/>
-              </a:spcBef>
-              <a:buClr>
-                <a:schemeClr val="accent1"/>
-              </a:buClr>
-              <a:buSzPct val="100000"/>
-              <a:buFont typeface="Arial" panose="020B0604020202020204" pitchFamily="34" charset="0"/>
-              <a:buChar char="•"/>
-              <a:defRPr sz="1400" kern="1200" cap="none">
-                <a:solidFill>
-                  <a:schemeClr val="tx1"/>
-                </a:solidFill>
-                <a:effectLst/>
-                <a:latin typeface="+mn-lt"/>
-                <a:ea typeface="+mn-ea"/>
-                <a:cs typeface="+mn-cs"/>
-              </a:defRPr>
-            </a:lvl1pPr>
-            <a:lvl2pPr marL="685800" indent="-228600" algn="l" defTabSz="685800" rtl="0" eaLnBrk="1" latinLnBrk="1" hangingPunct="1">
-              <a:lnSpc>
-                <a:spcPct val="120000"/>
-              </a:lnSpc>
-              <a:spcBef>
-                <a:spcPts val="500"/>
-              </a:spcBef>
-              <a:buClr>
-                <a:schemeClr val="accent1"/>
-              </a:buClr>
-              <a:buSzPct val="100000"/>
-              <a:buFont typeface="Arial" panose="020B0604020202020204" pitchFamily="34" charset="0"/>
-              <a:buChar char="•"/>
-              <a:defRPr sz="1100" kern="1200" cap="none" baseline="0">
-                <a:solidFill>
-                  <a:schemeClr val="tx1"/>
-                </a:solidFill>
-                <a:effectLst/>
-                <a:latin typeface="+mn-lt"/>
-                <a:ea typeface="+mn-ea"/>
-                <a:cs typeface="+mn-cs"/>
-              </a:defRPr>
-            </a:lvl2pPr>
-            <a:lvl3pPr marL="1143000" indent="-228600" algn="l" defTabSz="685800" rtl="0" eaLnBrk="1" latinLnBrk="1" hangingPunct="1">
-              <a:lnSpc>
-                <a:spcPct val="120000"/>
-              </a:lnSpc>
-              <a:spcBef>
-                <a:spcPts val="500"/>
-              </a:spcBef>
-              <a:buClr>
-                <a:schemeClr val="accent1"/>
-              </a:buClr>
-              <a:buSzPct val="100000"/>
-              <a:buFont typeface="Arial" panose="020B0604020202020204" pitchFamily="34" charset="0"/>
-              <a:buChar char="•"/>
-              <a:defRPr sz="1100" kern="1200" cap="none">
-                <a:solidFill>
-                  <a:schemeClr val="tx1"/>
-                </a:solidFill>
-                <a:effectLst/>
-                <a:latin typeface="+mn-lt"/>
-                <a:ea typeface="+mn-ea"/>
-                <a:cs typeface="+mn-cs"/>
-              </a:defRPr>
-            </a:lvl3pPr>
-            <a:lvl4pPr marL="1600200" indent="-228600" algn="l" defTabSz="685800" rtl="0" eaLnBrk="1" latinLnBrk="1" hangingPunct="1">
-              <a:lnSpc>
-                <a:spcPct val="120000"/>
-              </a:lnSpc>
-              <a:spcBef>
-                <a:spcPts val="500"/>
-              </a:spcBef>
-              <a:buClr>
-                <a:schemeClr val="accent1"/>
-              </a:buClr>
-              <a:buSzPct val="100000"/>
-              <a:buFont typeface="Arial" panose="020B0604020202020204" pitchFamily="34" charset="0"/>
-              <a:buChar char="•"/>
-              <a:defRPr sz="1050" kern="1200" cap="none" baseline="0">
-                <a:solidFill>
-                  <a:schemeClr val="tx1"/>
-                </a:solidFill>
-                <a:effectLst/>
-                <a:latin typeface="+mn-lt"/>
-                <a:ea typeface="+mn-ea"/>
-                <a:cs typeface="+mn-cs"/>
-              </a:defRPr>
-            </a:lvl4pPr>
-            <a:lvl5pPr marL="2057400" indent="-228600" algn="l" defTabSz="685800" rtl="0" eaLnBrk="1" latinLnBrk="1" hangingPunct="1">
-              <a:lnSpc>
-                <a:spcPct val="120000"/>
-              </a:lnSpc>
-              <a:spcBef>
-                <a:spcPts val="500"/>
-              </a:spcBef>
-              <a:buClr>
-                <a:schemeClr val="accent1"/>
-              </a:buClr>
-              <a:buSzPct val="100000"/>
-              <a:buFont typeface="Arial" panose="020B0604020202020204" pitchFamily="34" charset="0"/>
-              <a:buChar char="•"/>
-              <a:defRPr sz="1000" kern="1200" cap="none">
-                <a:solidFill>
-                  <a:schemeClr val="tx1"/>
-                </a:solidFill>
-                <a:effectLst/>
-                <a:latin typeface="+mn-lt"/>
-                <a:ea typeface="+mn-ea"/>
-                <a:cs typeface="+mn-cs"/>
-              </a:defRPr>
-            </a:lvl5pPr>
-            <a:lvl6pPr marL="2514600" indent="-228600" algn="l" defTabSz="914400" rtl="0" eaLnBrk="1" latinLnBrk="1" hangingPunct="1">
-              <a:lnSpc>
-                <a:spcPct val="120000"/>
-              </a:lnSpc>
-              <a:spcBef>
-                <a:spcPts val="500"/>
-              </a:spcBef>
-              <a:buClr>
-                <a:schemeClr val="accent1"/>
-              </a:buClr>
-              <a:buSzPct val="100000"/>
-              <a:buFont typeface="Arial" panose="020B0604020202020204" pitchFamily="34" charset="0"/>
-              <a:buChar char="•"/>
-              <a:defRPr sz="1200" kern="1200">
-                <a:solidFill>
-                  <a:schemeClr val="tx1"/>
-                </a:solidFill>
-                <a:effectLst/>
-                <a:latin typeface="+mn-lt"/>
-                <a:ea typeface="+mn-ea"/>
-                <a:cs typeface="+mn-cs"/>
-              </a:defRPr>
-            </a:lvl6pPr>
-            <a:lvl7pPr marL="2971800" indent="-228600" algn="l" defTabSz="914400" rtl="0" eaLnBrk="1" latinLnBrk="1" hangingPunct="1">
-              <a:lnSpc>
-                <a:spcPct val="120000"/>
-              </a:lnSpc>
-              <a:spcBef>
-                <a:spcPts val="500"/>
-              </a:spcBef>
-              <a:buClr>
-                <a:schemeClr val="accent1"/>
-              </a:buClr>
-              <a:buSzPct val="100000"/>
-              <a:buFont typeface="Arial" panose="020B0604020202020204" pitchFamily="34" charset="0"/>
-              <a:buChar char="•"/>
-              <a:defRPr sz="1200" kern="1200">
-                <a:solidFill>
-                  <a:schemeClr val="tx1"/>
-                </a:solidFill>
-                <a:effectLst/>
-                <a:latin typeface="+mn-lt"/>
-                <a:ea typeface="+mn-ea"/>
-                <a:cs typeface="+mn-cs"/>
-              </a:defRPr>
-            </a:lvl7pPr>
-            <a:lvl8pPr marL="3429000" indent="-228600" algn="l" defTabSz="914400" rtl="0" eaLnBrk="1" latinLnBrk="1" hangingPunct="1">
-              <a:lnSpc>
-                <a:spcPct val="120000"/>
-              </a:lnSpc>
-              <a:spcBef>
-                <a:spcPts val="500"/>
-              </a:spcBef>
-              <a:buClr>
-                <a:schemeClr val="accent1"/>
-              </a:buClr>
-              <a:buSzPct val="100000"/>
-              <a:buFont typeface="Arial" panose="020B0604020202020204" pitchFamily="34" charset="0"/>
-              <a:buChar char="•"/>
-              <a:defRPr sz="1200" kern="1200" baseline="0">
-                <a:solidFill>
-                  <a:schemeClr val="tx1"/>
-                </a:solidFill>
-                <a:effectLst/>
-                <a:latin typeface="+mn-lt"/>
-                <a:ea typeface="+mn-ea"/>
-                <a:cs typeface="+mn-cs"/>
-              </a:defRPr>
-            </a:lvl8pPr>
-            <a:lvl9pPr marL="3886200" indent="-228600" algn="l" defTabSz="914400" rtl="0" eaLnBrk="1" latinLnBrk="1" hangingPunct="1">
-              <a:lnSpc>
-                <a:spcPct val="120000"/>
-              </a:lnSpc>
-              <a:spcBef>
-                <a:spcPts val="500"/>
-              </a:spcBef>
-              <a:buClr>
-                <a:schemeClr val="accent1"/>
-              </a:buClr>
-              <a:buSzPct val="100000"/>
-              <a:buFont typeface="Arial" panose="020B0604020202020204" pitchFamily="34" charset="0"/>
-              <a:buChar char="•"/>
-              <a:defRPr sz="1200" kern="1200" baseline="0">
-                <a:solidFill>
-                  <a:schemeClr val="tx1"/>
-                </a:solidFill>
-                <a:effectLst/>
-                <a:latin typeface="+mn-lt"/>
-                <a:ea typeface="+mn-ea"/>
-                <a:cs typeface="+mn-cs"/>
-              </a:defRPr>
-            </a:lvl9pPr>
-          </a:lstStyle>
-          <a:p>
-            <a:pPr marL="0" indent="0" algn="ctr">
-              <a:buNone/>
-            </a:pPr>
-            <a:r>
-              <a:rPr lang="en-US" altLang="ko-KR" sz="1600" dirty="0">
-                <a:solidFill>
-                  <a:srgbClr val="FF0000"/>
-                </a:solidFill>
-              </a:rPr>
-              <a:t>Why ??</a:t>
-            </a:r>
-            <a:endParaRPr lang="ko-KR" altLang="en-US" sz="1200" dirty="0">
-              <a:solidFill>
-                <a:srgbClr val="FF0000"/>
-              </a:solidFill>
-            </a:endParaRPr>
-          </a:p>
-        </p:txBody>
-      </p:sp>
     </p:spTree>
     <p:extLst>
       <p:ext uri="{BB962C8B-B14F-4D97-AF65-F5344CB8AC3E}">
-        <p14:creationId xmlns:p14="http://schemas.microsoft.com/office/powerpoint/2010/main" val="271618971"/>
+        <p14:creationId xmlns:p14="http://schemas.microsoft.com/office/powerpoint/2010/main" val="1534523051"/>
       </p:ext>
     </p:extLst>
   </p:cSld>
@@ -13965,388 +17425,70 @@
           </a:p>
         </p:txBody>
       </p:sp>
-      <p:grpSp>
-        <p:nvGrpSpPr>
-          <p:cNvPr id="4" name="그룹 3">
+      <p:pic>
+        <p:nvPicPr>
+          <p:cNvPr id="9" name="그림 8">
             <a:extLst>
               <a:ext uri="{FF2B5EF4-FFF2-40B4-BE49-F238E27FC236}">
-                <a16:creationId xmlns:a16="http://schemas.microsoft.com/office/drawing/2014/main" id="{4E6DD6C4-A37C-403F-B008-994AEA4C1EA5}"/>
+                <a16:creationId xmlns:a16="http://schemas.microsoft.com/office/drawing/2014/main" id="{941CC762-BF5F-42D7-834E-06E33A8D0445}"/>
               </a:ext>
             </a:extLst>
           </p:cNvPr>
-          <p:cNvGrpSpPr/>
+          <p:cNvPicPr>
+            <a:picLocks noChangeAspect="1"/>
+          </p:cNvPicPr>
           <p:nvPr/>
-        </p:nvGrpSpPr>
-        <p:grpSpPr>
+        </p:nvPicPr>
+        <p:blipFill>
+          <a:blip r:embed="rId2"/>
+          <a:stretch>
+            <a:fillRect/>
+          </a:stretch>
+        </p:blipFill>
+        <p:spPr>
           <a:xfrm>
-            <a:off x="1085431" y="2565617"/>
-            <a:ext cx="7278034" cy="2052519"/>
-            <a:chOff x="493413" y="2495277"/>
-            <a:chExt cx="7278034" cy="2052519"/>
+            <a:off x="2537672" y="2250845"/>
+            <a:ext cx="4068649" cy="1000960"/>
           </a:xfrm>
-        </p:grpSpPr>
-        <p:pic>
-          <p:nvPicPr>
-            <p:cNvPr id="17" name="그림 16">
-              <a:extLst>
-                <a:ext uri="{FF2B5EF4-FFF2-40B4-BE49-F238E27FC236}">
-                  <a16:creationId xmlns:a16="http://schemas.microsoft.com/office/drawing/2014/main" id="{257798C1-562D-42B2-A16F-95C3899C25EE}"/>
-                </a:ext>
-              </a:extLst>
-            </p:cNvPr>
-            <p:cNvPicPr>
-              <a:picLocks noChangeAspect="1"/>
-            </p:cNvPicPr>
-            <p:nvPr/>
-          </p:nvPicPr>
-          <p:blipFill rotWithShape="1">
-            <a:blip r:embed="rId2"/>
-            <a:srcRect l="3448" b="53648"/>
-            <a:stretch/>
-          </p:blipFill>
-          <p:spPr>
-            <a:xfrm>
-              <a:off x="493413" y="2495281"/>
-              <a:ext cx="1470201" cy="2052515"/>
-            </a:xfrm>
-            <a:prstGeom prst="rect">
-              <a:avLst/>
-            </a:prstGeom>
-          </p:spPr>
-        </p:pic>
-        <p:pic>
-          <p:nvPicPr>
-            <p:cNvPr id="19" name="그림 18">
-              <a:extLst>
-                <a:ext uri="{FF2B5EF4-FFF2-40B4-BE49-F238E27FC236}">
-                  <a16:creationId xmlns:a16="http://schemas.microsoft.com/office/drawing/2014/main" id="{571DCBE5-5E5E-48CF-AF89-C0042D35DA6E}"/>
-                </a:ext>
-              </a:extLst>
-            </p:cNvPr>
-            <p:cNvPicPr>
-              <a:picLocks noChangeAspect="1"/>
-            </p:cNvPicPr>
-            <p:nvPr/>
-          </p:nvPicPr>
-          <p:blipFill rotWithShape="1">
-            <a:blip r:embed="rId3"/>
-            <a:srcRect b="53227"/>
-            <a:stretch/>
-          </p:blipFill>
-          <p:spPr>
-            <a:xfrm>
-              <a:off x="3029504" y="2495279"/>
-              <a:ext cx="1445547" cy="2052515"/>
-            </a:xfrm>
-            <a:prstGeom prst="rect">
-              <a:avLst/>
-            </a:prstGeom>
-          </p:spPr>
-        </p:pic>
-        <p:pic>
-          <p:nvPicPr>
-            <p:cNvPr id="21" name="그림 20">
-              <a:extLst>
-                <a:ext uri="{FF2B5EF4-FFF2-40B4-BE49-F238E27FC236}">
-                  <a16:creationId xmlns:a16="http://schemas.microsoft.com/office/drawing/2014/main" id="{FB54FFC1-27D2-4524-9009-0BE1B63B7777}"/>
-                </a:ext>
-              </a:extLst>
-            </p:cNvPr>
-            <p:cNvPicPr>
-              <a:picLocks noChangeAspect="1"/>
-            </p:cNvPicPr>
-            <p:nvPr/>
-          </p:nvPicPr>
-          <p:blipFill rotWithShape="1">
-            <a:blip r:embed="rId4"/>
-            <a:srcRect b="52857"/>
-            <a:stretch/>
-          </p:blipFill>
-          <p:spPr>
-            <a:xfrm>
-              <a:off x="4706343" y="2495278"/>
-              <a:ext cx="1445546" cy="2052515"/>
-            </a:xfrm>
-            <a:prstGeom prst="rect">
-              <a:avLst/>
-            </a:prstGeom>
-          </p:spPr>
-        </p:pic>
-        <p:pic>
-          <p:nvPicPr>
-            <p:cNvPr id="24" name="그림 23">
-              <a:extLst>
-                <a:ext uri="{FF2B5EF4-FFF2-40B4-BE49-F238E27FC236}">
-                  <a16:creationId xmlns:a16="http://schemas.microsoft.com/office/drawing/2014/main" id="{C725ACCD-99A9-4838-877E-3DD69516D380}"/>
-                </a:ext>
-              </a:extLst>
-            </p:cNvPr>
-            <p:cNvPicPr>
-              <a:picLocks noChangeAspect="1"/>
-            </p:cNvPicPr>
-            <p:nvPr/>
-          </p:nvPicPr>
-          <p:blipFill rotWithShape="1">
-            <a:blip r:embed="rId5"/>
-            <a:srcRect b="53043"/>
-            <a:stretch/>
-          </p:blipFill>
-          <p:spPr>
-            <a:xfrm>
-              <a:off x="6360320" y="2495277"/>
-              <a:ext cx="1411127" cy="2052514"/>
-            </a:xfrm>
-            <a:prstGeom prst="rect">
-              <a:avLst/>
-            </a:prstGeom>
-          </p:spPr>
-        </p:pic>
-        <p:cxnSp>
-          <p:nvCxnSpPr>
-            <p:cNvPr id="28" name="직선 화살표 연결선 27">
-              <a:extLst>
-                <a:ext uri="{FF2B5EF4-FFF2-40B4-BE49-F238E27FC236}">
-                  <a16:creationId xmlns:a16="http://schemas.microsoft.com/office/drawing/2014/main" id="{C70AC8BB-E8D8-4A3A-AACD-6057060E486D}"/>
-                </a:ext>
-              </a:extLst>
-            </p:cNvPr>
-            <p:cNvCxnSpPr>
-              <a:cxnSpLocks/>
-            </p:cNvCxnSpPr>
-            <p:nvPr/>
-          </p:nvCxnSpPr>
-          <p:spPr>
-            <a:xfrm>
-              <a:off x="1228513" y="3429000"/>
-              <a:ext cx="0" cy="523631"/>
-            </a:xfrm>
-            <a:prstGeom prst="straightConnector1">
-              <a:avLst/>
-            </a:prstGeom>
-            <a:ln>
-              <a:solidFill>
-                <a:srgbClr val="FF0000"/>
-              </a:solidFill>
-              <a:tailEnd type="triangle"/>
-            </a:ln>
-          </p:spPr>
-          <p:style>
-            <a:lnRef idx="1">
-              <a:schemeClr val="accent1"/>
-            </a:lnRef>
-            <a:fillRef idx="0">
-              <a:schemeClr val="accent1"/>
-            </a:fillRef>
-            <a:effectRef idx="0">
-              <a:schemeClr val="accent1"/>
-            </a:effectRef>
-            <a:fontRef idx="minor">
-              <a:schemeClr val="tx1"/>
-            </a:fontRef>
-          </p:style>
-        </p:cxnSp>
-        <p:cxnSp>
-          <p:nvCxnSpPr>
-            <p:cNvPr id="29" name="직선 화살표 연결선 28">
-              <a:extLst>
-                <a:ext uri="{FF2B5EF4-FFF2-40B4-BE49-F238E27FC236}">
-                  <a16:creationId xmlns:a16="http://schemas.microsoft.com/office/drawing/2014/main" id="{1A91C15B-59B7-4E4B-8B30-154424891C57}"/>
-                </a:ext>
-              </a:extLst>
-            </p:cNvPr>
-            <p:cNvCxnSpPr>
-              <a:cxnSpLocks/>
-            </p:cNvCxnSpPr>
-            <p:nvPr/>
-          </p:nvCxnSpPr>
-          <p:spPr>
-            <a:xfrm>
-              <a:off x="1228513" y="3429000"/>
-              <a:ext cx="412962" cy="0"/>
-            </a:xfrm>
-            <a:prstGeom prst="straightConnector1">
-              <a:avLst/>
-            </a:prstGeom>
-            <a:ln>
-              <a:solidFill>
-                <a:srgbClr val="FF0000"/>
-              </a:solidFill>
-              <a:tailEnd type="triangle"/>
-            </a:ln>
-          </p:spPr>
-          <p:style>
-            <a:lnRef idx="1">
-              <a:schemeClr val="accent1"/>
-            </a:lnRef>
-            <a:fillRef idx="0">
-              <a:schemeClr val="accent1"/>
-            </a:fillRef>
-            <a:effectRef idx="0">
-              <a:schemeClr val="accent1"/>
-            </a:effectRef>
-            <a:fontRef idx="minor">
-              <a:schemeClr val="tx1"/>
-            </a:fontRef>
-          </p:style>
-        </p:cxnSp>
-        <p:sp>
-          <p:nvSpPr>
-            <p:cNvPr id="32" name="타원 31">
-              <a:extLst>
-                <a:ext uri="{FF2B5EF4-FFF2-40B4-BE49-F238E27FC236}">
-                  <a16:creationId xmlns:a16="http://schemas.microsoft.com/office/drawing/2014/main" id="{87878F1E-930C-4298-9270-4C2E660288FE}"/>
-                </a:ext>
-              </a:extLst>
-            </p:cNvPr>
-            <p:cNvSpPr/>
-            <p:nvPr/>
-          </p:nvSpPr>
-          <p:spPr>
-            <a:xfrm>
-              <a:off x="3737037" y="3409678"/>
-              <a:ext cx="45720" cy="45720"/>
-            </a:xfrm>
-            <a:prstGeom prst="ellipse">
-              <a:avLst/>
-            </a:prstGeom>
-            <a:ln>
-              <a:solidFill>
-                <a:srgbClr val="FF0000"/>
-              </a:solidFill>
-            </a:ln>
-          </p:spPr>
-          <p:style>
-            <a:lnRef idx="2">
-              <a:schemeClr val="accent1">
-                <a:shade val="50000"/>
-              </a:schemeClr>
-            </a:lnRef>
-            <a:fillRef idx="1">
-              <a:schemeClr val="accent1"/>
-            </a:fillRef>
-            <a:effectRef idx="0">
-              <a:schemeClr val="accent1"/>
-            </a:effectRef>
-            <a:fontRef idx="minor">
-              <a:schemeClr val="lt1"/>
-            </a:fontRef>
-          </p:style>
-          <p:txBody>
-            <a:bodyPr rtlCol="0" anchor="ctr"/>
-            <a:lstStyle/>
-            <a:p>
-              <a:pPr algn="ctr"/>
-              <a:endParaRPr lang="ko-KR" altLang="en-US"/>
-            </a:p>
-          </p:txBody>
-        </p:sp>
-        <p:sp>
-          <p:nvSpPr>
-            <p:cNvPr id="33" name="타원 32">
-              <a:extLst>
-                <a:ext uri="{FF2B5EF4-FFF2-40B4-BE49-F238E27FC236}">
-                  <a16:creationId xmlns:a16="http://schemas.microsoft.com/office/drawing/2014/main" id="{C9449A55-61E8-4F65-A4AC-55568A550430}"/>
-                </a:ext>
-              </a:extLst>
-            </p:cNvPr>
-            <p:cNvSpPr/>
-            <p:nvPr/>
-          </p:nvSpPr>
-          <p:spPr>
-            <a:xfrm>
-              <a:off x="5429116" y="3429000"/>
-              <a:ext cx="45720" cy="45720"/>
-            </a:xfrm>
-            <a:prstGeom prst="ellipse">
-              <a:avLst/>
-            </a:prstGeom>
-            <a:ln>
-              <a:solidFill>
-                <a:srgbClr val="FF0000"/>
-              </a:solidFill>
-            </a:ln>
-          </p:spPr>
-          <p:style>
-            <a:lnRef idx="2">
-              <a:schemeClr val="accent1">
-                <a:shade val="50000"/>
-              </a:schemeClr>
-            </a:lnRef>
-            <a:fillRef idx="1">
-              <a:schemeClr val="accent1"/>
-            </a:fillRef>
-            <a:effectRef idx="0">
-              <a:schemeClr val="accent1"/>
-            </a:effectRef>
-            <a:fontRef idx="minor">
-              <a:schemeClr val="lt1"/>
-            </a:fontRef>
-          </p:style>
-          <p:txBody>
-            <a:bodyPr rtlCol="0" anchor="ctr"/>
-            <a:lstStyle/>
-            <a:p>
-              <a:pPr algn="ctr"/>
-              <a:endParaRPr lang="ko-KR" altLang="en-US"/>
-            </a:p>
-          </p:txBody>
-        </p:sp>
-        <p:sp>
-          <p:nvSpPr>
-            <p:cNvPr id="34" name="타원 33">
-              <a:extLst>
-                <a:ext uri="{FF2B5EF4-FFF2-40B4-BE49-F238E27FC236}">
-                  <a16:creationId xmlns:a16="http://schemas.microsoft.com/office/drawing/2014/main" id="{9A2D4753-25F2-4FDE-8304-2F53334F7D4C}"/>
-                </a:ext>
-              </a:extLst>
-            </p:cNvPr>
-            <p:cNvSpPr/>
-            <p:nvPr/>
-          </p:nvSpPr>
-          <p:spPr>
-            <a:xfrm>
-              <a:off x="7065884" y="3451860"/>
-              <a:ext cx="45720" cy="45720"/>
-            </a:xfrm>
-            <a:prstGeom prst="ellipse">
-              <a:avLst/>
-            </a:prstGeom>
-            <a:ln>
-              <a:solidFill>
-                <a:srgbClr val="FF0000"/>
-              </a:solidFill>
-            </a:ln>
-          </p:spPr>
-          <p:style>
-            <a:lnRef idx="2">
-              <a:schemeClr val="accent1">
-                <a:shade val="50000"/>
-              </a:schemeClr>
-            </a:lnRef>
-            <a:fillRef idx="1">
-              <a:schemeClr val="accent1"/>
-            </a:fillRef>
-            <a:effectRef idx="0">
-              <a:schemeClr val="accent1"/>
-            </a:effectRef>
-            <a:fontRef idx="minor">
-              <a:schemeClr val="lt1"/>
-            </a:fontRef>
-          </p:style>
-          <p:txBody>
-            <a:bodyPr rtlCol="0" anchor="ctr"/>
-            <a:lstStyle/>
-            <a:p>
-              <a:pPr algn="ctr"/>
-              <a:endParaRPr lang="ko-KR" altLang="en-US"/>
-            </a:p>
-          </p:txBody>
-        </p:sp>
-      </p:grpSp>
+          <a:prstGeom prst="rect">
+            <a:avLst/>
+          </a:prstGeom>
+        </p:spPr>
+      </p:pic>
+      <p:pic>
+        <p:nvPicPr>
+          <p:cNvPr id="8" name="그림 7">
+            <a:extLst>
+              <a:ext uri="{FF2B5EF4-FFF2-40B4-BE49-F238E27FC236}">
+                <a16:creationId xmlns:a16="http://schemas.microsoft.com/office/drawing/2014/main" id="{3DF52878-11C7-6977-8DA4-DB4C8C6C7BA2}"/>
+              </a:ext>
+            </a:extLst>
+          </p:cNvPr>
+          <p:cNvPicPr>
+            <a:picLocks noChangeAspect="1"/>
+          </p:cNvPicPr>
+          <p:nvPr/>
+        </p:nvPicPr>
+        <p:blipFill>
+          <a:blip r:embed="rId3"/>
+          <a:stretch>
+            <a:fillRect/>
+          </a:stretch>
+        </p:blipFill>
+        <p:spPr>
+          <a:xfrm>
+            <a:off x="348058" y="3781347"/>
+            <a:ext cx="8447876" cy="1983690"/>
+          </a:xfrm>
+          <a:prstGeom prst="rect">
+            <a:avLst/>
+          </a:prstGeom>
+        </p:spPr>
+      </p:pic>
     </p:spTree>
     <p:extLst>
       <p:ext uri="{BB962C8B-B14F-4D97-AF65-F5344CB8AC3E}">
-        <p14:creationId xmlns:p14="http://schemas.microsoft.com/office/powerpoint/2010/main" val="840290462"/>
+        <p14:creationId xmlns:p14="http://schemas.microsoft.com/office/powerpoint/2010/main" val="271618971"/>
       </p:ext>
     </p:extLst>
   </p:cSld>
